--- a/polymer/polymer_powerpoint.pptx
+++ b/polymer/polymer_powerpoint.pptx
@@ -6,28 +6,42 @@
     <p:sldMasterId id="2147483664" r:id="rId2"/>
   </p:sldMasterIdLst>
   <p:notesMasterIdLst>
-    <p:notesMasterId r:id="rId8"/>
+    <p:notesMasterId r:id="rId15"/>
   </p:notesMasterIdLst>
   <p:sldIdLst>
     <p:sldId id="271" r:id="rId3"/>
     <p:sldId id="277" r:id="rId4"/>
-    <p:sldId id="278" r:id="rId5"/>
-    <p:sldId id="279" r:id="rId6"/>
-    <p:sldId id="280" r:id="rId7"/>
+    <p:sldId id="291" r:id="rId5"/>
+    <p:sldId id="278" r:id="rId6"/>
+    <p:sldId id="281" r:id="rId7"/>
+    <p:sldId id="282" r:id="rId8"/>
+    <p:sldId id="279" r:id="rId9"/>
+    <p:sldId id="283" r:id="rId10"/>
+    <p:sldId id="284" r:id="rId11"/>
+    <p:sldId id="287" r:id="rId12"/>
+    <p:sldId id="286" r:id="rId13"/>
+    <p:sldId id="289" r:id="rId14"/>
   </p:sldIdLst>
   <p:sldSz cx="12192000" cy="6858000"/>
   <p:notesSz cx="6858000" cy="9144000"/>
   <p:embeddedFontLst>
     <p:embeddedFont>
       <p:font typeface="Albert Sans" panose="020B0604020202020204" charset="0"/>
-      <p:regular r:id="rId9"/>
-      <p:bold r:id="rId10"/>
-      <p:italic r:id="rId11"/>
-      <p:boldItalic r:id="rId12"/>
+      <p:regular r:id="rId16"/>
+      <p:bold r:id="rId17"/>
+      <p:italic r:id="rId18"/>
+      <p:boldItalic r:id="rId19"/>
     </p:embeddedFont>
     <p:embeddedFont>
       <p:font typeface="Cambria Math" panose="02040503050406030204" pitchFamily="18" charset="0"/>
-      <p:regular r:id="rId13"/>
+      <p:regular r:id="rId20"/>
+    </p:embeddedFont>
+    <p:embeddedFont>
+      <p:font typeface="Merriweather Sans" pitchFamily="2" charset="0"/>
+      <p:regular r:id="rId21"/>
+      <p:bold r:id="rId22"/>
+      <p:italic r:id="rId23"/>
+      <p:boldItalic r:id="rId24"/>
     </p:embeddedFont>
   </p:embeddedFontLst>
   <p:defaultTextStyle>
@@ -241,7 +255,7 @@
           <a:p>
             <a:fld id="{E9CE479C-8473-5649-B36A-750E7B20C633}" type="datetimeFigureOut">
               <a:rPr lang="de-DE" smtClean="0"/>
-              <a:t>01.03.2025</a:t>
+              <a:t>06.03.2025</a:t>
             </a:fld>
             <a:endParaRPr lang="de-DE"/>
           </a:p>
@@ -399,7 +413,7 @@
           <a:p>
             <a:fld id="{98CE2BE3-FDEB-B245-8AD9-FE155515E7DC}" type="slidenum">
               <a:rPr lang="de-DE" smtClean="0"/>
-              <a:t>‹Nr.›</a:t>
+              <a:t>‹#›</a:t>
             </a:fld>
             <a:endParaRPr lang="de-DE"/>
           </a:p>
@@ -592,7 +606,331 @@
 </p:notes>
 </file>
 
+<file path=ppt/notesSlides/notesSlide10.xml><?xml version="1.0" encoding="utf-8"?>
+<p:notes xmlns:a="http://schemas.openxmlformats.org/drawingml/2006/main" xmlns:r="http://schemas.openxmlformats.org/officeDocument/2006/relationships" xmlns:p="http://schemas.openxmlformats.org/presentationml/2006/main">
+  <p:cSld>
+    <p:spTree>
+      <p:nvGrpSpPr>
+        <p:cNvPr id="1" name="">
+          <a:extLst>
+            <a:ext uri="{FF2B5EF4-FFF2-40B4-BE49-F238E27FC236}">
+              <a16:creationId xmlns:a16="http://schemas.microsoft.com/office/drawing/2014/main" id="{7B9727E9-C6C5-BBF2-A670-E19CBAA5F476}"/>
+            </a:ext>
+          </a:extLst>
+        </p:cNvPr>
+        <p:cNvGrpSpPr/>
+        <p:nvPr/>
+      </p:nvGrpSpPr>
+      <p:grpSpPr>
+        <a:xfrm>
+          <a:off x="0" y="0"/>
+          <a:ext cx="0" cy="0"/>
+          <a:chOff x="0" y="0"/>
+          <a:chExt cx="0" cy="0"/>
+        </a:xfrm>
+      </p:grpSpPr>
+      <p:sp>
+        <p:nvSpPr>
+          <p:cNvPr id="2" name="Folienbildplatzhalter 1">
+            <a:extLst>
+              <a:ext uri="{FF2B5EF4-FFF2-40B4-BE49-F238E27FC236}">
+                <a16:creationId xmlns:a16="http://schemas.microsoft.com/office/drawing/2014/main" id="{1FA63AAF-283C-4230-DA52-FC6C253A287F}"/>
+              </a:ext>
+            </a:extLst>
+          </p:cNvPr>
+          <p:cNvSpPr>
+            <a:spLocks noGrp="1" noRot="1" noChangeAspect="1"/>
+          </p:cNvSpPr>
+          <p:nvPr>
+            <p:ph type="sldImg"/>
+          </p:nvPr>
+        </p:nvSpPr>
+        <p:spPr/>
+      </p:sp>
+      <p:sp>
+        <p:nvSpPr>
+          <p:cNvPr id="3" name="Notizenplatzhalter 2">
+            <a:extLst>
+              <a:ext uri="{FF2B5EF4-FFF2-40B4-BE49-F238E27FC236}">
+                <a16:creationId xmlns:a16="http://schemas.microsoft.com/office/drawing/2014/main" id="{AC886757-1F20-0142-1DBA-C79E3F5BBBC2}"/>
+              </a:ext>
+            </a:extLst>
+          </p:cNvPr>
+          <p:cNvSpPr>
+            <a:spLocks noGrp="1"/>
+          </p:cNvSpPr>
+          <p:nvPr>
+            <p:ph type="body" idx="1"/>
+          </p:nvPr>
+        </p:nvSpPr>
+        <p:spPr/>
+        <p:txBody>
+          <a:bodyPr/>
+          <a:lstStyle/>
+          <a:p>
+            <a:endParaRPr lang="de-DE" dirty="0"/>
+          </a:p>
+        </p:txBody>
+      </p:sp>
+      <p:sp>
+        <p:nvSpPr>
+          <p:cNvPr id="4" name="Foliennummernplatzhalter 3">
+            <a:extLst>
+              <a:ext uri="{FF2B5EF4-FFF2-40B4-BE49-F238E27FC236}">
+                <a16:creationId xmlns:a16="http://schemas.microsoft.com/office/drawing/2014/main" id="{7C08FDF8-3088-11EB-0C81-9D58D4E15E10}"/>
+              </a:ext>
+            </a:extLst>
+          </p:cNvPr>
+          <p:cNvSpPr>
+            <a:spLocks noGrp="1"/>
+          </p:cNvSpPr>
+          <p:nvPr>
+            <p:ph type="sldNum" sz="quarter" idx="5"/>
+          </p:nvPr>
+        </p:nvSpPr>
+        <p:spPr/>
+        <p:txBody>
+          <a:bodyPr/>
+          <a:lstStyle/>
+          <a:p>
+            <a:fld id="{98CE2BE3-FDEB-B245-8AD9-FE155515E7DC}" type="slidenum">
+              <a:rPr lang="de-DE" smtClean="0"/>
+              <a:t>11</a:t>
+            </a:fld>
+            <a:endParaRPr lang="de-DE"/>
+          </a:p>
+        </p:txBody>
+      </p:sp>
+    </p:spTree>
+    <p:extLst>
+      <p:ext uri="{BB962C8B-B14F-4D97-AF65-F5344CB8AC3E}">
+        <p14:creationId xmlns:p14="http://schemas.microsoft.com/office/powerpoint/2010/main" val="2965698741"/>
+      </p:ext>
+    </p:extLst>
+  </p:cSld>
+  <p:clrMapOvr>
+    <a:masterClrMapping/>
+  </p:clrMapOvr>
+</p:notes>
+</file>
+
+<file path=ppt/notesSlides/notesSlide11.xml><?xml version="1.0" encoding="utf-8"?>
+<p:notes xmlns:a="http://schemas.openxmlformats.org/drawingml/2006/main" xmlns:r="http://schemas.openxmlformats.org/officeDocument/2006/relationships" xmlns:p="http://schemas.openxmlformats.org/presentationml/2006/main">
+  <p:cSld>
+    <p:spTree>
+      <p:nvGrpSpPr>
+        <p:cNvPr id="1" name="">
+          <a:extLst>
+            <a:ext uri="{FF2B5EF4-FFF2-40B4-BE49-F238E27FC236}">
+              <a16:creationId xmlns:a16="http://schemas.microsoft.com/office/drawing/2014/main" id="{659F0291-911F-C864-265A-5BF7A1DDDC99}"/>
+            </a:ext>
+          </a:extLst>
+        </p:cNvPr>
+        <p:cNvGrpSpPr/>
+        <p:nvPr/>
+      </p:nvGrpSpPr>
+      <p:grpSpPr>
+        <a:xfrm>
+          <a:off x="0" y="0"/>
+          <a:ext cx="0" cy="0"/>
+          <a:chOff x="0" y="0"/>
+          <a:chExt cx="0" cy="0"/>
+        </a:xfrm>
+      </p:grpSpPr>
+      <p:sp>
+        <p:nvSpPr>
+          <p:cNvPr id="2" name="Folienbildplatzhalter 1">
+            <a:extLst>
+              <a:ext uri="{FF2B5EF4-FFF2-40B4-BE49-F238E27FC236}">
+                <a16:creationId xmlns:a16="http://schemas.microsoft.com/office/drawing/2014/main" id="{0D791234-D429-1FFB-474E-E1E91592863F}"/>
+              </a:ext>
+            </a:extLst>
+          </p:cNvPr>
+          <p:cNvSpPr>
+            <a:spLocks noGrp="1" noRot="1" noChangeAspect="1"/>
+          </p:cNvSpPr>
+          <p:nvPr>
+            <p:ph type="sldImg"/>
+          </p:nvPr>
+        </p:nvSpPr>
+        <p:spPr/>
+      </p:sp>
+      <p:sp>
+        <p:nvSpPr>
+          <p:cNvPr id="3" name="Notizenplatzhalter 2">
+            <a:extLst>
+              <a:ext uri="{FF2B5EF4-FFF2-40B4-BE49-F238E27FC236}">
+                <a16:creationId xmlns:a16="http://schemas.microsoft.com/office/drawing/2014/main" id="{18CC2D53-2C53-ABEC-BFA7-ED19B3A4493D}"/>
+              </a:ext>
+            </a:extLst>
+          </p:cNvPr>
+          <p:cNvSpPr>
+            <a:spLocks noGrp="1"/>
+          </p:cNvSpPr>
+          <p:nvPr>
+            <p:ph type="body" idx="1"/>
+          </p:nvPr>
+        </p:nvSpPr>
+        <p:spPr/>
+        <p:txBody>
+          <a:bodyPr/>
+          <a:lstStyle/>
+          <a:p>
+            <a:endParaRPr lang="de-DE" dirty="0"/>
+          </a:p>
+        </p:txBody>
+      </p:sp>
+      <p:sp>
+        <p:nvSpPr>
+          <p:cNvPr id="4" name="Foliennummernplatzhalter 3">
+            <a:extLst>
+              <a:ext uri="{FF2B5EF4-FFF2-40B4-BE49-F238E27FC236}">
+                <a16:creationId xmlns:a16="http://schemas.microsoft.com/office/drawing/2014/main" id="{3BCC85BB-772B-85C1-45C9-CCD182B84E21}"/>
+              </a:ext>
+            </a:extLst>
+          </p:cNvPr>
+          <p:cNvSpPr>
+            <a:spLocks noGrp="1"/>
+          </p:cNvSpPr>
+          <p:nvPr>
+            <p:ph type="sldNum" sz="quarter" idx="5"/>
+          </p:nvPr>
+        </p:nvSpPr>
+        <p:spPr/>
+        <p:txBody>
+          <a:bodyPr/>
+          <a:lstStyle/>
+          <a:p>
+            <a:fld id="{98CE2BE3-FDEB-B245-8AD9-FE155515E7DC}" type="slidenum">
+              <a:rPr lang="de-DE" smtClean="0"/>
+              <a:t>12</a:t>
+            </a:fld>
+            <a:endParaRPr lang="de-DE"/>
+          </a:p>
+        </p:txBody>
+      </p:sp>
+    </p:spTree>
+    <p:extLst>
+      <p:ext uri="{BB962C8B-B14F-4D97-AF65-F5344CB8AC3E}">
+        <p14:creationId xmlns:p14="http://schemas.microsoft.com/office/powerpoint/2010/main" val="1516841095"/>
+      </p:ext>
+    </p:extLst>
+  </p:cSld>
+  <p:clrMapOvr>
+    <a:masterClrMapping/>
+  </p:clrMapOvr>
+</p:notes>
+</file>
+
 <file path=ppt/notesSlides/notesSlide2.xml><?xml version="1.0" encoding="utf-8"?>
+<p:notes xmlns:a="http://schemas.openxmlformats.org/drawingml/2006/main" xmlns:r="http://schemas.openxmlformats.org/officeDocument/2006/relationships" xmlns:p="http://schemas.openxmlformats.org/presentationml/2006/main">
+  <p:cSld>
+    <p:spTree>
+      <p:nvGrpSpPr>
+        <p:cNvPr id="1" name="">
+          <a:extLst>
+            <a:ext uri="{FF2B5EF4-FFF2-40B4-BE49-F238E27FC236}">
+              <a16:creationId xmlns:a16="http://schemas.microsoft.com/office/drawing/2014/main" id="{E2688924-6AB0-6D31-10AC-AADC5A924B35}"/>
+            </a:ext>
+          </a:extLst>
+        </p:cNvPr>
+        <p:cNvGrpSpPr/>
+        <p:nvPr/>
+      </p:nvGrpSpPr>
+      <p:grpSpPr>
+        <a:xfrm>
+          <a:off x="0" y="0"/>
+          <a:ext cx="0" cy="0"/>
+          <a:chOff x="0" y="0"/>
+          <a:chExt cx="0" cy="0"/>
+        </a:xfrm>
+      </p:grpSpPr>
+      <p:sp>
+        <p:nvSpPr>
+          <p:cNvPr id="2" name="Folienbildplatzhalter 1">
+            <a:extLst>
+              <a:ext uri="{FF2B5EF4-FFF2-40B4-BE49-F238E27FC236}">
+                <a16:creationId xmlns:a16="http://schemas.microsoft.com/office/drawing/2014/main" id="{A41193EB-1DA5-D9BE-A69F-9F64FFD9DB82}"/>
+              </a:ext>
+            </a:extLst>
+          </p:cNvPr>
+          <p:cNvSpPr>
+            <a:spLocks noGrp="1" noRot="1" noChangeAspect="1"/>
+          </p:cNvSpPr>
+          <p:nvPr>
+            <p:ph type="sldImg"/>
+          </p:nvPr>
+        </p:nvSpPr>
+        <p:spPr/>
+      </p:sp>
+      <p:sp>
+        <p:nvSpPr>
+          <p:cNvPr id="3" name="Notizenplatzhalter 2">
+            <a:extLst>
+              <a:ext uri="{FF2B5EF4-FFF2-40B4-BE49-F238E27FC236}">
+                <a16:creationId xmlns:a16="http://schemas.microsoft.com/office/drawing/2014/main" id="{1EDBAC4E-A7C9-62E0-52D9-8833AEF17F3A}"/>
+              </a:ext>
+            </a:extLst>
+          </p:cNvPr>
+          <p:cNvSpPr>
+            <a:spLocks noGrp="1"/>
+          </p:cNvSpPr>
+          <p:nvPr>
+            <p:ph type="body" idx="1"/>
+          </p:nvPr>
+        </p:nvSpPr>
+        <p:spPr/>
+        <p:txBody>
+          <a:bodyPr/>
+          <a:lstStyle/>
+          <a:p>
+            <a:endParaRPr lang="de-DE" dirty="0"/>
+          </a:p>
+        </p:txBody>
+      </p:sp>
+      <p:sp>
+        <p:nvSpPr>
+          <p:cNvPr id="4" name="Foliennummernplatzhalter 3">
+            <a:extLst>
+              <a:ext uri="{FF2B5EF4-FFF2-40B4-BE49-F238E27FC236}">
+                <a16:creationId xmlns:a16="http://schemas.microsoft.com/office/drawing/2014/main" id="{85018016-40C5-4FFA-9351-B5A4A9C54C42}"/>
+              </a:ext>
+            </a:extLst>
+          </p:cNvPr>
+          <p:cNvSpPr>
+            <a:spLocks noGrp="1"/>
+          </p:cNvSpPr>
+          <p:nvPr>
+            <p:ph type="sldNum" sz="quarter" idx="5"/>
+          </p:nvPr>
+        </p:nvSpPr>
+        <p:spPr/>
+        <p:txBody>
+          <a:bodyPr/>
+          <a:lstStyle/>
+          <a:p>
+            <a:fld id="{98CE2BE3-FDEB-B245-8AD9-FE155515E7DC}" type="slidenum">
+              <a:rPr lang="de-DE" smtClean="0"/>
+              <a:t>3</a:t>
+            </a:fld>
+            <a:endParaRPr lang="de-DE"/>
+          </a:p>
+        </p:txBody>
+      </p:sp>
+    </p:spTree>
+    <p:extLst>
+      <p:ext uri="{BB962C8B-B14F-4D97-AF65-F5344CB8AC3E}">
+        <p14:creationId xmlns:p14="http://schemas.microsoft.com/office/powerpoint/2010/main" val="1811335173"/>
+      </p:ext>
+    </p:extLst>
+  </p:cSld>
+  <p:clrMapOvr>
+    <a:masterClrMapping/>
+  </p:clrMapOvr>
+</p:notes>
+</file>
+
+<file path=ppt/notesSlides/notesSlide3.xml><?xml version="1.0" encoding="utf-8"?>
 <p:notes xmlns:a="http://schemas.openxmlformats.org/drawingml/2006/main" xmlns:r="http://schemas.openxmlformats.org/officeDocument/2006/relationships" xmlns:p="http://schemas.openxmlformats.org/presentationml/2006/main">
   <p:cSld>
     <p:spTree>
@@ -681,7 +1019,7 @@
           <a:p>
             <a:fld id="{98CE2BE3-FDEB-B245-8AD9-FE155515E7DC}" type="slidenum">
               <a:rPr lang="de-DE" smtClean="0"/>
-              <a:t>3</a:t>
+              <a:t>4</a:t>
             </a:fld>
             <a:endParaRPr lang="de-DE"/>
           </a:p>
@@ -700,7 +1038,223 @@
 </p:notes>
 </file>
 
-<file path=ppt/notesSlides/notesSlide3.xml><?xml version="1.0" encoding="utf-8"?>
+<file path=ppt/notesSlides/notesSlide4.xml><?xml version="1.0" encoding="utf-8"?>
+<p:notes xmlns:a="http://schemas.openxmlformats.org/drawingml/2006/main" xmlns:r="http://schemas.openxmlformats.org/officeDocument/2006/relationships" xmlns:p="http://schemas.openxmlformats.org/presentationml/2006/main">
+  <p:cSld>
+    <p:spTree>
+      <p:nvGrpSpPr>
+        <p:cNvPr id="1" name="">
+          <a:extLst>
+            <a:ext uri="{FF2B5EF4-FFF2-40B4-BE49-F238E27FC236}">
+              <a16:creationId xmlns:a16="http://schemas.microsoft.com/office/drawing/2014/main" id="{0D7D217D-1DE4-1056-48DD-DBF6A74AA1F2}"/>
+            </a:ext>
+          </a:extLst>
+        </p:cNvPr>
+        <p:cNvGrpSpPr/>
+        <p:nvPr/>
+      </p:nvGrpSpPr>
+      <p:grpSpPr>
+        <a:xfrm>
+          <a:off x="0" y="0"/>
+          <a:ext cx="0" cy="0"/>
+          <a:chOff x="0" y="0"/>
+          <a:chExt cx="0" cy="0"/>
+        </a:xfrm>
+      </p:grpSpPr>
+      <p:sp>
+        <p:nvSpPr>
+          <p:cNvPr id="2" name="Folienbildplatzhalter 1">
+            <a:extLst>
+              <a:ext uri="{FF2B5EF4-FFF2-40B4-BE49-F238E27FC236}">
+                <a16:creationId xmlns:a16="http://schemas.microsoft.com/office/drawing/2014/main" id="{17E37325-6814-8C8A-7EEA-0B9C034CA87F}"/>
+              </a:ext>
+            </a:extLst>
+          </p:cNvPr>
+          <p:cNvSpPr>
+            <a:spLocks noGrp="1" noRot="1" noChangeAspect="1"/>
+          </p:cNvSpPr>
+          <p:nvPr>
+            <p:ph type="sldImg"/>
+          </p:nvPr>
+        </p:nvSpPr>
+        <p:spPr/>
+      </p:sp>
+      <p:sp>
+        <p:nvSpPr>
+          <p:cNvPr id="3" name="Notizenplatzhalter 2">
+            <a:extLst>
+              <a:ext uri="{FF2B5EF4-FFF2-40B4-BE49-F238E27FC236}">
+                <a16:creationId xmlns:a16="http://schemas.microsoft.com/office/drawing/2014/main" id="{2588AA70-EEB5-0A3C-BCA9-F6430BE0A4D3}"/>
+              </a:ext>
+            </a:extLst>
+          </p:cNvPr>
+          <p:cNvSpPr>
+            <a:spLocks noGrp="1"/>
+          </p:cNvSpPr>
+          <p:nvPr>
+            <p:ph type="body" idx="1"/>
+          </p:nvPr>
+        </p:nvSpPr>
+        <p:spPr/>
+        <p:txBody>
+          <a:bodyPr/>
+          <a:lstStyle/>
+          <a:p>
+            <a:endParaRPr lang="de-DE" dirty="0"/>
+          </a:p>
+        </p:txBody>
+      </p:sp>
+      <p:sp>
+        <p:nvSpPr>
+          <p:cNvPr id="4" name="Foliennummernplatzhalter 3">
+            <a:extLst>
+              <a:ext uri="{FF2B5EF4-FFF2-40B4-BE49-F238E27FC236}">
+                <a16:creationId xmlns:a16="http://schemas.microsoft.com/office/drawing/2014/main" id="{CA2F8CA8-CAC1-46C9-3E49-C0033BC2A565}"/>
+              </a:ext>
+            </a:extLst>
+          </p:cNvPr>
+          <p:cNvSpPr>
+            <a:spLocks noGrp="1"/>
+          </p:cNvSpPr>
+          <p:nvPr>
+            <p:ph type="sldNum" sz="quarter" idx="5"/>
+          </p:nvPr>
+        </p:nvSpPr>
+        <p:spPr/>
+        <p:txBody>
+          <a:bodyPr/>
+          <a:lstStyle/>
+          <a:p>
+            <a:fld id="{98CE2BE3-FDEB-B245-8AD9-FE155515E7DC}" type="slidenum">
+              <a:rPr lang="de-DE" smtClean="0"/>
+              <a:t>5</a:t>
+            </a:fld>
+            <a:endParaRPr lang="de-DE"/>
+          </a:p>
+        </p:txBody>
+      </p:sp>
+    </p:spTree>
+    <p:extLst>
+      <p:ext uri="{BB962C8B-B14F-4D97-AF65-F5344CB8AC3E}">
+        <p14:creationId xmlns:p14="http://schemas.microsoft.com/office/powerpoint/2010/main" val="3369931373"/>
+      </p:ext>
+    </p:extLst>
+  </p:cSld>
+  <p:clrMapOvr>
+    <a:masterClrMapping/>
+  </p:clrMapOvr>
+</p:notes>
+</file>
+
+<file path=ppt/notesSlides/notesSlide5.xml><?xml version="1.0" encoding="utf-8"?>
+<p:notes xmlns:a="http://schemas.openxmlformats.org/drawingml/2006/main" xmlns:r="http://schemas.openxmlformats.org/officeDocument/2006/relationships" xmlns:p="http://schemas.openxmlformats.org/presentationml/2006/main">
+  <p:cSld>
+    <p:spTree>
+      <p:nvGrpSpPr>
+        <p:cNvPr id="1" name="">
+          <a:extLst>
+            <a:ext uri="{FF2B5EF4-FFF2-40B4-BE49-F238E27FC236}">
+              <a16:creationId xmlns:a16="http://schemas.microsoft.com/office/drawing/2014/main" id="{C09E4471-4FB2-0330-1759-1980C3E76A41}"/>
+            </a:ext>
+          </a:extLst>
+        </p:cNvPr>
+        <p:cNvGrpSpPr/>
+        <p:nvPr/>
+      </p:nvGrpSpPr>
+      <p:grpSpPr>
+        <a:xfrm>
+          <a:off x="0" y="0"/>
+          <a:ext cx="0" cy="0"/>
+          <a:chOff x="0" y="0"/>
+          <a:chExt cx="0" cy="0"/>
+        </a:xfrm>
+      </p:grpSpPr>
+      <p:sp>
+        <p:nvSpPr>
+          <p:cNvPr id="2" name="Folienbildplatzhalter 1">
+            <a:extLst>
+              <a:ext uri="{FF2B5EF4-FFF2-40B4-BE49-F238E27FC236}">
+                <a16:creationId xmlns:a16="http://schemas.microsoft.com/office/drawing/2014/main" id="{274E8C88-2AAD-CDF1-A183-77DD294B2C4E}"/>
+              </a:ext>
+            </a:extLst>
+          </p:cNvPr>
+          <p:cNvSpPr>
+            <a:spLocks noGrp="1" noRot="1" noChangeAspect="1"/>
+          </p:cNvSpPr>
+          <p:nvPr>
+            <p:ph type="sldImg"/>
+          </p:nvPr>
+        </p:nvSpPr>
+        <p:spPr/>
+      </p:sp>
+      <p:sp>
+        <p:nvSpPr>
+          <p:cNvPr id="3" name="Notizenplatzhalter 2">
+            <a:extLst>
+              <a:ext uri="{FF2B5EF4-FFF2-40B4-BE49-F238E27FC236}">
+                <a16:creationId xmlns:a16="http://schemas.microsoft.com/office/drawing/2014/main" id="{4A35CA66-62F3-C7CF-8F14-38A123CB6BD7}"/>
+              </a:ext>
+            </a:extLst>
+          </p:cNvPr>
+          <p:cNvSpPr>
+            <a:spLocks noGrp="1"/>
+          </p:cNvSpPr>
+          <p:nvPr>
+            <p:ph type="body" idx="1"/>
+          </p:nvPr>
+        </p:nvSpPr>
+        <p:spPr/>
+        <p:txBody>
+          <a:bodyPr/>
+          <a:lstStyle/>
+          <a:p>
+            <a:endParaRPr lang="de-DE" dirty="0"/>
+          </a:p>
+        </p:txBody>
+      </p:sp>
+      <p:sp>
+        <p:nvSpPr>
+          <p:cNvPr id="4" name="Foliennummernplatzhalter 3">
+            <a:extLst>
+              <a:ext uri="{FF2B5EF4-FFF2-40B4-BE49-F238E27FC236}">
+                <a16:creationId xmlns:a16="http://schemas.microsoft.com/office/drawing/2014/main" id="{7BE0E29E-26F6-B5F0-B06E-7396AEB44876}"/>
+              </a:ext>
+            </a:extLst>
+          </p:cNvPr>
+          <p:cNvSpPr>
+            <a:spLocks noGrp="1"/>
+          </p:cNvSpPr>
+          <p:nvPr>
+            <p:ph type="sldNum" sz="quarter" idx="5"/>
+          </p:nvPr>
+        </p:nvSpPr>
+        <p:spPr/>
+        <p:txBody>
+          <a:bodyPr/>
+          <a:lstStyle/>
+          <a:p>
+            <a:fld id="{98CE2BE3-FDEB-B245-8AD9-FE155515E7DC}" type="slidenum">
+              <a:rPr lang="de-DE" smtClean="0"/>
+              <a:t>6</a:t>
+            </a:fld>
+            <a:endParaRPr lang="de-DE"/>
+          </a:p>
+        </p:txBody>
+      </p:sp>
+    </p:spTree>
+    <p:extLst>
+      <p:ext uri="{BB962C8B-B14F-4D97-AF65-F5344CB8AC3E}">
+        <p14:creationId xmlns:p14="http://schemas.microsoft.com/office/powerpoint/2010/main" val="4207018292"/>
+      </p:ext>
+    </p:extLst>
+  </p:cSld>
+  <p:clrMapOvr>
+    <a:masterClrMapping/>
+  </p:clrMapOvr>
+</p:notes>
+</file>
+
+<file path=ppt/notesSlides/notesSlide6.xml><?xml version="1.0" encoding="utf-8"?>
 <p:notes xmlns:a="http://schemas.openxmlformats.org/drawingml/2006/main" xmlns:r="http://schemas.openxmlformats.org/officeDocument/2006/relationships" xmlns:p="http://schemas.openxmlformats.org/presentationml/2006/main">
   <p:cSld>
     <p:spTree>
@@ -789,7 +1343,7 @@
           <a:p>
             <a:fld id="{98CE2BE3-FDEB-B245-8AD9-FE155515E7DC}" type="slidenum">
               <a:rPr lang="de-DE" smtClean="0"/>
-              <a:t>4</a:t>
+              <a:t>7</a:t>
             </a:fld>
             <a:endParaRPr lang="de-DE"/>
           </a:p>
@@ -808,7 +1362,7 @@
 </p:notes>
 </file>
 
-<file path=ppt/notesSlides/notesSlide4.xml><?xml version="1.0" encoding="utf-8"?>
+<file path=ppt/notesSlides/notesSlide7.xml><?xml version="1.0" encoding="utf-8"?>
 <p:notes xmlns:a="http://schemas.openxmlformats.org/drawingml/2006/main" xmlns:r="http://schemas.openxmlformats.org/officeDocument/2006/relationships" xmlns:p="http://schemas.openxmlformats.org/presentationml/2006/main">
   <p:cSld>
     <p:spTree>
@@ -816,7 +1370,7 @@
         <p:cNvPr id="1" name="">
           <a:extLst>
             <a:ext uri="{FF2B5EF4-FFF2-40B4-BE49-F238E27FC236}">
-              <a16:creationId xmlns:a16="http://schemas.microsoft.com/office/drawing/2014/main" id="{106B4380-608D-D836-4C83-13EC0273C84E}"/>
+              <a16:creationId xmlns:a16="http://schemas.microsoft.com/office/drawing/2014/main" id="{140533B3-1345-C689-128A-0127F3234219}"/>
             </a:ext>
           </a:extLst>
         </p:cNvPr>
@@ -836,7 +1390,7 @@
           <p:cNvPr id="2" name="Folienbildplatzhalter 1">
             <a:extLst>
               <a:ext uri="{FF2B5EF4-FFF2-40B4-BE49-F238E27FC236}">
-                <a16:creationId xmlns:a16="http://schemas.microsoft.com/office/drawing/2014/main" id="{36DF822C-AC0D-52FD-0B41-0AA399556C2B}"/>
+                <a16:creationId xmlns:a16="http://schemas.microsoft.com/office/drawing/2014/main" id="{B09DA0AA-B247-9410-32BB-CF15B7EFCD64}"/>
               </a:ext>
             </a:extLst>
           </p:cNvPr>
@@ -854,7 +1408,7 @@
           <p:cNvPr id="3" name="Notizenplatzhalter 2">
             <a:extLst>
               <a:ext uri="{FF2B5EF4-FFF2-40B4-BE49-F238E27FC236}">
-                <a16:creationId xmlns:a16="http://schemas.microsoft.com/office/drawing/2014/main" id="{5C125F26-BC95-A1EB-D087-7FB6F7137A24}"/>
+                <a16:creationId xmlns:a16="http://schemas.microsoft.com/office/drawing/2014/main" id="{AA130996-4276-0756-2A64-193565F2AC08}"/>
               </a:ext>
             </a:extLst>
           </p:cNvPr>
@@ -879,7 +1433,7 @@
           <p:cNvPr id="4" name="Foliennummernplatzhalter 3">
             <a:extLst>
               <a:ext uri="{FF2B5EF4-FFF2-40B4-BE49-F238E27FC236}">
-                <a16:creationId xmlns:a16="http://schemas.microsoft.com/office/drawing/2014/main" id="{C8A63C67-42C3-B742-4C43-72F90EC78CDC}"/>
+                <a16:creationId xmlns:a16="http://schemas.microsoft.com/office/drawing/2014/main" id="{D5CB56DF-D0AB-9B94-944E-609EF5253F9B}"/>
               </a:ext>
             </a:extLst>
           </p:cNvPr>
@@ -897,7 +1451,7 @@
           <a:p>
             <a:fld id="{98CE2BE3-FDEB-B245-8AD9-FE155515E7DC}" type="slidenum">
               <a:rPr lang="de-DE" smtClean="0"/>
-              <a:t>5</a:t>
+              <a:t>8</a:t>
             </a:fld>
             <a:endParaRPr lang="de-DE"/>
           </a:p>
@@ -906,7 +1460,223 @@
     </p:spTree>
     <p:extLst>
       <p:ext uri="{BB962C8B-B14F-4D97-AF65-F5344CB8AC3E}">
-        <p14:creationId xmlns:p14="http://schemas.microsoft.com/office/powerpoint/2010/main" val="3671935345"/>
+        <p14:creationId xmlns:p14="http://schemas.microsoft.com/office/powerpoint/2010/main" val="3930930442"/>
+      </p:ext>
+    </p:extLst>
+  </p:cSld>
+  <p:clrMapOvr>
+    <a:masterClrMapping/>
+  </p:clrMapOvr>
+</p:notes>
+</file>
+
+<file path=ppt/notesSlides/notesSlide8.xml><?xml version="1.0" encoding="utf-8"?>
+<p:notes xmlns:a="http://schemas.openxmlformats.org/drawingml/2006/main" xmlns:r="http://schemas.openxmlformats.org/officeDocument/2006/relationships" xmlns:p="http://schemas.openxmlformats.org/presentationml/2006/main">
+  <p:cSld>
+    <p:spTree>
+      <p:nvGrpSpPr>
+        <p:cNvPr id="1" name="">
+          <a:extLst>
+            <a:ext uri="{FF2B5EF4-FFF2-40B4-BE49-F238E27FC236}">
+              <a16:creationId xmlns:a16="http://schemas.microsoft.com/office/drawing/2014/main" id="{0DE808FE-65F0-5802-3A91-A2B9339C2A79}"/>
+            </a:ext>
+          </a:extLst>
+        </p:cNvPr>
+        <p:cNvGrpSpPr/>
+        <p:nvPr/>
+      </p:nvGrpSpPr>
+      <p:grpSpPr>
+        <a:xfrm>
+          <a:off x="0" y="0"/>
+          <a:ext cx="0" cy="0"/>
+          <a:chOff x="0" y="0"/>
+          <a:chExt cx="0" cy="0"/>
+        </a:xfrm>
+      </p:grpSpPr>
+      <p:sp>
+        <p:nvSpPr>
+          <p:cNvPr id="2" name="Folienbildplatzhalter 1">
+            <a:extLst>
+              <a:ext uri="{FF2B5EF4-FFF2-40B4-BE49-F238E27FC236}">
+                <a16:creationId xmlns:a16="http://schemas.microsoft.com/office/drawing/2014/main" id="{2801D83A-A546-0333-C6D2-B52F82409413}"/>
+              </a:ext>
+            </a:extLst>
+          </p:cNvPr>
+          <p:cNvSpPr>
+            <a:spLocks noGrp="1" noRot="1" noChangeAspect="1"/>
+          </p:cNvSpPr>
+          <p:nvPr>
+            <p:ph type="sldImg"/>
+          </p:nvPr>
+        </p:nvSpPr>
+        <p:spPr/>
+      </p:sp>
+      <p:sp>
+        <p:nvSpPr>
+          <p:cNvPr id="3" name="Notizenplatzhalter 2">
+            <a:extLst>
+              <a:ext uri="{FF2B5EF4-FFF2-40B4-BE49-F238E27FC236}">
+                <a16:creationId xmlns:a16="http://schemas.microsoft.com/office/drawing/2014/main" id="{C73F6F62-16F4-872C-303C-976FB0A6CEFE}"/>
+              </a:ext>
+            </a:extLst>
+          </p:cNvPr>
+          <p:cNvSpPr>
+            <a:spLocks noGrp="1"/>
+          </p:cNvSpPr>
+          <p:nvPr>
+            <p:ph type="body" idx="1"/>
+          </p:nvPr>
+        </p:nvSpPr>
+        <p:spPr/>
+        <p:txBody>
+          <a:bodyPr/>
+          <a:lstStyle/>
+          <a:p>
+            <a:endParaRPr lang="de-DE" dirty="0"/>
+          </a:p>
+        </p:txBody>
+      </p:sp>
+      <p:sp>
+        <p:nvSpPr>
+          <p:cNvPr id="4" name="Foliennummernplatzhalter 3">
+            <a:extLst>
+              <a:ext uri="{FF2B5EF4-FFF2-40B4-BE49-F238E27FC236}">
+                <a16:creationId xmlns:a16="http://schemas.microsoft.com/office/drawing/2014/main" id="{0D324B02-8654-B5E9-7616-E39AFCD861CD}"/>
+              </a:ext>
+            </a:extLst>
+          </p:cNvPr>
+          <p:cNvSpPr>
+            <a:spLocks noGrp="1"/>
+          </p:cNvSpPr>
+          <p:nvPr>
+            <p:ph type="sldNum" sz="quarter" idx="5"/>
+          </p:nvPr>
+        </p:nvSpPr>
+        <p:spPr/>
+        <p:txBody>
+          <a:bodyPr/>
+          <a:lstStyle/>
+          <a:p>
+            <a:fld id="{98CE2BE3-FDEB-B245-8AD9-FE155515E7DC}" type="slidenum">
+              <a:rPr lang="de-DE" smtClean="0"/>
+              <a:t>9</a:t>
+            </a:fld>
+            <a:endParaRPr lang="de-DE"/>
+          </a:p>
+        </p:txBody>
+      </p:sp>
+    </p:spTree>
+    <p:extLst>
+      <p:ext uri="{BB962C8B-B14F-4D97-AF65-F5344CB8AC3E}">
+        <p14:creationId xmlns:p14="http://schemas.microsoft.com/office/powerpoint/2010/main" val="2120494354"/>
+      </p:ext>
+    </p:extLst>
+  </p:cSld>
+  <p:clrMapOvr>
+    <a:masterClrMapping/>
+  </p:clrMapOvr>
+</p:notes>
+</file>
+
+<file path=ppt/notesSlides/notesSlide9.xml><?xml version="1.0" encoding="utf-8"?>
+<p:notes xmlns:a="http://schemas.openxmlformats.org/drawingml/2006/main" xmlns:r="http://schemas.openxmlformats.org/officeDocument/2006/relationships" xmlns:p="http://schemas.openxmlformats.org/presentationml/2006/main">
+  <p:cSld>
+    <p:spTree>
+      <p:nvGrpSpPr>
+        <p:cNvPr id="1" name="">
+          <a:extLst>
+            <a:ext uri="{FF2B5EF4-FFF2-40B4-BE49-F238E27FC236}">
+              <a16:creationId xmlns:a16="http://schemas.microsoft.com/office/drawing/2014/main" id="{DBA47E57-F486-A8DA-BAB4-93B9C61B27E7}"/>
+            </a:ext>
+          </a:extLst>
+        </p:cNvPr>
+        <p:cNvGrpSpPr/>
+        <p:nvPr/>
+      </p:nvGrpSpPr>
+      <p:grpSpPr>
+        <a:xfrm>
+          <a:off x="0" y="0"/>
+          <a:ext cx="0" cy="0"/>
+          <a:chOff x="0" y="0"/>
+          <a:chExt cx="0" cy="0"/>
+        </a:xfrm>
+      </p:grpSpPr>
+      <p:sp>
+        <p:nvSpPr>
+          <p:cNvPr id="2" name="Folienbildplatzhalter 1">
+            <a:extLst>
+              <a:ext uri="{FF2B5EF4-FFF2-40B4-BE49-F238E27FC236}">
+                <a16:creationId xmlns:a16="http://schemas.microsoft.com/office/drawing/2014/main" id="{2CF6A687-961D-9B36-AA82-B52BCA99573F}"/>
+              </a:ext>
+            </a:extLst>
+          </p:cNvPr>
+          <p:cNvSpPr>
+            <a:spLocks noGrp="1" noRot="1" noChangeAspect="1"/>
+          </p:cNvSpPr>
+          <p:nvPr>
+            <p:ph type="sldImg"/>
+          </p:nvPr>
+        </p:nvSpPr>
+        <p:spPr/>
+      </p:sp>
+      <p:sp>
+        <p:nvSpPr>
+          <p:cNvPr id="3" name="Notizenplatzhalter 2">
+            <a:extLst>
+              <a:ext uri="{FF2B5EF4-FFF2-40B4-BE49-F238E27FC236}">
+                <a16:creationId xmlns:a16="http://schemas.microsoft.com/office/drawing/2014/main" id="{3FB5BB71-F355-FB73-0E3F-01EE4798A366}"/>
+              </a:ext>
+            </a:extLst>
+          </p:cNvPr>
+          <p:cNvSpPr>
+            <a:spLocks noGrp="1"/>
+          </p:cNvSpPr>
+          <p:nvPr>
+            <p:ph type="body" idx="1"/>
+          </p:nvPr>
+        </p:nvSpPr>
+        <p:spPr/>
+        <p:txBody>
+          <a:bodyPr/>
+          <a:lstStyle/>
+          <a:p>
+            <a:endParaRPr lang="de-DE" dirty="0"/>
+          </a:p>
+        </p:txBody>
+      </p:sp>
+      <p:sp>
+        <p:nvSpPr>
+          <p:cNvPr id="4" name="Foliennummernplatzhalter 3">
+            <a:extLst>
+              <a:ext uri="{FF2B5EF4-FFF2-40B4-BE49-F238E27FC236}">
+                <a16:creationId xmlns:a16="http://schemas.microsoft.com/office/drawing/2014/main" id="{BF00DEB4-C4CE-2FC4-FBDC-8869E0444AA8}"/>
+              </a:ext>
+            </a:extLst>
+          </p:cNvPr>
+          <p:cNvSpPr>
+            <a:spLocks noGrp="1"/>
+          </p:cNvSpPr>
+          <p:nvPr>
+            <p:ph type="sldNum" sz="quarter" idx="5"/>
+          </p:nvPr>
+        </p:nvSpPr>
+        <p:spPr/>
+        <p:txBody>
+          <a:bodyPr/>
+          <a:lstStyle/>
+          <a:p>
+            <a:fld id="{98CE2BE3-FDEB-B245-8AD9-FE155515E7DC}" type="slidenum">
+              <a:rPr lang="de-DE" smtClean="0"/>
+              <a:t>10</a:t>
+            </a:fld>
+            <a:endParaRPr lang="de-DE"/>
+          </a:p>
+        </p:txBody>
+      </p:sp>
+    </p:spTree>
+    <p:extLst>
+      <p:ext uri="{BB962C8B-B14F-4D97-AF65-F5344CB8AC3E}">
+        <p14:creationId xmlns:p14="http://schemas.microsoft.com/office/powerpoint/2010/main" val="2719888957"/>
       </p:ext>
     </p:extLst>
   </p:cSld>
@@ -1040,7 +1810,7 @@
             <a:fld id="{833FA4B0-7731-EC49-88EA-B5E921ABE78A}" type="slidenum">
               <a:rPr lang="de-DE" smtClean="0"/>
               <a:pPr/>
-              <a:t>‹Nr.›</a:t>
+              <a:t>‹#›</a:t>
             </a:fld>
             <a:endParaRPr lang="de-DE" dirty="0"/>
           </a:p>
@@ -1453,7 +2223,7 @@
             <a:fld id="{833FA4B0-7731-EC49-88EA-B5E921ABE78A}" type="slidenum">
               <a:rPr lang="de-DE" smtClean="0"/>
               <a:pPr/>
-              <a:t>‹Nr.›</a:t>
+              <a:t>‹#›</a:t>
             </a:fld>
             <a:endParaRPr lang="de-DE" dirty="0"/>
           </a:p>
@@ -1601,7 +2371,7 @@
             <a:fld id="{833FA4B0-7731-EC49-88EA-B5E921ABE78A}" type="slidenum">
               <a:rPr lang="de-DE" smtClean="0"/>
               <a:pPr/>
-              <a:t>‹Nr.›</a:t>
+              <a:t>‹#›</a:t>
             </a:fld>
             <a:endParaRPr lang="de-DE" dirty="0"/>
           </a:p>
@@ -2015,7 +2785,7 @@
             <a:fld id="{833FA4B0-7731-EC49-88EA-B5E921ABE78A}" type="slidenum">
               <a:rPr lang="de-DE" smtClean="0"/>
               <a:pPr/>
-              <a:t>‹Nr.›</a:t>
+              <a:t>‹#›</a:t>
             </a:fld>
             <a:endParaRPr lang="de-DE" dirty="0"/>
           </a:p>
@@ -2689,7 +3459,7 @@
             <a:fld id="{833FA4B0-7731-EC49-88EA-B5E921ABE78A}" type="slidenum">
               <a:rPr lang="de-DE" smtClean="0"/>
               <a:pPr/>
-              <a:t>‹Nr.›</a:t>
+              <a:t>‹#›</a:t>
             </a:fld>
             <a:endParaRPr lang="de-DE" dirty="0"/>
           </a:p>
@@ -3233,7 +4003,7 @@
             </a:r>
             <a:r>
               <a:rPr lang="de-DE" dirty="0" err="1"/>
-              <a:t>Mylanos</a:t>
+              <a:t>Mylonas</a:t>
             </a:r>
             <a:r>
               <a:rPr lang="de-DE" dirty="0"/>
@@ -3246,6 +4016,1461 @@
     <p:extLst>
       <p:ext uri="{BB962C8B-B14F-4D97-AF65-F5344CB8AC3E}">
         <p14:creationId xmlns:p14="http://schemas.microsoft.com/office/powerpoint/2010/main" val="1850756234"/>
+      </p:ext>
+    </p:extLst>
+  </p:cSld>
+  <p:clrMapOvr>
+    <a:masterClrMapping/>
+  </p:clrMapOvr>
+</p:sld>
+</file>
+
+<file path=ppt/slides/slide10.xml><?xml version="1.0" encoding="utf-8"?>
+<p:sld xmlns:a="http://schemas.openxmlformats.org/drawingml/2006/main" xmlns:r="http://schemas.openxmlformats.org/officeDocument/2006/relationships" xmlns:p="http://schemas.openxmlformats.org/presentationml/2006/main">
+  <p:cSld>
+    <p:spTree>
+      <p:nvGrpSpPr>
+        <p:cNvPr id="1" name="">
+          <a:extLst>
+            <a:ext uri="{FF2B5EF4-FFF2-40B4-BE49-F238E27FC236}">
+              <a16:creationId xmlns:a16="http://schemas.microsoft.com/office/drawing/2014/main" id="{E180CD6B-113D-E4B0-2E2D-0CC8A3BA42CC}"/>
+            </a:ext>
+          </a:extLst>
+        </p:cNvPr>
+        <p:cNvGrpSpPr/>
+        <p:nvPr/>
+      </p:nvGrpSpPr>
+      <p:grpSpPr>
+        <a:xfrm>
+          <a:off x="0" y="0"/>
+          <a:ext cx="0" cy="0"/>
+          <a:chOff x="0" y="0"/>
+          <a:chExt cx="0" cy="0"/>
+        </a:xfrm>
+      </p:grpSpPr>
+      <p:sp>
+        <p:nvSpPr>
+          <p:cNvPr id="3" name="Titel 2">
+            <a:extLst>
+              <a:ext uri="{FF2B5EF4-FFF2-40B4-BE49-F238E27FC236}">
+                <a16:creationId xmlns:a16="http://schemas.microsoft.com/office/drawing/2014/main" id="{346C6C6A-ECB6-73E3-58D6-EED1C5FED688}"/>
+              </a:ext>
+            </a:extLst>
+          </p:cNvPr>
+          <p:cNvSpPr>
+            <a:spLocks noGrp="1"/>
+          </p:cNvSpPr>
+          <p:nvPr>
+            <p:ph type="title"/>
+          </p:nvPr>
+        </p:nvSpPr>
+        <p:spPr>
+          <a:xfrm>
+            <a:off x="3625509" y="164155"/>
+            <a:ext cx="4940982" cy="251297"/>
+          </a:xfrm>
+        </p:spPr>
+        <p:txBody>
+          <a:bodyPr/>
+          <a:lstStyle/>
+          <a:p>
+            <a:pPr algn="ctr"/>
+            <a:r>
+              <a:rPr lang="de-DE" sz="2000" noProof="0" dirty="0"/>
+              <a:t>Outlook </a:t>
+            </a:r>
+            <a:r>
+              <a:rPr lang="de-DE" sz="2000" noProof="0" dirty="0" err="1"/>
+              <a:t>for</a:t>
+            </a:r>
+            <a:r>
+              <a:rPr lang="de-DE" sz="2000" noProof="0" dirty="0"/>
+              <a:t> </a:t>
+            </a:r>
+            <a:r>
+              <a:rPr lang="de-DE" sz="2000" noProof="0" dirty="0" err="1"/>
+              <a:t>the</a:t>
+            </a:r>
+            <a:r>
+              <a:rPr lang="de-DE" sz="2000" noProof="0" dirty="0"/>
+              <a:t> </a:t>
+            </a:r>
+            <a:r>
+              <a:rPr lang="de-DE" sz="2000" noProof="0" dirty="0" err="1"/>
+              <a:t>report</a:t>
+            </a:r>
+            <a:endParaRPr lang="en-US" sz="2000" noProof="0" dirty="0"/>
+          </a:p>
+        </p:txBody>
+      </p:sp>
+      <p:sp>
+        <p:nvSpPr>
+          <p:cNvPr id="4" name="Datumsplatzhalter 3">
+            <a:extLst>
+              <a:ext uri="{FF2B5EF4-FFF2-40B4-BE49-F238E27FC236}">
+                <a16:creationId xmlns:a16="http://schemas.microsoft.com/office/drawing/2014/main" id="{C2703FC5-8BE5-F9FF-F470-2B40A91CE3CE}"/>
+              </a:ext>
+            </a:extLst>
+          </p:cNvPr>
+          <p:cNvSpPr>
+            <a:spLocks noGrp="1"/>
+          </p:cNvSpPr>
+          <p:nvPr>
+            <p:ph type="dt" sz="half" idx="10"/>
+          </p:nvPr>
+        </p:nvSpPr>
+        <p:spPr>
+          <a:xfrm>
+            <a:off x="8785499" y="6323366"/>
+            <a:ext cx="1221711" cy="244830"/>
+          </a:xfrm>
+        </p:spPr>
+        <p:txBody>
+          <a:bodyPr/>
+          <a:lstStyle/>
+          <a:p>
+            <a:r>
+              <a:rPr lang="en-US" dirty="0"/>
+              <a:t>06.03.2025</a:t>
+            </a:r>
+          </a:p>
+        </p:txBody>
+      </p:sp>
+      <p:sp>
+        <p:nvSpPr>
+          <p:cNvPr id="5" name="Fußzeilenplatzhalter 4">
+            <a:extLst>
+              <a:ext uri="{FF2B5EF4-FFF2-40B4-BE49-F238E27FC236}">
+                <a16:creationId xmlns:a16="http://schemas.microsoft.com/office/drawing/2014/main" id="{6F199F86-0584-7A61-F284-BAEEEFAAEE52}"/>
+              </a:ext>
+            </a:extLst>
+          </p:cNvPr>
+          <p:cNvSpPr>
+            <a:spLocks noGrp="1"/>
+          </p:cNvSpPr>
+          <p:nvPr>
+            <p:ph type="ftr" sz="quarter" idx="11"/>
+          </p:nvPr>
+        </p:nvSpPr>
+        <p:spPr/>
+        <p:txBody>
+          <a:bodyPr/>
+          <a:lstStyle/>
+          <a:p>
+            <a:r>
+              <a:rPr lang="en-US" dirty="0"/>
+              <a:t>Simulating Self-Avoiding Polymers </a:t>
+            </a:r>
+          </a:p>
+        </p:txBody>
+      </p:sp>
+      <p:sp>
+        <p:nvSpPr>
+          <p:cNvPr id="7" name="Foliennummernplatzhalter 6">
+            <a:extLst>
+              <a:ext uri="{FF2B5EF4-FFF2-40B4-BE49-F238E27FC236}">
+                <a16:creationId xmlns:a16="http://schemas.microsoft.com/office/drawing/2014/main" id="{79D73079-4C98-EA7E-FDFB-68BA4D76DF6C}"/>
+              </a:ext>
+            </a:extLst>
+          </p:cNvPr>
+          <p:cNvSpPr>
+            <a:spLocks noGrp="1"/>
+          </p:cNvSpPr>
+          <p:nvPr>
+            <p:ph type="sldNum" sz="quarter" idx="12"/>
+          </p:nvPr>
+        </p:nvSpPr>
+        <p:spPr>
+          <a:xfrm>
+            <a:off x="8764911" y="6328378"/>
+            <a:ext cx="2743200" cy="244830"/>
+          </a:xfrm>
+        </p:spPr>
+        <p:txBody>
+          <a:bodyPr/>
+          <a:lstStyle/>
+          <a:p>
+            <a:r>
+              <a:rPr lang="de-DE" sz="1400" dirty="0"/>
+              <a:t>1</a:t>
+            </a:r>
+            <a:endParaRPr lang="en-US" sz="1400" dirty="0"/>
+          </a:p>
+        </p:txBody>
+      </p:sp>
+      <p:sp>
+        <p:nvSpPr>
+          <p:cNvPr id="12" name="Textfeld 11">
+            <a:extLst>
+              <a:ext uri="{FF2B5EF4-FFF2-40B4-BE49-F238E27FC236}">
+                <a16:creationId xmlns:a16="http://schemas.microsoft.com/office/drawing/2014/main" id="{D47B976A-569F-2996-ABF4-D9C14F568BFD}"/>
+              </a:ext>
+            </a:extLst>
+          </p:cNvPr>
+          <p:cNvSpPr txBox="1"/>
+          <p:nvPr/>
+        </p:nvSpPr>
+        <p:spPr>
+          <a:xfrm>
+            <a:off x="4524805" y="415452"/>
+            <a:ext cx="3142390" cy="480131"/>
+          </a:xfrm>
+          <a:prstGeom prst="rect">
+            <a:avLst/>
+          </a:prstGeom>
+          <a:noFill/>
+        </p:spPr>
+        <p:txBody>
+          <a:bodyPr wrap="square">
+            <a:spAutoFit/>
+          </a:bodyPr>
+          <a:lstStyle/>
+          <a:p>
+            <a:pPr algn="ctr">
+              <a:lnSpc>
+                <a:spcPct val="90000"/>
+              </a:lnSpc>
+              <a:spcBef>
+                <a:spcPct val="0"/>
+              </a:spcBef>
+              <a:buClr>
+                <a:schemeClr val="tx2"/>
+              </a:buClr>
+              <a:buSzPct val="120000"/>
+            </a:pPr>
+            <a:r>
+              <a:rPr lang="de-DE" sz="2800" b="1" dirty="0" err="1">
+                <a:solidFill>
+                  <a:schemeClr val="accent1"/>
+                </a:solidFill>
+                <a:latin typeface="Albert Sans" pitchFamily="2" charset="0"/>
+                <a:ea typeface="+mj-ea"/>
+                <a:cs typeface="+mj-cs"/>
+              </a:rPr>
+              <a:t>Simulations</a:t>
+            </a:r>
+            <a:r>
+              <a:rPr lang="de-DE" sz="2800" b="1" dirty="0">
+                <a:solidFill>
+                  <a:schemeClr val="accent1"/>
+                </a:solidFill>
+                <a:latin typeface="Albert Sans" pitchFamily="2" charset="0"/>
+                <a:ea typeface="+mj-ea"/>
+                <a:cs typeface="+mj-cs"/>
+              </a:rPr>
+              <a:t> in 3D</a:t>
+            </a:r>
+          </a:p>
+        </p:txBody>
+      </p:sp>
+      <p:pic>
+        <p:nvPicPr>
+          <p:cNvPr id="6" name="Picture 5">
+            <a:extLst>
+              <a:ext uri="{FF2B5EF4-FFF2-40B4-BE49-F238E27FC236}">
+                <a16:creationId xmlns:a16="http://schemas.microsoft.com/office/drawing/2014/main" id="{91B79F8C-5A62-F4AC-C565-A28FB72A2D9F}"/>
+              </a:ext>
+            </a:extLst>
+          </p:cNvPr>
+          <p:cNvPicPr>
+            <a:picLocks noChangeAspect="1"/>
+          </p:cNvPicPr>
+          <p:nvPr/>
+        </p:nvPicPr>
+        <p:blipFill>
+          <a:blip r:embed="rId3"/>
+          <a:stretch>
+            <a:fillRect/>
+          </a:stretch>
+        </p:blipFill>
+        <p:spPr>
+          <a:xfrm>
+            <a:off x="1225035" y="2683275"/>
+            <a:ext cx="2942495" cy="3033836"/>
+          </a:xfrm>
+          <a:prstGeom prst="rect">
+            <a:avLst/>
+          </a:prstGeom>
+        </p:spPr>
+      </p:pic>
+      <p:pic>
+        <p:nvPicPr>
+          <p:cNvPr id="9" name="Picture 8">
+            <a:extLst>
+              <a:ext uri="{FF2B5EF4-FFF2-40B4-BE49-F238E27FC236}">
+                <a16:creationId xmlns:a16="http://schemas.microsoft.com/office/drawing/2014/main" id="{F0DB58AD-FFDF-0FE1-7E8E-5C3D24AE755A}"/>
+              </a:ext>
+            </a:extLst>
+          </p:cNvPr>
+          <p:cNvPicPr>
+            <a:picLocks noChangeAspect="1"/>
+          </p:cNvPicPr>
+          <p:nvPr/>
+        </p:nvPicPr>
+        <p:blipFill>
+          <a:blip r:embed="rId4"/>
+          <a:stretch>
+            <a:fillRect/>
+          </a:stretch>
+        </p:blipFill>
+        <p:spPr>
+          <a:xfrm>
+            <a:off x="4624752" y="2669853"/>
+            <a:ext cx="2942495" cy="3027125"/>
+          </a:xfrm>
+          <a:prstGeom prst="rect">
+            <a:avLst/>
+          </a:prstGeom>
+        </p:spPr>
+      </p:pic>
+      <p:pic>
+        <p:nvPicPr>
+          <p:cNvPr id="13" name="Picture 12">
+            <a:extLst>
+              <a:ext uri="{FF2B5EF4-FFF2-40B4-BE49-F238E27FC236}">
+                <a16:creationId xmlns:a16="http://schemas.microsoft.com/office/drawing/2014/main" id="{AFEB6BE5-C7AA-CD0D-308C-96DA0B72BBA4}"/>
+              </a:ext>
+            </a:extLst>
+          </p:cNvPr>
+          <p:cNvPicPr>
+            <a:picLocks noChangeAspect="1"/>
+          </p:cNvPicPr>
+          <p:nvPr/>
+        </p:nvPicPr>
+        <p:blipFill>
+          <a:blip r:embed="rId5"/>
+          <a:stretch>
+            <a:fillRect/>
+          </a:stretch>
+        </p:blipFill>
+        <p:spPr>
+          <a:xfrm>
+            <a:off x="8024469" y="2683275"/>
+            <a:ext cx="2962067" cy="3033836"/>
+          </a:xfrm>
+          <a:prstGeom prst="rect">
+            <a:avLst/>
+          </a:prstGeom>
+        </p:spPr>
+      </p:pic>
+      <mc:AlternateContent xmlns:mc="http://schemas.openxmlformats.org/markup-compatibility/2006">
+        <mc:Choice xmlns:a14="http://schemas.microsoft.com/office/drawing/2010/main" Requires="a14">
+          <p:sp>
+            <p:nvSpPr>
+              <p:cNvPr id="14" name="Textfeld 9">
+                <a:extLst>
+                  <a:ext uri="{FF2B5EF4-FFF2-40B4-BE49-F238E27FC236}">
+                    <a16:creationId xmlns:a16="http://schemas.microsoft.com/office/drawing/2014/main" id="{1847DB53-B6BF-8517-2D7A-15748A6824BE}"/>
+                  </a:ext>
+                </a:extLst>
+              </p:cNvPr>
+              <p:cNvSpPr txBox="1"/>
+              <p:nvPr/>
+            </p:nvSpPr>
+            <p:spPr>
+              <a:xfrm>
+                <a:off x="145851" y="5558573"/>
+                <a:ext cx="5098131" cy="369332"/>
+              </a:xfrm>
+              <a:prstGeom prst="rect">
+                <a:avLst/>
+              </a:prstGeom>
+              <a:noFill/>
+            </p:spPr>
+            <p:txBody>
+              <a:bodyPr wrap="square">
+                <a:spAutoFit/>
+              </a:bodyPr>
+              <a:lstStyle/>
+              <a:p>
+                <a:pPr>
+                  <a:buClr>
+                    <a:schemeClr val="tx2"/>
+                  </a:buClr>
+                  <a:buSzPct val="120000"/>
+                </a:pPr>
+                <a14:m>
+                  <m:oMathPara xmlns:m="http://schemas.openxmlformats.org/officeDocument/2006/math">
+                    <m:oMathParaPr>
+                      <m:jc m:val="centerGroup"/>
+                    </m:oMathParaPr>
+                    <m:oMath xmlns:m="http://schemas.openxmlformats.org/officeDocument/2006/math">
+                      <m:r>
+                        <a:rPr lang="en-US" i="1" dirty="0" smtClean="0">
+                          <a:latin typeface="Cambria Math" panose="02040503050406030204" pitchFamily="18" charset="0"/>
+                        </a:rPr>
+                        <m:t>𝑁</m:t>
+                      </m:r>
+                      <m:r>
+                        <a:rPr lang="en-US" b="0" i="1" dirty="0" smtClean="0">
+                          <a:latin typeface="Cambria Math" panose="02040503050406030204" pitchFamily="18" charset="0"/>
+                        </a:rPr>
+                        <m:t>=10</m:t>
+                      </m:r>
+                    </m:oMath>
+                  </m:oMathPara>
+                </a14:m>
+                <a:endParaRPr lang="de-DE" dirty="0"/>
+              </a:p>
+            </p:txBody>
+          </p:sp>
+        </mc:Choice>
+        <mc:Fallback>
+          <p:sp>
+            <p:nvSpPr>
+              <p:cNvPr id="14" name="Textfeld 9">
+                <a:extLst>
+                  <a:ext uri="{FF2B5EF4-FFF2-40B4-BE49-F238E27FC236}">
+                    <a16:creationId xmlns:a16="http://schemas.microsoft.com/office/drawing/2014/main" id="{1847DB53-B6BF-8517-2D7A-15748A6824BE}"/>
+                  </a:ext>
+                </a:extLst>
+              </p:cNvPr>
+              <p:cNvSpPr txBox="1">
+                <a:spLocks noRot="1" noChangeAspect="1" noMove="1" noResize="1" noEditPoints="1" noAdjustHandles="1" noChangeArrowheads="1" noChangeShapeType="1" noTextEdit="1"/>
+              </p:cNvSpPr>
+              <p:nvPr/>
+            </p:nvSpPr>
+            <p:spPr>
+              <a:xfrm>
+                <a:off x="145851" y="5558573"/>
+                <a:ext cx="5098131" cy="369332"/>
+              </a:xfrm>
+              <a:prstGeom prst="rect">
+                <a:avLst/>
+              </a:prstGeom>
+              <a:blipFill>
+                <a:blip r:embed="rId6"/>
+                <a:stretch>
+                  <a:fillRect t="-8333" b="-28333"/>
+                </a:stretch>
+              </a:blipFill>
+            </p:spPr>
+            <p:txBody>
+              <a:bodyPr/>
+              <a:lstStyle/>
+              <a:p>
+                <a:r>
+                  <a:rPr lang="en-US">
+                    <a:noFill/>
+                  </a:rPr>
+                  <a:t> </a:t>
+                </a:r>
+              </a:p>
+            </p:txBody>
+          </p:sp>
+        </mc:Fallback>
+      </mc:AlternateContent>
+      <mc:AlternateContent xmlns:mc="http://schemas.openxmlformats.org/markup-compatibility/2006">
+        <mc:Choice xmlns:a14="http://schemas.microsoft.com/office/drawing/2010/main" Requires="a14">
+          <p:sp>
+            <p:nvSpPr>
+              <p:cNvPr id="15" name="Textfeld 9">
+                <a:extLst>
+                  <a:ext uri="{FF2B5EF4-FFF2-40B4-BE49-F238E27FC236}">
+                    <a16:creationId xmlns:a16="http://schemas.microsoft.com/office/drawing/2014/main" id="{F9F24804-F62E-9385-D680-3726AB3388C5}"/>
+                  </a:ext>
+                </a:extLst>
+              </p:cNvPr>
+              <p:cNvSpPr txBox="1"/>
+              <p:nvPr/>
+            </p:nvSpPr>
+            <p:spPr>
+              <a:xfrm>
+                <a:off x="3546933" y="5558573"/>
+                <a:ext cx="5098131" cy="369332"/>
+              </a:xfrm>
+              <a:prstGeom prst="rect">
+                <a:avLst/>
+              </a:prstGeom>
+              <a:noFill/>
+            </p:spPr>
+            <p:txBody>
+              <a:bodyPr wrap="square">
+                <a:spAutoFit/>
+              </a:bodyPr>
+              <a:lstStyle/>
+              <a:p>
+                <a:pPr>
+                  <a:buClr>
+                    <a:schemeClr val="tx2"/>
+                  </a:buClr>
+                  <a:buSzPct val="120000"/>
+                </a:pPr>
+                <a14:m>
+                  <m:oMathPara xmlns:m="http://schemas.openxmlformats.org/officeDocument/2006/math">
+                    <m:oMathParaPr>
+                      <m:jc m:val="centerGroup"/>
+                    </m:oMathParaPr>
+                    <m:oMath xmlns:m="http://schemas.openxmlformats.org/officeDocument/2006/math">
+                      <m:r>
+                        <a:rPr lang="en-US" i="1" dirty="0" smtClean="0">
+                          <a:latin typeface="Cambria Math" panose="02040503050406030204" pitchFamily="18" charset="0"/>
+                        </a:rPr>
+                        <m:t>𝑁</m:t>
+                      </m:r>
+                      <m:r>
+                        <a:rPr lang="en-US" b="0" i="1" dirty="0" smtClean="0">
+                          <a:latin typeface="Cambria Math" panose="02040503050406030204" pitchFamily="18" charset="0"/>
+                        </a:rPr>
+                        <m:t>=100</m:t>
+                      </m:r>
+                    </m:oMath>
+                  </m:oMathPara>
+                </a14:m>
+                <a:endParaRPr lang="de-DE" dirty="0"/>
+              </a:p>
+            </p:txBody>
+          </p:sp>
+        </mc:Choice>
+        <mc:Fallback>
+          <p:sp>
+            <p:nvSpPr>
+              <p:cNvPr id="15" name="Textfeld 9">
+                <a:extLst>
+                  <a:ext uri="{FF2B5EF4-FFF2-40B4-BE49-F238E27FC236}">
+                    <a16:creationId xmlns:a16="http://schemas.microsoft.com/office/drawing/2014/main" id="{F9F24804-F62E-9385-D680-3726AB3388C5}"/>
+                  </a:ext>
+                </a:extLst>
+              </p:cNvPr>
+              <p:cNvSpPr txBox="1">
+                <a:spLocks noRot="1" noChangeAspect="1" noMove="1" noResize="1" noEditPoints="1" noAdjustHandles="1" noChangeArrowheads="1" noChangeShapeType="1" noTextEdit="1"/>
+              </p:cNvSpPr>
+              <p:nvPr/>
+            </p:nvSpPr>
+            <p:spPr>
+              <a:xfrm>
+                <a:off x="3546933" y="5558573"/>
+                <a:ext cx="5098131" cy="369332"/>
+              </a:xfrm>
+              <a:prstGeom prst="rect">
+                <a:avLst/>
+              </a:prstGeom>
+              <a:blipFill>
+                <a:blip r:embed="rId7"/>
+                <a:stretch>
+                  <a:fillRect t="-8333" b="-28333"/>
+                </a:stretch>
+              </a:blipFill>
+            </p:spPr>
+            <p:txBody>
+              <a:bodyPr/>
+              <a:lstStyle/>
+              <a:p>
+                <a:r>
+                  <a:rPr lang="en-US">
+                    <a:noFill/>
+                  </a:rPr>
+                  <a:t> </a:t>
+                </a:r>
+              </a:p>
+            </p:txBody>
+          </p:sp>
+        </mc:Fallback>
+      </mc:AlternateContent>
+      <mc:AlternateContent xmlns:mc="http://schemas.openxmlformats.org/markup-compatibility/2006">
+        <mc:Choice xmlns:a14="http://schemas.microsoft.com/office/drawing/2010/main" Requires="a14">
+          <p:sp>
+            <p:nvSpPr>
+              <p:cNvPr id="16" name="Textfeld 9">
+                <a:extLst>
+                  <a:ext uri="{FF2B5EF4-FFF2-40B4-BE49-F238E27FC236}">
+                    <a16:creationId xmlns:a16="http://schemas.microsoft.com/office/drawing/2014/main" id="{C306A577-359F-F54B-290E-880022C9120A}"/>
+                  </a:ext>
+                </a:extLst>
+              </p:cNvPr>
+              <p:cNvSpPr txBox="1"/>
+              <p:nvPr/>
+            </p:nvSpPr>
+            <p:spPr>
+              <a:xfrm>
+                <a:off x="6948015" y="5558573"/>
+                <a:ext cx="5098131" cy="369332"/>
+              </a:xfrm>
+              <a:prstGeom prst="rect">
+                <a:avLst/>
+              </a:prstGeom>
+              <a:noFill/>
+            </p:spPr>
+            <p:txBody>
+              <a:bodyPr wrap="square">
+                <a:spAutoFit/>
+              </a:bodyPr>
+              <a:lstStyle/>
+              <a:p>
+                <a:pPr>
+                  <a:buClr>
+                    <a:schemeClr val="tx2"/>
+                  </a:buClr>
+                  <a:buSzPct val="120000"/>
+                </a:pPr>
+                <a14:m>
+                  <m:oMathPara xmlns:m="http://schemas.openxmlformats.org/officeDocument/2006/math">
+                    <m:oMathParaPr>
+                      <m:jc m:val="centerGroup"/>
+                    </m:oMathParaPr>
+                    <m:oMath xmlns:m="http://schemas.openxmlformats.org/officeDocument/2006/math">
+                      <m:r>
+                        <a:rPr lang="en-US" i="1" dirty="0" smtClean="0">
+                          <a:latin typeface="Cambria Math" panose="02040503050406030204" pitchFamily="18" charset="0"/>
+                        </a:rPr>
+                        <m:t>𝑁</m:t>
+                      </m:r>
+                      <m:r>
+                        <a:rPr lang="en-US" b="0" i="1" dirty="0" smtClean="0">
+                          <a:latin typeface="Cambria Math" panose="02040503050406030204" pitchFamily="18" charset="0"/>
+                        </a:rPr>
+                        <m:t>=1000</m:t>
+                      </m:r>
+                    </m:oMath>
+                  </m:oMathPara>
+                </a14:m>
+                <a:endParaRPr lang="de-DE" dirty="0"/>
+              </a:p>
+            </p:txBody>
+          </p:sp>
+        </mc:Choice>
+        <mc:Fallback>
+          <p:sp>
+            <p:nvSpPr>
+              <p:cNvPr id="16" name="Textfeld 9">
+                <a:extLst>
+                  <a:ext uri="{FF2B5EF4-FFF2-40B4-BE49-F238E27FC236}">
+                    <a16:creationId xmlns:a16="http://schemas.microsoft.com/office/drawing/2014/main" id="{C306A577-359F-F54B-290E-880022C9120A}"/>
+                  </a:ext>
+                </a:extLst>
+              </p:cNvPr>
+              <p:cNvSpPr txBox="1">
+                <a:spLocks noRot="1" noChangeAspect="1" noMove="1" noResize="1" noEditPoints="1" noAdjustHandles="1" noChangeArrowheads="1" noChangeShapeType="1" noTextEdit="1"/>
+              </p:cNvSpPr>
+              <p:nvPr/>
+            </p:nvSpPr>
+            <p:spPr>
+              <a:xfrm>
+                <a:off x="6948015" y="5558573"/>
+                <a:ext cx="5098131" cy="369332"/>
+              </a:xfrm>
+              <a:prstGeom prst="rect">
+                <a:avLst/>
+              </a:prstGeom>
+              <a:blipFill>
+                <a:blip r:embed="rId8"/>
+                <a:stretch>
+                  <a:fillRect t="-8333" b="-28333"/>
+                </a:stretch>
+              </a:blipFill>
+            </p:spPr>
+            <p:txBody>
+              <a:bodyPr/>
+              <a:lstStyle/>
+              <a:p>
+                <a:r>
+                  <a:rPr lang="en-US">
+                    <a:noFill/>
+                  </a:rPr>
+                  <a:t> </a:t>
+                </a:r>
+              </a:p>
+            </p:txBody>
+          </p:sp>
+        </mc:Fallback>
+      </mc:AlternateContent>
+      <p:pic>
+        <p:nvPicPr>
+          <p:cNvPr id="18" name="Picture 17">
+            <a:extLst>
+              <a:ext uri="{FF2B5EF4-FFF2-40B4-BE49-F238E27FC236}">
+                <a16:creationId xmlns:a16="http://schemas.microsoft.com/office/drawing/2014/main" id="{6A3FDC5A-AE1D-058B-AA1C-F089230B1AEC}"/>
+              </a:ext>
+            </a:extLst>
+          </p:cNvPr>
+          <p:cNvPicPr>
+            <a:picLocks noChangeAspect="1"/>
+          </p:cNvPicPr>
+          <p:nvPr/>
+        </p:nvPicPr>
+        <p:blipFill>
+          <a:blip r:embed="rId9"/>
+          <a:stretch>
+            <a:fillRect/>
+          </a:stretch>
+        </p:blipFill>
+        <p:spPr>
+          <a:xfrm>
+            <a:off x="775792" y="1131057"/>
+            <a:ext cx="3447135" cy="1417513"/>
+          </a:xfrm>
+          <a:prstGeom prst="rect">
+            <a:avLst/>
+          </a:prstGeom>
+        </p:spPr>
+      </p:pic>
+      <p:pic>
+        <p:nvPicPr>
+          <p:cNvPr id="20" name="Picture 19">
+            <a:extLst>
+              <a:ext uri="{FF2B5EF4-FFF2-40B4-BE49-F238E27FC236}">
+                <a16:creationId xmlns:a16="http://schemas.microsoft.com/office/drawing/2014/main" id="{42F699FD-4B5B-A58D-104D-81EB70E8C1B4}"/>
+              </a:ext>
+            </a:extLst>
+          </p:cNvPr>
+          <p:cNvPicPr>
+            <a:picLocks noChangeAspect="1"/>
+          </p:cNvPicPr>
+          <p:nvPr/>
+        </p:nvPicPr>
+        <p:blipFill>
+          <a:blip r:embed="rId10"/>
+          <a:stretch>
+            <a:fillRect/>
+          </a:stretch>
+        </p:blipFill>
+        <p:spPr>
+          <a:xfrm>
+            <a:off x="4483774" y="1161022"/>
+            <a:ext cx="3224447" cy="1325941"/>
+          </a:xfrm>
+          <a:prstGeom prst="rect">
+            <a:avLst/>
+          </a:prstGeom>
+        </p:spPr>
+      </p:pic>
+      <p:pic>
+        <p:nvPicPr>
+          <p:cNvPr id="22" name="Picture 21">
+            <a:extLst>
+              <a:ext uri="{FF2B5EF4-FFF2-40B4-BE49-F238E27FC236}">
+                <a16:creationId xmlns:a16="http://schemas.microsoft.com/office/drawing/2014/main" id="{4FE506BA-9C4B-132A-0DAD-D5971CEFD2E8}"/>
+              </a:ext>
+            </a:extLst>
+          </p:cNvPr>
+          <p:cNvPicPr>
+            <a:picLocks noChangeAspect="1"/>
+          </p:cNvPicPr>
+          <p:nvPr/>
+        </p:nvPicPr>
+        <p:blipFill>
+          <a:blip r:embed="rId11"/>
+          <a:stretch>
+            <a:fillRect/>
+          </a:stretch>
+        </p:blipFill>
+        <p:spPr>
+          <a:xfrm>
+            <a:off x="7784130" y="1161181"/>
+            <a:ext cx="3224448" cy="1325941"/>
+          </a:xfrm>
+          <a:prstGeom prst="rect">
+            <a:avLst/>
+          </a:prstGeom>
+        </p:spPr>
+      </p:pic>
+    </p:spTree>
+    <p:extLst>
+      <p:ext uri="{BB962C8B-B14F-4D97-AF65-F5344CB8AC3E}">
+        <p14:creationId xmlns:p14="http://schemas.microsoft.com/office/powerpoint/2010/main" val="997701898"/>
+      </p:ext>
+    </p:extLst>
+  </p:cSld>
+  <p:clrMapOvr>
+    <a:masterClrMapping/>
+  </p:clrMapOvr>
+</p:sld>
+</file>
+
+<file path=ppt/slides/slide11.xml><?xml version="1.0" encoding="utf-8"?>
+<p:sld xmlns:a="http://schemas.openxmlformats.org/drawingml/2006/main" xmlns:r="http://schemas.openxmlformats.org/officeDocument/2006/relationships" xmlns:p="http://schemas.openxmlformats.org/presentationml/2006/main">
+  <p:cSld>
+    <p:spTree>
+      <p:nvGrpSpPr>
+        <p:cNvPr id="1" name="">
+          <a:extLst>
+            <a:ext uri="{FF2B5EF4-FFF2-40B4-BE49-F238E27FC236}">
+              <a16:creationId xmlns:a16="http://schemas.microsoft.com/office/drawing/2014/main" id="{E0570137-ADD5-B054-8F79-955836AA1C31}"/>
+            </a:ext>
+          </a:extLst>
+        </p:cNvPr>
+        <p:cNvGrpSpPr/>
+        <p:nvPr/>
+      </p:nvGrpSpPr>
+      <p:grpSpPr>
+        <a:xfrm>
+          <a:off x="0" y="0"/>
+          <a:ext cx="0" cy="0"/>
+          <a:chOff x="0" y="0"/>
+          <a:chExt cx="0" cy="0"/>
+        </a:xfrm>
+      </p:grpSpPr>
+      <p:sp>
+        <p:nvSpPr>
+          <p:cNvPr id="4" name="Datumsplatzhalter 3">
+            <a:extLst>
+              <a:ext uri="{FF2B5EF4-FFF2-40B4-BE49-F238E27FC236}">
+                <a16:creationId xmlns:a16="http://schemas.microsoft.com/office/drawing/2014/main" id="{20DEFF72-211F-C2DD-FEC5-6215BEA83C42}"/>
+              </a:ext>
+            </a:extLst>
+          </p:cNvPr>
+          <p:cNvSpPr>
+            <a:spLocks noGrp="1"/>
+          </p:cNvSpPr>
+          <p:nvPr>
+            <p:ph type="dt" sz="half" idx="10"/>
+          </p:nvPr>
+        </p:nvSpPr>
+        <p:spPr>
+          <a:xfrm>
+            <a:off x="8785499" y="6323366"/>
+            <a:ext cx="1221711" cy="244830"/>
+          </a:xfrm>
+        </p:spPr>
+        <p:txBody>
+          <a:bodyPr/>
+          <a:lstStyle/>
+          <a:p>
+            <a:r>
+              <a:rPr lang="en-US" dirty="0"/>
+              <a:t>06.03.2025</a:t>
+            </a:r>
+          </a:p>
+        </p:txBody>
+      </p:sp>
+      <p:sp>
+        <p:nvSpPr>
+          <p:cNvPr id="5" name="Fußzeilenplatzhalter 4">
+            <a:extLst>
+              <a:ext uri="{FF2B5EF4-FFF2-40B4-BE49-F238E27FC236}">
+                <a16:creationId xmlns:a16="http://schemas.microsoft.com/office/drawing/2014/main" id="{78ACAF9E-B48B-B495-13AD-FC20C3E07363}"/>
+              </a:ext>
+            </a:extLst>
+          </p:cNvPr>
+          <p:cNvSpPr>
+            <a:spLocks noGrp="1"/>
+          </p:cNvSpPr>
+          <p:nvPr>
+            <p:ph type="ftr" sz="quarter" idx="11"/>
+          </p:nvPr>
+        </p:nvSpPr>
+        <p:spPr/>
+        <p:txBody>
+          <a:bodyPr/>
+          <a:lstStyle/>
+          <a:p>
+            <a:r>
+              <a:rPr lang="en-US" dirty="0"/>
+              <a:t>Simulating Self-Avoiding Polymers </a:t>
+            </a:r>
+          </a:p>
+        </p:txBody>
+      </p:sp>
+      <p:sp>
+        <p:nvSpPr>
+          <p:cNvPr id="7" name="Foliennummernplatzhalter 6">
+            <a:extLst>
+              <a:ext uri="{FF2B5EF4-FFF2-40B4-BE49-F238E27FC236}">
+                <a16:creationId xmlns:a16="http://schemas.microsoft.com/office/drawing/2014/main" id="{75F556E5-2770-984E-F5D0-4F5ECEAFDD2D}"/>
+              </a:ext>
+            </a:extLst>
+          </p:cNvPr>
+          <p:cNvSpPr>
+            <a:spLocks noGrp="1"/>
+          </p:cNvSpPr>
+          <p:nvPr>
+            <p:ph type="sldNum" sz="quarter" idx="12"/>
+          </p:nvPr>
+        </p:nvSpPr>
+        <p:spPr>
+          <a:xfrm>
+            <a:off x="8764911" y="6328378"/>
+            <a:ext cx="2743200" cy="244830"/>
+          </a:xfrm>
+        </p:spPr>
+        <p:txBody>
+          <a:bodyPr/>
+          <a:lstStyle/>
+          <a:p>
+            <a:r>
+              <a:rPr lang="de-DE" sz="1400" dirty="0"/>
+              <a:t>1</a:t>
+            </a:r>
+            <a:endParaRPr lang="en-US" sz="1400" dirty="0"/>
+          </a:p>
+        </p:txBody>
+      </p:sp>
+      <p:sp>
+        <p:nvSpPr>
+          <p:cNvPr id="10" name="Titel 2">
+            <a:extLst>
+              <a:ext uri="{FF2B5EF4-FFF2-40B4-BE49-F238E27FC236}">
+                <a16:creationId xmlns:a16="http://schemas.microsoft.com/office/drawing/2014/main" id="{F98AB709-F467-3C6A-D6B8-333C21D75282}"/>
+              </a:ext>
+            </a:extLst>
+          </p:cNvPr>
+          <p:cNvSpPr txBox="1">
+            <a:spLocks/>
+          </p:cNvSpPr>
+          <p:nvPr/>
+        </p:nvSpPr>
+        <p:spPr>
+          <a:xfrm>
+            <a:off x="3625509" y="164155"/>
+            <a:ext cx="4940982" cy="251297"/>
+          </a:xfrm>
+          <a:prstGeom prst="rect">
+            <a:avLst/>
+          </a:prstGeom>
+        </p:spPr>
+        <p:txBody>
+          <a:bodyPr vert="horz" lIns="0" tIns="0" rIns="0" bIns="0" rtlCol="0" anchor="t" anchorCtr="0">
+            <a:noAutofit/>
+          </a:bodyPr>
+          <a:lstStyle>
+            <a:lvl1pPr algn="l" defTabSz="914400" rtl="0" eaLnBrk="1" latinLnBrk="0" hangingPunct="1">
+              <a:lnSpc>
+                <a:spcPct val="90000"/>
+              </a:lnSpc>
+              <a:spcBef>
+                <a:spcPct val="0"/>
+              </a:spcBef>
+              <a:buNone/>
+              <a:defRPr sz="3200" b="1" i="0" kern="1200" cap="none" baseline="0">
+                <a:solidFill>
+                  <a:schemeClr val="accent1"/>
+                </a:solidFill>
+                <a:latin typeface="Albert Sans" pitchFamily="2" charset="0"/>
+                <a:ea typeface="+mj-ea"/>
+                <a:cs typeface="+mj-cs"/>
+              </a:defRPr>
+            </a:lvl1pPr>
+          </a:lstStyle>
+          <a:p>
+            <a:pPr algn="ctr"/>
+            <a:r>
+              <a:rPr lang="de-DE" sz="2000"/>
+              <a:t>Outlook for the report</a:t>
+            </a:r>
+            <a:endParaRPr lang="en-US" sz="2000" dirty="0"/>
+          </a:p>
+        </p:txBody>
+      </p:sp>
+      <p:sp>
+        <p:nvSpPr>
+          <p:cNvPr id="11" name="Textfeld 11">
+            <a:extLst>
+              <a:ext uri="{FF2B5EF4-FFF2-40B4-BE49-F238E27FC236}">
+                <a16:creationId xmlns:a16="http://schemas.microsoft.com/office/drawing/2014/main" id="{7E225320-A322-CBAA-5581-BD0FF5DAD526}"/>
+              </a:ext>
+            </a:extLst>
+          </p:cNvPr>
+          <p:cNvSpPr txBox="1"/>
+          <p:nvPr/>
+        </p:nvSpPr>
+        <p:spPr>
+          <a:xfrm>
+            <a:off x="3560261" y="415019"/>
+            <a:ext cx="5071479" cy="867930"/>
+          </a:xfrm>
+          <a:prstGeom prst="rect">
+            <a:avLst/>
+          </a:prstGeom>
+          <a:noFill/>
+        </p:spPr>
+        <p:txBody>
+          <a:bodyPr wrap="square">
+            <a:spAutoFit/>
+          </a:bodyPr>
+          <a:lstStyle/>
+          <a:p>
+            <a:pPr algn="ctr">
+              <a:lnSpc>
+                <a:spcPct val="90000"/>
+              </a:lnSpc>
+              <a:spcBef>
+                <a:spcPct val="0"/>
+              </a:spcBef>
+              <a:buClr>
+                <a:schemeClr val="tx2"/>
+              </a:buClr>
+              <a:buSzPct val="120000"/>
+            </a:pPr>
+            <a:r>
+              <a:rPr lang="de-DE" sz="2800" b="1" dirty="0" err="1">
+                <a:solidFill>
+                  <a:schemeClr val="accent1"/>
+                </a:solidFill>
+                <a:latin typeface="Albert Sans" pitchFamily="2" charset="0"/>
+                <a:ea typeface="+mj-ea"/>
+                <a:cs typeface="+mj-cs"/>
+              </a:rPr>
+              <a:t>Simulations</a:t>
+            </a:r>
+            <a:r>
+              <a:rPr lang="de-DE" sz="2800" b="1" dirty="0">
+                <a:solidFill>
+                  <a:schemeClr val="accent1"/>
+                </a:solidFill>
+                <a:latin typeface="Albert Sans" pitchFamily="2" charset="0"/>
+                <a:ea typeface="+mj-ea"/>
+                <a:cs typeface="+mj-cs"/>
+              </a:rPr>
+              <a:t> in 3D </a:t>
+            </a:r>
+            <a:r>
+              <a:rPr lang="de-DE" sz="2800" b="1" dirty="0" err="1">
+                <a:solidFill>
+                  <a:schemeClr val="accent1"/>
+                </a:solidFill>
+                <a:latin typeface="Albert Sans" pitchFamily="2" charset="0"/>
+                <a:ea typeface="+mj-ea"/>
+                <a:cs typeface="+mj-cs"/>
+              </a:rPr>
+              <a:t>including</a:t>
+            </a:r>
+            <a:r>
+              <a:rPr lang="de-DE" sz="2800" b="1" dirty="0">
+                <a:solidFill>
+                  <a:schemeClr val="accent1"/>
+                </a:solidFill>
+                <a:latin typeface="Albert Sans" pitchFamily="2" charset="0"/>
+                <a:ea typeface="+mj-ea"/>
+                <a:cs typeface="+mj-cs"/>
+              </a:rPr>
+              <a:t> </a:t>
+            </a:r>
+            <a:r>
+              <a:rPr lang="de-DE" sz="2800" b="1" dirty="0" err="1">
+                <a:solidFill>
+                  <a:schemeClr val="accent1"/>
+                </a:solidFill>
+                <a:latin typeface="Albert Sans" pitchFamily="2" charset="0"/>
+                <a:ea typeface="+mj-ea"/>
+                <a:cs typeface="+mj-cs"/>
+              </a:rPr>
+              <a:t>interactions</a:t>
+            </a:r>
+            <a:endParaRPr lang="de-DE" sz="2800" b="1" dirty="0">
+              <a:solidFill>
+                <a:schemeClr val="accent1"/>
+              </a:solidFill>
+              <a:latin typeface="Albert Sans" pitchFamily="2" charset="0"/>
+              <a:ea typeface="+mj-ea"/>
+              <a:cs typeface="+mj-cs"/>
+            </a:endParaRPr>
+          </a:p>
+        </p:txBody>
+      </p:sp>
+      <p:pic>
+        <p:nvPicPr>
+          <p:cNvPr id="15" name="Picture 14" descr="A group of white rectangular objects with black text&#10;&#10;AI-generated content may be incorrect.">
+            <a:extLst>
+              <a:ext uri="{FF2B5EF4-FFF2-40B4-BE49-F238E27FC236}">
+                <a16:creationId xmlns:a16="http://schemas.microsoft.com/office/drawing/2014/main" id="{C63FC33C-C13B-45FE-E282-0D22E86C41D0}"/>
+              </a:ext>
+            </a:extLst>
+          </p:cNvPr>
+          <p:cNvPicPr>
+            <a:picLocks noChangeAspect="1"/>
+          </p:cNvPicPr>
+          <p:nvPr/>
+        </p:nvPicPr>
+        <p:blipFill>
+          <a:blip r:embed="rId3"/>
+          <a:stretch>
+            <a:fillRect/>
+          </a:stretch>
+        </p:blipFill>
+        <p:spPr>
+          <a:xfrm>
+            <a:off x="957262" y="1314450"/>
+            <a:ext cx="10277475" cy="4229100"/>
+          </a:xfrm>
+          <a:prstGeom prst="rect">
+            <a:avLst/>
+          </a:prstGeom>
+        </p:spPr>
+      </p:pic>
+    </p:spTree>
+    <p:extLst>
+      <p:ext uri="{BB962C8B-B14F-4D97-AF65-F5344CB8AC3E}">
+        <p14:creationId xmlns:p14="http://schemas.microsoft.com/office/powerpoint/2010/main" val="1464604766"/>
+      </p:ext>
+    </p:extLst>
+  </p:cSld>
+  <p:clrMapOvr>
+    <a:masterClrMapping/>
+  </p:clrMapOvr>
+</p:sld>
+</file>
+
+<file path=ppt/slides/slide12.xml><?xml version="1.0" encoding="utf-8"?>
+<p:sld xmlns:a="http://schemas.openxmlformats.org/drawingml/2006/main" xmlns:r="http://schemas.openxmlformats.org/officeDocument/2006/relationships" xmlns:p="http://schemas.openxmlformats.org/presentationml/2006/main">
+  <p:cSld>
+    <p:spTree>
+      <p:nvGrpSpPr>
+        <p:cNvPr id="1" name="">
+          <a:extLst>
+            <a:ext uri="{FF2B5EF4-FFF2-40B4-BE49-F238E27FC236}">
+              <a16:creationId xmlns:a16="http://schemas.microsoft.com/office/drawing/2014/main" id="{188DC8EF-E234-7684-ECE9-E67189091465}"/>
+            </a:ext>
+          </a:extLst>
+        </p:cNvPr>
+        <p:cNvGrpSpPr/>
+        <p:nvPr/>
+      </p:nvGrpSpPr>
+      <p:grpSpPr>
+        <a:xfrm>
+          <a:off x="0" y="0"/>
+          <a:ext cx="0" cy="0"/>
+          <a:chOff x="0" y="0"/>
+          <a:chExt cx="0" cy="0"/>
+        </a:xfrm>
+      </p:grpSpPr>
+      <p:pic>
+        <p:nvPicPr>
+          <p:cNvPr id="6" name="Grafik 5">
+            <a:extLst>
+              <a:ext uri="{FF2B5EF4-FFF2-40B4-BE49-F238E27FC236}">
+                <a16:creationId xmlns:a16="http://schemas.microsoft.com/office/drawing/2014/main" id="{B4C57856-13C9-C93D-55C9-2C714BDF33F0}"/>
+              </a:ext>
+            </a:extLst>
+          </p:cNvPr>
+          <p:cNvPicPr>
+            <a:picLocks noChangeAspect="1"/>
+          </p:cNvPicPr>
+          <p:nvPr/>
+        </p:nvPicPr>
+        <p:blipFill>
+          <a:blip r:embed="rId3"/>
+          <a:srcRect t="21841" r="66357" b="22536"/>
+          <a:stretch/>
+        </p:blipFill>
+        <p:spPr>
+          <a:xfrm>
+            <a:off x="85182" y="1238717"/>
+            <a:ext cx="3974135" cy="4380460"/>
+          </a:xfrm>
+          <a:prstGeom prst="rect">
+            <a:avLst/>
+          </a:prstGeom>
+        </p:spPr>
+      </p:pic>
+      <p:sp>
+        <p:nvSpPr>
+          <p:cNvPr id="4" name="Datumsplatzhalter 3">
+            <a:extLst>
+              <a:ext uri="{FF2B5EF4-FFF2-40B4-BE49-F238E27FC236}">
+                <a16:creationId xmlns:a16="http://schemas.microsoft.com/office/drawing/2014/main" id="{BD86C71C-8ACE-7C54-3DAC-0B6E5F1C7024}"/>
+              </a:ext>
+            </a:extLst>
+          </p:cNvPr>
+          <p:cNvSpPr>
+            <a:spLocks noGrp="1"/>
+          </p:cNvSpPr>
+          <p:nvPr>
+            <p:ph type="dt" sz="half" idx="10"/>
+          </p:nvPr>
+        </p:nvSpPr>
+        <p:spPr>
+          <a:xfrm>
+            <a:off x="8785499" y="6323366"/>
+            <a:ext cx="1221711" cy="244830"/>
+          </a:xfrm>
+        </p:spPr>
+        <p:txBody>
+          <a:bodyPr/>
+          <a:lstStyle/>
+          <a:p>
+            <a:r>
+              <a:rPr lang="en-US" dirty="0"/>
+              <a:t>06.03.2025</a:t>
+            </a:r>
+          </a:p>
+        </p:txBody>
+      </p:sp>
+      <p:sp>
+        <p:nvSpPr>
+          <p:cNvPr id="5" name="Fußzeilenplatzhalter 4">
+            <a:extLst>
+              <a:ext uri="{FF2B5EF4-FFF2-40B4-BE49-F238E27FC236}">
+                <a16:creationId xmlns:a16="http://schemas.microsoft.com/office/drawing/2014/main" id="{DB122B91-E598-CD94-A0DC-C8BD3F58840F}"/>
+              </a:ext>
+            </a:extLst>
+          </p:cNvPr>
+          <p:cNvSpPr>
+            <a:spLocks noGrp="1"/>
+          </p:cNvSpPr>
+          <p:nvPr>
+            <p:ph type="ftr" sz="quarter" idx="11"/>
+          </p:nvPr>
+        </p:nvSpPr>
+        <p:spPr/>
+        <p:txBody>
+          <a:bodyPr/>
+          <a:lstStyle/>
+          <a:p>
+            <a:r>
+              <a:rPr lang="en-US" dirty="0"/>
+              <a:t>Simulating Self-Avoiding Polymers </a:t>
+            </a:r>
+          </a:p>
+        </p:txBody>
+      </p:sp>
+      <p:sp>
+        <p:nvSpPr>
+          <p:cNvPr id="7" name="Foliennummernplatzhalter 6">
+            <a:extLst>
+              <a:ext uri="{FF2B5EF4-FFF2-40B4-BE49-F238E27FC236}">
+                <a16:creationId xmlns:a16="http://schemas.microsoft.com/office/drawing/2014/main" id="{EF9E3EB2-7348-2C80-DA0D-F51DDB317843}"/>
+              </a:ext>
+            </a:extLst>
+          </p:cNvPr>
+          <p:cNvSpPr>
+            <a:spLocks noGrp="1"/>
+          </p:cNvSpPr>
+          <p:nvPr>
+            <p:ph type="sldNum" sz="quarter" idx="12"/>
+          </p:nvPr>
+        </p:nvSpPr>
+        <p:spPr>
+          <a:xfrm>
+            <a:off x="8764911" y="6328378"/>
+            <a:ext cx="2743200" cy="244830"/>
+          </a:xfrm>
+        </p:spPr>
+        <p:txBody>
+          <a:bodyPr/>
+          <a:lstStyle/>
+          <a:p>
+            <a:r>
+              <a:rPr lang="de-DE" sz="1400" dirty="0"/>
+              <a:t>1</a:t>
+            </a:r>
+            <a:endParaRPr lang="en-US" sz="1400" dirty="0"/>
+          </a:p>
+        </p:txBody>
+      </p:sp>
+      <p:pic>
+        <p:nvPicPr>
+          <p:cNvPr id="9" name="Grafik 8">
+            <a:extLst>
+              <a:ext uri="{FF2B5EF4-FFF2-40B4-BE49-F238E27FC236}">
+                <a16:creationId xmlns:a16="http://schemas.microsoft.com/office/drawing/2014/main" id="{7FD1C82F-FD47-ED61-A534-02AA6926856C}"/>
+              </a:ext>
+            </a:extLst>
+          </p:cNvPr>
+          <p:cNvPicPr>
+            <a:picLocks noChangeAspect="1"/>
+          </p:cNvPicPr>
+          <p:nvPr/>
+        </p:nvPicPr>
+        <p:blipFill>
+          <a:blip r:embed="rId3"/>
+          <a:srcRect l="33642" t="21759" r="33638" b="24335"/>
+          <a:stretch/>
+        </p:blipFill>
+        <p:spPr>
+          <a:xfrm>
+            <a:off x="4110001" y="1186743"/>
+            <a:ext cx="3974135" cy="4364925"/>
+          </a:xfrm>
+          <a:prstGeom prst="rect">
+            <a:avLst/>
+          </a:prstGeom>
+        </p:spPr>
+      </p:pic>
+      <p:pic>
+        <p:nvPicPr>
+          <p:cNvPr id="14" name="Grafik 13">
+            <a:extLst>
+              <a:ext uri="{FF2B5EF4-FFF2-40B4-BE49-F238E27FC236}">
+                <a16:creationId xmlns:a16="http://schemas.microsoft.com/office/drawing/2014/main" id="{6DE3EBCC-DBFE-EF09-21C6-11A1A28CC32C}"/>
+              </a:ext>
+            </a:extLst>
+          </p:cNvPr>
+          <p:cNvPicPr>
+            <a:picLocks noChangeAspect="1"/>
+          </p:cNvPicPr>
+          <p:nvPr/>
+        </p:nvPicPr>
+        <p:blipFill>
+          <a:blip r:embed="rId3"/>
+          <a:srcRect l="66287" t="22973" r="1612" b="25400"/>
+          <a:stretch/>
+        </p:blipFill>
+        <p:spPr>
+          <a:xfrm>
+            <a:off x="8081999" y="1238717"/>
+            <a:ext cx="3974135" cy="4260979"/>
+          </a:xfrm>
+          <a:prstGeom prst="rect">
+            <a:avLst/>
+          </a:prstGeom>
+        </p:spPr>
+      </p:pic>
+      <p:sp>
+        <p:nvSpPr>
+          <p:cNvPr id="10" name="Titel 2">
+            <a:extLst>
+              <a:ext uri="{FF2B5EF4-FFF2-40B4-BE49-F238E27FC236}">
+                <a16:creationId xmlns:a16="http://schemas.microsoft.com/office/drawing/2014/main" id="{6BABC264-F158-17D2-F12A-60548FC1F1FF}"/>
+              </a:ext>
+            </a:extLst>
+          </p:cNvPr>
+          <p:cNvSpPr txBox="1">
+            <a:spLocks/>
+          </p:cNvSpPr>
+          <p:nvPr/>
+        </p:nvSpPr>
+        <p:spPr>
+          <a:xfrm>
+            <a:off x="3625509" y="164155"/>
+            <a:ext cx="4940982" cy="251297"/>
+          </a:xfrm>
+          <a:prstGeom prst="rect">
+            <a:avLst/>
+          </a:prstGeom>
+        </p:spPr>
+        <p:txBody>
+          <a:bodyPr vert="horz" lIns="0" tIns="0" rIns="0" bIns="0" rtlCol="0" anchor="t" anchorCtr="0">
+            <a:noAutofit/>
+          </a:bodyPr>
+          <a:lstStyle>
+            <a:lvl1pPr algn="l" defTabSz="914400" rtl="0" eaLnBrk="1" latinLnBrk="0" hangingPunct="1">
+              <a:lnSpc>
+                <a:spcPct val="90000"/>
+              </a:lnSpc>
+              <a:spcBef>
+                <a:spcPct val="0"/>
+              </a:spcBef>
+              <a:buNone/>
+              <a:defRPr sz="3200" b="1" i="0" kern="1200" cap="none" baseline="0">
+                <a:solidFill>
+                  <a:schemeClr val="accent1"/>
+                </a:solidFill>
+                <a:latin typeface="Albert Sans" pitchFamily="2" charset="0"/>
+                <a:ea typeface="+mj-ea"/>
+                <a:cs typeface="+mj-cs"/>
+              </a:defRPr>
+            </a:lvl1pPr>
+          </a:lstStyle>
+          <a:p>
+            <a:pPr algn="ctr"/>
+            <a:r>
+              <a:rPr lang="de-DE" sz="2000"/>
+              <a:t>Outlook for the report</a:t>
+            </a:r>
+            <a:endParaRPr lang="en-US" sz="2000" dirty="0"/>
+          </a:p>
+        </p:txBody>
+      </p:sp>
+      <p:sp>
+        <p:nvSpPr>
+          <p:cNvPr id="11" name="Textfeld 11">
+            <a:extLst>
+              <a:ext uri="{FF2B5EF4-FFF2-40B4-BE49-F238E27FC236}">
+                <a16:creationId xmlns:a16="http://schemas.microsoft.com/office/drawing/2014/main" id="{EFE0265C-B190-BB00-2306-75BDB0702145}"/>
+              </a:ext>
+            </a:extLst>
+          </p:cNvPr>
+          <p:cNvSpPr txBox="1"/>
+          <p:nvPr/>
+        </p:nvSpPr>
+        <p:spPr>
+          <a:xfrm>
+            <a:off x="3560261" y="415019"/>
+            <a:ext cx="5071479" cy="867930"/>
+          </a:xfrm>
+          <a:prstGeom prst="rect">
+            <a:avLst/>
+          </a:prstGeom>
+          <a:noFill/>
+        </p:spPr>
+        <p:txBody>
+          <a:bodyPr wrap="square">
+            <a:spAutoFit/>
+          </a:bodyPr>
+          <a:lstStyle/>
+          <a:p>
+            <a:pPr algn="ctr">
+              <a:lnSpc>
+                <a:spcPct val="90000"/>
+              </a:lnSpc>
+              <a:spcBef>
+                <a:spcPct val="0"/>
+              </a:spcBef>
+              <a:buClr>
+                <a:schemeClr val="tx2"/>
+              </a:buClr>
+              <a:buSzPct val="120000"/>
+            </a:pPr>
+            <a:r>
+              <a:rPr lang="de-DE" sz="2800" b="1" dirty="0" err="1">
+                <a:solidFill>
+                  <a:schemeClr val="accent1"/>
+                </a:solidFill>
+                <a:latin typeface="Albert Sans" pitchFamily="2" charset="0"/>
+                <a:ea typeface="+mj-ea"/>
+                <a:cs typeface="+mj-cs"/>
+              </a:rPr>
+              <a:t>Simulations</a:t>
+            </a:r>
+            <a:r>
+              <a:rPr lang="de-DE" sz="2800" b="1" dirty="0">
+                <a:solidFill>
+                  <a:schemeClr val="accent1"/>
+                </a:solidFill>
+                <a:latin typeface="Albert Sans" pitchFamily="2" charset="0"/>
+                <a:ea typeface="+mj-ea"/>
+                <a:cs typeface="+mj-cs"/>
+              </a:rPr>
+              <a:t> in 3D </a:t>
+            </a:r>
+            <a:r>
+              <a:rPr lang="de-DE" sz="2800" b="1" dirty="0" err="1">
+                <a:solidFill>
+                  <a:schemeClr val="accent1"/>
+                </a:solidFill>
+                <a:latin typeface="Albert Sans" pitchFamily="2" charset="0"/>
+                <a:ea typeface="+mj-ea"/>
+                <a:cs typeface="+mj-cs"/>
+              </a:rPr>
+              <a:t>including</a:t>
+            </a:r>
+            <a:r>
+              <a:rPr lang="de-DE" sz="2800" b="1" dirty="0">
+                <a:solidFill>
+                  <a:schemeClr val="accent1"/>
+                </a:solidFill>
+                <a:latin typeface="Albert Sans" pitchFamily="2" charset="0"/>
+                <a:ea typeface="+mj-ea"/>
+                <a:cs typeface="+mj-cs"/>
+              </a:rPr>
+              <a:t> </a:t>
+            </a:r>
+            <a:r>
+              <a:rPr lang="de-DE" sz="2800" b="1" dirty="0" err="1">
+                <a:solidFill>
+                  <a:schemeClr val="accent1"/>
+                </a:solidFill>
+                <a:latin typeface="Albert Sans" pitchFamily="2" charset="0"/>
+                <a:ea typeface="+mj-ea"/>
+                <a:cs typeface="+mj-cs"/>
+              </a:rPr>
+              <a:t>interactions</a:t>
+            </a:r>
+            <a:endParaRPr lang="de-DE" sz="2800" b="1" dirty="0">
+              <a:solidFill>
+                <a:schemeClr val="accent1"/>
+              </a:solidFill>
+              <a:latin typeface="Albert Sans" pitchFamily="2" charset="0"/>
+              <a:ea typeface="+mj-ea"/>
+              <a:cs typeface="+mj-cs"/>
+            </a:endParaRPr>
+          </a:p>
+        </p:txBody>
+      </p:sp>
+    </p:spTree>
+    <p:extLst>
+      <p:ext uri="{BB962C8B-B14F-4D97-AF65-F5344CB8AC3E}">
+        <p14:creationId xmlns:p14="http://schemas.microsoft.com/office/powerpoint/2010/main" val="3638287186"/>
       </p:ext>
     </p:extLst>
   </p:cSld>
@@ -3272,6 +5497,36 @@
           <a:chExt cx="0" cy="0"/>
         </a:xfrm>
       </p:grpSpPr>
+      <p:pic>
+        <p:nvPicPr>
+          <p:cNvPr id="8" name="Picture 7" descr="A group of purple spheres&#10;&#10;AI-generated content may be incorrect.">
+            <a:extLst>
+              <a:ext uri="{FF2B5EF4-FFF2-40B4-BE49-F238E27FC236}">
+                <a16:creationId xmlns:a16="http://schemas.microsoft.com/office/drawing/2014/main" id="{7BF42677-1295-6631-C818-6AAF06371FB2}"/>
+              </a:ext>
+            </a:extLst>
+          </p:cNvPr>
+          <p:cNvPicPr>
+            <a:picLocks noChangeAspect="1"/>
+          </p:cNvPicPr>
+          <p:nvPr/>
+        </p:nvPicPr>
+        <p:blipFill>
+          <a:blip r:embed="rId3"/>
+          <a:stretch>
+            <a:fillRect/>
+          </a:stretch>
+        </p:blipFill>
+        <p:spPr>
+          <a:xfrm>
+            <a:off x="6454199" y="-957826"/>
+            <a:ext cx="5812221" cy="8427209"/>
+          </a:xfrm>
+          <a:prstGeom prst="rect">
+            <a:avLst/>
+          </a:prstGeom>
+        </p:spPr>
+      </p:pic>
       <p:sp>
         <p:nvSpPr>
           <p:cNvPr id="3" name="Titel 2">
@@ -3300,9 +5555,10 @@
           <a:p>
             <a:pPr algn="ctr"/>
             <a:r>
-              <a:rPr lang="en-US" sz="2800" noProof="0" dirty="0"/>
-              <a:t>Structure</a:t>
+              <a:rPr lang="en-US" sz="4000" noProof="0" dirty="0"/>
+              <a:t>Introduction</a:t>
             </a:r>
+            <a:endParaRPr lang="en-US" sz="2800" noProof="0" dirty="0"/>
           </a:p>
         </p:txBody>
       </p:sp>
@@ -3324,7 +5580,7 @@
         </p:nvSpPr>
         <p:spPr>
           <a:xfrm>
-            <a:off x="8785499" y="6323366"/>
+            <a:off x="5843343" y="6323366"/>
             <a:ext cx="1221711" cy="244830"/>
           </a:xfrm>
         </p:spPr>
@@ -3401,6 +5657,57 @@
           </a:p>
         </p:txBody>
       </p:sp>
+      <p:sp>
+        <p:nvSpPr>
+          <p:cNvPr id="6" name="TextBox 5">
+            <a:extLst>
+              <a:ext uri="{FF2B5EF4-FFF2-40B4-BE49-F238E27FC236}">
+                <a16:creationId xmlns:a16="http://schemas.microsoft.com/office/drawing/2014/main" id="{AE20DD05-E69C-052F-785F-C0573B38FD2F}"/>
+              </a:ext>
+            </a:extLst>
+          </p:cNvPr>
+          <p:cNvSpPr txBox="1"/>
+          <p:nvPr/>
+        </p:nvSpPr>
+        <p:spPr>
+          <a:xfrm>
+            <a:off x="648929" y="1351508"/>
+            <a:ext cx="7157884" cy="4154984"/>
+          </a:xfrm>
+          <a:prstGeom prst="rect">
+            <a:avLst/>
+          </a:prstGeom>
+          <a:noFill/>
+        </p:spPr>
+        <p:txBody>
+          <a:bodyPr wrap="square">
+            <a:spAutoFit/>
+          </a:bodyPr>
+          <a:lstStyle/>
+          <a:p>
+            <a:r>
+              <a:rPr lang="en-US" sz="4400" dirty="0"/>
+              <a:t>A </a:t>
+            </a:r>
+            <a:r>
+              <a:rPr lang="en-US" sz="4400" b="1" dirty="0"/>
+              <a:t>polymer chain</a:t>
+            </a:r>
+            <a:r>
+              <a:rPr lang="en-US" sz="4400" dirty="0"/>
+              <a:t> is a long, repeating sequence of molecules called </a:t>
+            </a:r>
+            <a:r>
+              <a:rPr lang="en-US" sz="4400" b="1" dirty="0"/>
+              <a:t>monomers</a:t>
+            </a:r>
+            <a:r>
+              <a:rPr lang="en-US" sz="4400" dirty="0"/>
+              <a:t>, which are chemically bonded together.</a:t>
+            </a:r>
+          </a:p>
+        </p:txBody>
+      </p:sp>
     </p:spTree>
     <p:extLst>
       <p:ext uri="{BB962C8B-B14F-4D97-AF65-F5344CB8AC3E}">
@@ -3415,6 +5722,250 @@
 </file>
 
 <file path=ppt/slides/slide3.xml><?xml version="1.0" encoding="utf-8"?>
+<p:sld xmlns:a="http://schemas.openxmlformats.org/drawingml/2006/main" xmlns:r="http://schemas.openxmlformats.org/officeDocument/2006/relationships" xmlns:p="http://schemas.openxmlformats.org/presentationml/2006/main">
+  <p:cSld>
+    <p:spTree>
+      <p:nvGrpSpPr>
+        <p:cNvPr id="1" name="">
+          <a:extLst>
+            <a:ext uri="{FF2B5EF4-FFF2-40B4-BE49-F238E27FC236}">
+              <a16:creationId xmlns:a16="http://schemas.microsoft.com/office/drawing/2014/main" id="{F0B22ABE-AE3F-B725-DCEB-A42C0FE7F668}"/>
+            </a:ext>
+          </a:extLst>
+        </p:cNvPr>
+        <p:cNvGrpSpPr/>
+        <p:nvPr/>
+      </p:nvGrpSpPr>
+      <p:grpSpPr>
+        <a:xfrm>
+          <a:off x="0" y="0"/>
+          <a:ext cx="0" cy="0"/>
+          <a:chOff x="0" y="0"/>
+          <a:chExt cx="0" cy="0"/>
+        </a:xfrm>
+      </p:grpSpPr>
+      <p:sp>
+        <p:nvSpPr>
+          <p:cNvPr id="3" name="Titel 2">
+            <a:extLst>
+              <a:ext uri="{FF2B5EF4-FFF2-40B4-BE49-F238E27FC236}">
+                <a16:creationId xmlns:a16="http://schemas.microsoft.com/office/drawing/2014/main" id="{1238EB4B-36CA-2232-865F-C470AFFB4D06}"/>
+              </a:ext>
+            </a:extLst>
+          </p:cNvPr>
+          <p:cNvSpPr>
+            <a:spLocks noGrp="1"/>
+          </p:cNvSpPr>
+          <p:nvPr>
+            <p:ph type="title"/>
+          </p:nvPr>
+        </p:nvSpPr>
+        <p:spPr>
+          <a:xfrm>
+            <a:off x="252392" y="331095"/>
+            <a:ext cx="11567824" cy="502595"/>
+          </a:xfrm>
+        </p:spPr>
+        <p:txBody>
+          <a:bodyPr/>
+          <a:lstStyle/>
+          <a:p>
+            <a:pPr algn="ctr"/>
+            <a:r>
+              <a:rPr lang="en-US" sz="4000" noProof="0" dirty="0"/>
+              <a:t>Introduction</a:t>
+            </a:r>
+            <a:endParaRPr lang="en-US" sz="2800" noProof="0" dirty="0"/>
+          </a:p>
+        </p:txBody>
+      </p:sp>
+      <p:sp>
+        <p:nvSpPr>
+          <p:cNvPr id="4" name="Datumsplatzhalter 3">
+            <a:extLst>
+              <a:ext uri="{FF2B5EF4-FFF2-40B4-BE49-F238E27FC236}">
+                <a16:creationId xmlns:a16="http://schemas.microsoft.com/office/drawing/2014/main" id="{DD5D5BB9-85AE-1881-8BA6-BC9D5D7B04F5}"/>
+              </a:ext>
+            </a:extLst>
+          </p:cNvPr>
+          <p:cNvSpPr>
+            <a:spLocks noGrp="1"/>
+          </p:cNvSpPr>
+          <p:nvPr>
+            <p:ph type="dt" sz="half" idx="10"/>
+          </p:nvPr>
+        </p:nvSpPr>
+        <p:spPr>
+          <a:xfrm>
+            <a:off x="8785499" y="6323366"/>
+            <a:ext cx="1221711" cy="244830"/>
+          </a:xfrm>
+        </p:spPr>
+        <p:txBody>
+          <a:bodyPr/>
+          <a:lstStyle/>
+          <a:p>
+            <a:r>
+              <a:rPr lang="en-US" dirty="0"/>
+              <a:t>06.03.2025</a:t>
+            </a:r>
+          </a:p>
+        </p:txBody>
+      </p:sp>
+      <p:sp>
+        <p:nvSpPr>
+          <p:cNvPr id="5" name="Fußzeilenplatzhalter 4">
+            <a:extLst>
+              <a:ext uri="{FF2B5EF4-FFF2-40B4-BE49-F238E27FC236}">
+                <a16:creationId xmlns:a16="http://schemas.microsoft.com/office/drawing/2014/main" id="{8075BA0E-8BFD-A424-79CF-428BCEC9FB5A}"/>
+              </a:ext>
+            </a:extLst>
+          </p:cNvPr>
+          <p:cNvSpPr>
+            <a:spLocks noGrp="1"/>
+          </p:cNvSpPr>
+          <p:nvPr>
+            <p:ph type="ftr" sz="quarter" idx="11"/>
+          </p:nvPr>
+        </p:nvSpPr>
+        <p:spPr/>
+        <p:txBody>
+          <a:bodyPr/>
+          <a:lstStyle/>
+          <a:p>
+            <a:r>
+              <a:rPr lang="en-US" dirty="0"/>
+              <a:t>Simulating Self-Avoiding Polymers </a:t>
+            </a:r>
+          </a:p>
+        </p:txBody>
+      </p:sp>
+      <p:sp>
+        <p:nvSpPr>
+          <p:cNvPr id="7" name="Foliennummernplatzhalter 6">
+            <a:extLst>
+              <a:ext uri="{FF2B5EF4-FFF2-40B4-BE49-F238E27FC236}">
+                <a16:creationId xmlns:a16="http://schemas.microsoft.com/office/drawing/2014/main" id="{340B4D85-D270-E6D3-8BC5-9FFE6B1C96F1}"/>
+              </a:ext>
+            </a:extLst>
+          </p:cNvPr>
+          <p:cNvSpPr>
+            <a:spLocks noGrp="1"/>
+          </p:cNvSpPr>
+          <p:nvPr>
+            <p:ph type="sldNum" sz="quarter" idx="12"/>
+          </p:nvPr>
+        </p:nvSpPr>
+        <p:spPr>
+          <a:xfrm>
+            <a:off x="8770521" y="6328378"/>
+            <a:ext cx="2743200" cy="244830"/>
+          </a:xfrm>
+        </p:spPr>
+        <p:txBody>
+          <a:bodyPr/>
+          <a:lstStyle/>
+          <a:p>
+            <a:r>
+              <a:rPr lang="de-DE" dirty="0"/>
+              <a:t>1</a:t>
+            </a:r>
+            <a:endParaRPr lang="en-US" dirty="0"/>
+          </a:p>
+        </p:txBody>
+      </p:sp>
+      <p:sp>
+        <p:nvSpPr>
+          <p:cNvPr id="8" name="TextBox 7">
+            <a:extLst>
+              <a:ext uri="{FF2B5EF4-FFF2-40B4-BE49-F238E27FC236}">
+                <a16:creationId xmlns:a16="http://schemas.microsoft.com/office/drawing/2014/main" id="{09CFEF98-78D2-C25C-370B-E2E51398AD88}"/>
+              </a:ext>
+            </a:extLst>
+          </p:cNvPr>
+          <p:cNvSpPr txBox="1"/>
+          <p:nvPr/>
+        </p:nvSpPr>
+        <p:spPr>
+          <a:xfrm>
+            <a:off x="1900059" y="1013052"/>
+            <a:ext cx="8272489" cy="1754326"/>
+          </a:xfrm>
+          <a:prstGeom prst="rect">
+            <a:avLst/>
+          </a:prstGeom>
+          <a:noFill/>
+        </p:spPr>
+        <p:txBody>
+          <a:bodyPr wrap="square">
+            <a:spAutoFit/>
+          </a:bodyPr>
+          <a:lstStyle/>
+          <a:p>
+            <a:pPr algn="ctr"/>
+            <a:r>
+              <a:rPr lang="en-US" sz="3600" dirty="0"/>
+              <a:t>Polymer chains can be modeled using random walk </a:t>
+            </a:r>
+            <a:r>
+              <a:rPr lang="en-US" sz="3600" dirty="0" err="1"/>
+              <a:t>algoritms</a:t>
+            </a:r>
+            <a:r>
+              <a:rPr lang="en-US" sz="3600" dirty="0"/>
+              <a:t>, especially </a:t>
+            </a:r>
+            <a:r>
+              <a:rPr lang="en-US" sz="3600" b="1" dirty="0"/>
+              <a:t>Self Avoiding Walk (SAW)</a:t>
+            </a:r>
+          </a:p>
+        </p:txBody>
+      </p:sp>
+      <p:pic>
+        <p:nvPicPr>
+          <p:cNvPr id="9" name="Picture 8" descr="A black background with white dots and red x&#10;&#10;AI-generated content may be incorrect.">
+            <a:extLst>
+              <a:ext uri="{FF2B5EF4-FFF2-40B4-BE49-F238E27FC236}">
+                <a16:creationId xmlns:a16="http://schemas.microsoft.com/office/drawing/2014/main" id="{873A4DA6-20C7-69E7-EE2C-D33C7ECA4C74}"/>
+              </a:ext>
+            </a:extLst>
+          </p:cNvPr>
+          <p:cNvPicPr>
+            <a:picLocks noChangeAspect="1"/>
+          </p:cNvPicPr>
+          <p:nvPr/>
+        </p:nvPicPr>
+        <p:blipFill>
+          <a:blip r:embed="rId3"/>
+          <a:stretch>
+            <a:fillRect/>
+          </a:stretch>
+        </p:blipFill>
+        <p:spPr>
+          <a:xfrm>
+            <a:off x="1688776" y="2819604"/>
+            <a:ext cx="8814448" cy="3140147"/>
+          </a:xfrm>
+          <a:prstGeom prst="rect">
+            <a:avLst/>
+          </a:prstGeom>
+        </p:spPr>
+      </p:pic>
+    </p:spTree>
+    <p:extLst>
+      <p:ext uri="{BB962C8B-B14F-4D97-AF65-F5344CB8AC3E}">
+        <p14:creationId xmlns:p14="http://schemas.microsoft.com/office/powerpoint/2010/main" val="3202774193"/>
+      </p:ext>
+    </p:extLst>
+  </p:cSld>
+  <p:clrMapOvr>
+    <a:masterClrMapping/>
+  </p:clrMapOvr>
+</p:sld>
+</file>
+
+<file path=ppt/slides/slide4.xml><?xml version="1.0" encoding="utf-8"?>
 <p:sld xmlns:a="http://schemas.openxmlformats.org/drawingml/2006/main" xmlns:r="http://schemas.openxmlformats.org/officeDocument/2006/relationships" xmlns:p="http://schemas.openxmlformats.org/presentationml/2006/main">
   <p:cSld>
     <p:spTree>
@@ -3465,7 +6016,7 @@
           <a:p>
             <a:pPr algn="ctr"/>
             <a:r>
-              <a:rPr lang="en-US" sz="2800" noProof="0" dirty="0"/>
+              <a:rPr lang="en-US" sz="4000" noProof="0" dirty="0"/>
               <a:t>Observables of interest</a:t>
             </a:r>
           </a:p>
@@ -3566,8 +6117,8 @@
           </a:p>
         </p:txBody>
       </p:sp>
-      <mc:AlternateContent xmlns:mc="http://schemas.openxmlformats.org/markup-compatibility/2006">
-        <mc:Choice xmlns:a14="http://schemas.microsoft.com/office/drawing/2010/main" Requires="a14">
+      <mc:AlternateContent xmlns:mc="http://schemas.openxmlformats.org/markup-compatibility/2006" xmlns:a14="http://schemas.microsoft.com/office/drawing/2010/main">
+        <mc:Choice Requires="a14">
           <p:sp>
             <p:nvSpPr>
               <p:cNvPr id="6" name="Textfeld 5">
@@ -3673,7 +6224,7 @@
             </p:txBody>
           </p:sp>
         </mc:Choice>
-        <mc:Fallback>
+        <mc:Fallback xmlns="">
           <p:sp>
             <p:nvSpPr>
               <p:cNvPr id="6" name="Textfeld 5">
@@ -3718,8 +6269,8 @@
           </p:sp>
         </mc:Fallback>
       </mc:AlternateContent>
-      <mc:AlternateContent xmlns:mc="http://schemas.openxmlformats.org/markup-compatibility/2006">
-        <mc:Choice xmlns:a14="http://schemas.microsoft.com/office/drawing/2010/main" Requires="a14">
+      <mc:AlternateContent xmlns:mc="http://schemas.openxmlformats.org/markup-compatibility/2006" xmlns:a14="http://schemas.microsoft.com/office/drawing/2010/main">
+        <mc:Choice Requires="a14">
           <p:sp>
             <p:nvSpPr>
               <p:cNvPr id="2" name="Textfeld 1">
@@ -4001,7 +6552,7 @@
             </p:txBody>
           </p:sp>
         </mc:Choice>
-        <mc:Fallback>
+        <mc:Fallback xmlns="">
           <p:sp>
             <p:nvSpPr>
               <p:cNvPr id="2" name="Textfeld 1">
@@ -4089,8 +6640,8 @@
           </a:p>
         </p:txBody>
       </p:sp>
-      <mc:AlternateContent xmlns:mc="http://schemas.openxmlformats.org/markup-compatibility/2006">
-        <mc:Choice xmlns:a14="http://schemas.microsoft.com/office/drawing/2010/main" Requires="a14">
+      <mc:AlternateContent xmlns:mc="http://schemas.openxmlformats.org/markup-compatibility/2006" xmlns:a14="http://schemas.microsoft.com/office/drawing/2010/main">
+        <mc:Choice Requires="a14">
           <p:sp>
             <p:nvSpPr>
               <p:cNvPr id="12" name="Textfeld 11">
@@ -4168,7 +6719,7 @@
             </p:txBody>
           </p:sp>
         </mc:Choice>
-        <mc:Fallback>
+        <mc:Fallback xmlns="">
           <p:sp>
             <p:nvSpPr>
               <p:cNvPr id="12" name="Textfeld 11">
@@ -4259,8 +6810,8 @@
           </a:p>
         </p:txBody>
       </p:sp>
-      <mc:AlternateContent xmlns:mc="http://schemas.openxmlformats.org/markup-compatibility/2006">
-        <mc:Choice xmlns:a14="http://schemas.microsoft.com/office/drawing/2010/main" Requires="a14">
+      <mc:AlternateContent xmlns:mc="http://schemas.openxmlformats.org/markup-compatibility/2006" xmlns:a14="http://schemas.microsoft.com/office/drawing/2010/main">
+        <mc:Choice Requires="a14">
           <p:sp>
             <p:nvSpPr>
               <p:cNvPr id="14" name="Textfeld 13">
@@ -4507,7 +7058,7 @@
             </p:txBody>
           </p:sp>
         </mc:Choice>
-        <mc:Fallback>
+        <mc:Fallback xmlns="">
           <p:sp>
             <p:nvSpPr>
               <p:cNvPr id="14" name="Textfeld 13">
@@ -4552,8 +7103,8 @@
           </p:sp>
         </mc:Fallback>
       </mc:AlternateContent>
-      <mc:AlternateContent xmlns:mc="http://schemas.openxmlformats.org/markup-compatibility/2006">
-        <mc:Choice xmlns:a14="http://schemas.microsoft.com/office/drawing/2010/main" Requires="a14">
+      <mc:AlternateContent xmlns:mc="http://schemas.openxmlformats.org/markup-compatibility/2006" xmlns:a14="http://schemas.microsoft.com/office/drawing/2010/main">
+        <mc:Choice Requires="a14">
           <p:sp>
             <p:nvSpPr>
               <p:cNvPr id="15" name="Textfeld 14">
@@ -4644,7 +7195,7 @@
             </p:txBody>
           </p:sp>
         </mc:Choice>
-        <mc:Fallback>
+        <mc:Fallback xmlns="">
           <p:sp>
             <p:nvSpPr>
               <p:cNvPr id="15" name="Textfeld 14">
@@ -4689,8 +7240,8 @@
           </p:sp>
         </mc:Fallback>
       </mc:AlternateContent>
-      <mc:AlternateContent xmlns:mc="http://schemas.openxmlformats.org/markup-compatibility/2006">
-        <mc:Choice xmlns:a14="http://schemas.microsoft.com/office/drawing/2010/main" Requires="a14">
+      <mc:AlternateContent xmlns:mc="http://schemas.openxmlformats.org/markup-compatibility/2006" xmlns:a14="http://schemas.microsoft.com/office/drawing/2010/main">
+        <mc:Choice Requires="a14">
           <p:sp>
             <p:nvSpPr>
               <p:cNvPr id="16" name="Textfeld 15">
@@ -4774,7 +7325,7 @@
             </p:txBody>
           </p:sp>
         </mc:Choice>
-        <mc:Fallback>
+        <mc:Fallback xmlns="">
           <p:sp>
             <p:nvSpPr>
               <p:cNvPr id="16" name="Textfeld 15">
@@ -4832,7 +7383,1732 @@
 </p:sld>
 </file>
 
-<file path=ppt/slides/slide4.xml><?xml version="1.0" encoding="utf-8"?>
+<file path=ppt/slides/slide5.xml><?xml version="1.0" encoding="utf-8"?>
+<p:sld xmlns:a="http://schemas.openxmlformats.org/drawingml/2006/main" xmlns:r="http://schemas.openxmlformats.org/officeDocument/2006/relationships" xmlns:p="http://schemas.openxmlformats.org/presentationml/2006/main">
+  <p:cSld>
+    <p:spTree>
+      <p:nvGrpSpPr>
+        <p:cNvPr id="1" name="">
+          <a:extLst>
+            <a:ext uri="{FF2B5EF4-FFF2-40B4-BE49-F238E27FC236}">
+              <a16:creationId xmlns:a16="http://schemas.microsoft.com/office/drawing/2014/main" id="{9DBFF6E0-105B-5701-4B62-B6B091601C9E}"/>
+            </a:ext>
+          </a:extLst>
+        </p:cNvPr>
+        <p:cNvGrpSpPr/>
+        <p:nvPr/>
+      </p:nvGrpSpPr>
+      <p:grpSpPr>
+        <a:xfrm>
+          <a:off x="0" y="0"/>
+          <a:ext cx="0" cy="0"/>
+          <a:chOff x="0" y="0"/>
+          <a:chExt cx="0" cy="0"/>
+        </a:xfrm>
+      </p:grpSpPr>
+      <mc:AlternateContent xmlns:mc="http://schemas.openxmlformats.org/markup-compatibility/2006">
+        <mc:Choice xmlns:a14="http://schemas.microsoft.com/office/drawing/2010/main" Requires="a14">
+          <p:sp>
+            <p:nvSpPr>
+              <p:cNvPr id="3" name="Titel 2">
+                <a:extLst>
+                  <a:ext uri="{FF2B5EF4-FFF2-40B4-BE49-F238E27FC236}">
+                    <a16:creationId xmlns:a16="http://schemas.microsoft.com/office/drawing/2014/main" id="{93FB8D53-4358-966C-797B-990D51753DE3}"/>
+                  </a:ext>
+                </a:extLst>
+              </p:cNvPr>
+              <p:cNvSpPr>
+                <a:spLocks noGrp="1"/>
+              </p:cNvSpPr>
+              <p:nvPr>
+                <p:ph type="title"/>
+              </p:nvPr>
+            </p:nvSpPr>
+            <p:spPr>
+              <a:xfrm>
+                <a:off x="166094" y="284792"/>
+                <a:ext cx="11567824" cy="502595"/>
+              </a:xfrm>
+            </p:spPr>
+            <p:txBody>
+              <a:bodyPr/>
+              <a:lstStyle/>
+              <a:p>
+                <a:pPr algn="ctr"/>
+                <a:r>
+                  <a:rPr lang="en-US" sz="3000" noProof="0" dirty="0">
+                    <a:latin typeface="+mj-lt"/>
+                  </a:rPr>
+                  <a:t>Binning analysis to obtain the standard errors and </a:t>
+                </a:r>
+                <a14:m>
+                  <m:oMath xmlns:m="http://schemas.openxmlformats.org/officeDocument/2006/math">
+                    <m:sSub>
+                      <m:sSubPr>
+                        <m:ctrlPr>
+                          <a:rPr kumimoji="0" lang="de-DE" sz="3000" i="1" u="none" strike="noStrike" kern="1200" cap="none" spc="0" normalizeH="0" baseline="0" noProof="0" smtClean="0">
+                            <a:ln>
+                              <a:noFill/>
+                            </a:ln>
+                            <a:solidFill>
+                              <a:schemeClr val="bg2"/>
+                            </a:solidFill>
+                            <a:effectLst/>
+                            <a:uLnTx/>
+                            <a:uFillTx/>
+                            <a:latin typeface="Cambria Math" panose="02040503050406030204" pitchFamily="18" charset="0"/>
+                            <a:ea typeface="+mn-ea"/>
+                            <a:cs typeface="+mn-cs"/>
+                          </a:rPr>
+                        </m:ctrlPr>
+                      </m:sSubPr>
+                      <m:e>
+                        <m:r>
+                          <a:rPr kumimoji="0" lang="de-DE" sz="3000" b="1" i="0" u="none" strike="noStrike" kern="1200" cap="none" spc="0" normalizeH="0" baseline="0" noProof="0" smtClean="0">
+                            <a:ln>
+                              <a:noFill/>
+                            </a:ln>
+                            <a:solidFill>
+                              <a:schemeClr val="bg2"/>
+                            </a:solidFill>
+                            <a:effectLst/>
+                            <a:uLnTx/>
+                            <a:uFillTx/>
+                            <a:latin typeface="Cambria Math" panose="02040503050406030204" pitchFamily="18" charset="0"/>
+                            <a:ea typeface="+mn-ea"/>
+                            <a:cs typeface="+mn-cs"/>
+                          </a:rPr>
+                          <m:t>𝛕</m:t>
+                        </m:r>
+                      </m:e>
+                      <m:sub>
+                        <m:r>
+                          <a:rPr kumimoji="0" lang="de-DE" sz="3000" b="1" i="0" u="none" strike="noStrike" kern="1200" cap="none" spc="0" normalizeH="0" baseline="0" noProof="0" smtClean="0">
+                            <a:ln>
+                              <a:noFill/>
+                            </a:ln>
+                            <a:solidFill>
+                              <a:schemeClr val="bg2"/>
+                            </a:solidFill>
+                            <a:effectLst/>
+                            <a:uLnTx/>
+                            <a:uFillTx/>
+                            <a:latin typeface="Cambria Math" panose="02040503050406030204" pitchFamily="18" charset="0"/>
+                            <a:ea typeface="+mn-ea"/>
+                            <a:cs typeface="+mn-cs"/>
+                          </a:rPr>
+                          <m:t>𝐢𝐧𝐭</m:t>
+                        </m:r>
+                      </m:sub>
+                    </m:sSub>
+                  </m:oMath>
+                </a14:m>
+                <a:r>
+                  <a:rPr lang="en-US" sz="3000" noProof="0" dirty="0">
+                    <a:solidFill>
+                      <a:schemeClr val="bg2"/>
+                    </a:solidFill>
+                    <a:latin typeface="+mj-lt"/>
+                  </a:rPr>
+                  <a:t> </a:t>
+                </a:r>
+                <a:endParaRPr lang="en-US" sz="3000" noProof="0" dirty="0">
+                  <a:latin typeface="+mj-lt"/>
+                </a:endParaRPr>
+              </a:p>
+            </p:txBody>
+          </p:sp>
+        </mc:Choice>
+        <mc:Fallback>
+          <p:sp>
+            <p:nvSpPr>
+              <p:cNvPr id="3" name="Titel 2">
+                <a:extLst>
+                  <a:ext uri="{FF2B5EF4-FFF2-40B4-BE49-F238E27FC236}">
+                    <a16:creationId xmlns:a16="http://schemas.microsoft.com/office/drawing/2014/main" id="{93FB8D53-4358-966C-797B-990D51753DE3}"/>
+                  </a:ext>
+                </a:extLst>
+              </p:cNvPr>
+              <p:cNvSpPr>
+                <a:spLocks noGrp="1" noRot="1" noChangeAspect="1" noMove="1" noResize="1" noEditPoints="1" noAdjustHandles="1" noChangeArrowheads="1" noChangeShapeType="1" noTextEdit="1"/>
+              </p:cNvSpPr>
+              <p:nvPr>
+                <p:ph type="title"/>
+              </p:nvPr>
+            </p:nvSpPr>
+            <p:spPr>
+              <a:xfrm>
+                <a:off x="166094" y="284792"/>
+                <a:ext cx="11567824" cy="502595"/>
+              </a:xfrm>
+              <a:blipFill>
+                <a:blip r:embed="rId3"/>
+                <a:stretch>
+                  <a:fillRect t="-34146" b="-29268"/>
+                </a:stretch>
+              </a:blipFill>
+            </p:spPr>
+            <p:txBody>
+              <a:bodyPr/>
+              <a:lstStyle/>
+              <a:p>
+                <a:r>
+                  <a:rPr lang="en-US">
+                    <a:noFill/>
+                  </a:rPr>
+                  <a:t> </a:t>
+                </a:r>
+              </a:p>
+            </p:txBody>
+          </p:sp>
+        </mc:Fallback>
+      </mc:AlternateContent>
+      <p:sp>
+        <p:nvSpPr>
+          <p:cNvPr id="4" name="Datumsplatzhalter 3">
+            <a:extLst>
+              <a:ext uri="{FF2B5EF4-FFF2-40B4-BE49-F238E27FC236}">
+                <a16:creationId xmlns:a16="http://schemas.microsoft.com/office/drawing/2014/main" id="{D0CE3AFF-EB07-071A-590F-33BE169EE1B4}"/>
+              </a:ext>
+            </a:extLst>
+          </p:cNvPr>
+          <p:cNvSpPr>
+            <a:spLocks noGrp="1"/>
+          </p:cNvSpPr>
+          <p:nvPr>
+            <p:ph type="dt" sz="half" idx="10"/>
+          </p:nvPr>
+        </p:nvSpPr>
+        <p:spPr>
+          <a:xfrm>
+            <a:off x="8785499" y="6323366"/>
+            <a:ext cx="1221711" cy="244830"/>
+          </a:xfrm>
+        </p:spPr>
+        <p:txBody>
+          <a:bodyPr/>
+          <a:lstStyle/>
+          <a:p>
+            <a:r>
+              <a:rPr lang="en-US" dirty="0"/>
+              <a:t>06.03.2025</a:t>
+            </a:r>
+          </a:p>
+        </p:txBody>
+      </p:sp>
+      <p:sp>
+        <p:nvSpPr>
+          <p:cNvPr id="5" name="Fußzeilenplatzhalter 4">
+            <a:extLst>
+              <a:ext uri="{FF2B5EF4-FFF2-40B4-BE49-F238E27FC236}">
+                <a16:creationId xmlns:a16="http://schemas.microsoft.com/office/drawing/2014/main" id="{50CBFA12-772F-5896-7E67-1FFE33345646}"/>
+              </a:ext>
+            </a:extLst>
+          </p:cNvPr>
+          <p:cNvSpPr>
+            <a:spLocks noGrp="1"/>
+          </p:cNvSpPr>
+          <p:nvPr>
+            <p:ph type="ftr" sz="quarter" idx="11"/>
+          </p:nvPr>
+        </p:nvSpPr>
+        <p:spPr/>
+        <p:txBody>
+          <a:bodyPr/>
+          <a:lstStyle/>
+          <a:p>
+            <a:r>
+              <a:rPr lang="en-US" dirty="0"/>
+              <a:t>Simulating Self-Avoiding Polymers </a:t>
+            </a:r>
+          </a:p>
+        </p:txBody>
+      </p:sp>
+      <p:sp>
+        <p:nvSpPr>
+          <p:cNvPr id="7" name="Foliennummernplatzhalter 6">
+            <a:extLst>
+              <a:ext uri="{FF2B5EF4-FFF2-40B4-BE49-F238E27FC236}">
+                <a16:creationId xmlns:a16="http://schemas.microsoft.com/office/drawing/2014/main" id="{DCDA378B-F10E-CB08-5AA5-569A5E9AE33C}"/>
+              </a:ext>
+            </a:extLst>
+          </p:cNvPr>
+          <p:cNvSpPr>
+            <a:spLocks noGrp="1"/>
+          </p:cNvSpPr>
+          <p:nvPr>
+            <p:ph type="sldNum" sz="quarter" idx="12"/>
+          </p:nvPr>
+        </p:nvSpPr>
+        <p:spPr>
+          <a:xfrm>
+            <a:off x="8764911" y="6328378"/>
+            <a:ext cx="2743200" cy="244830"/>
+          </a:xfrm>
+        </p:spPr>
+        <p:txBody>
+          <a:bodyPr/>
+          <a:lstStyle/>
+          <a:p>
+            <a:r>
+              <a:rPr lang="de-DE" sz="1400" dirty="0"/>
+              <a:t>1</a:t>
+            </a:r>
+            <a:endParaRPr lang="en-US" sz="1400" dirty="0"/>
+          </a:p>
+        </p:txBody>
+      </p:sp>
+      <p:pic>
+        <p:nvPicPr>
+          <p:cNvPr id="19" name="Grafik 18">
+            <a:extLst>
+              <a:ext uri="{FF2B5EF4-FFF2-40B4-BE49-F238E27FC236}">
+                <a16:creationId xmlns:a16="http://schemas.microsoft.com/office/drawing/2014/main" id="{BEDF06AB-C5E4-4800-5FB1-246E6A270FD6}"/>
+              </a:ext>
+            </a:extLst>
+          </p:cNvPr>
+          <p:cNvPicPr>
+            <a:picLocks noChangeAspect="1"/>
+          </p:cNvPicPr>
+          <p:nvPr/>
+        </p:nvPicPr>
+        <p:blipFill>
+          <a:blip r:embed="rId4"/>
+          <a:srcRect/>
+          <a:stretch/>
+        </p:blipFill>
+        <p:spPr>
+          <a:xfrm>
+            <a:off x="2742873" y="941595"/>
+            <a:ext cx="6826662" cy="4876186"/>
+          </a:xfrm>
+          <a:prstGeom prst="rect">
+            <a:avLst/>
+          </a:prstGeom>
+        </p:spPr>
+      </p:pic>
+      <p:sp>
+        <p:nvSpPr>
+          <p:cNvPr id="2" name="Textfeld 1">
+            <a:extLst>
+              <a:ext uri="{FF2B5EF4-FFF2-40B4-BE49-F238E27FC236}">
+                <a16:creationId xmlns:a16="http://schemas.microsoft.com/office/drawing/2014/main" id="{2C5C8C5C-CD4D-3644-DDB1-5543894FC71C}"/>
+              </a:ext>
+            </a:extLst>
+          </p:cNvPr>
+          <p:cNvSpPr txBox="1"/>
+          <p:nvPr/>
+        </p:nvSpPr>
+        <p:spPr>
+          <a:xfrm>
+            <a:off x="1118180" y="708257"/>
+            <a:ext cx="9372706" cy="461665"/>
+          </a:xfrm>
+          <a:prstGeom prst="rect">
+            <a:avLst/>
+          </a:prstGeom>
+          <a:noFill/>
+        </p:spPr>
+        <p:txBody>
+          <a:bodyPr wrap="square">
+            <a:spAutoFit/>
+          </a:bodyPr>
+          <a:lstStyle/>
+          <a:p>
+            <a:pPr>
+              <a:buClr>
+                <a:schemeClr val="tx2"/>
+              </a:buClr>
+              <a:buSzPct val="120000"/>
+            </a:pPr>
+            <a:r>
+              <a:rPr lang="de-DE" sz="2400" dirty="0" err="1"/>
+              <a:t>Example</a:t>
+            </a:r>
+            <a:r>
+              <a:rPr lang="de-DE" sz="2400" dirty="0"/>
+              <a:t> </a:t>
+            </a:r>
+            <a:r>
+              <a:rPr lang="de-DE" sz="2400" dirty="0" err="1"/>
+              <a:t>trajectory</a:t>
+            </a:r>
+            <a:r>
+              <a:rPr lang="de-DE" sz="2400" dirty="0"/>
+              <a:t>:</a:t>
+            </a:r>
+          </a:p>
+        </p:txBody>
+      </p:sp>
+    </p:spTree>
+    <p:extLst>
+      <p:ext uri="{BB962C8B-B14F-4D97-AF65-F5344CB8AC3E}">
+        <p14:creationId xmlns:p14="http://schemas.microsoft.com/office/powerpoint/2010/main" val="2713003272"/>
+      </p:ext>
+    </p:extLst>
+  </p:cSld>
+  <p:clrMapOvr>
+    <a:masterClrMapping/>
+  </p:clrMapOvr>
+</p:sld>
+</file>
+
+<file path=ppt/slides/slide6.xml><?xml version="1.0" encoding="utf-8"?>
+<p:sld xmlns:a="http://schemas.openxmlformats.org/drawingml/2006/main" xmlns:r="http://schemas.openxmlformats.org/officeDocument/2006/relationships" xmlns:p="http://schemas.openxmlformats.org/presentationml/2006/main">
+  <p:cSld>
+    <p:spTree>
+      <p:nvGrpSpPr>
+        <p:cNvPr id="1" name="">
+          <a:extLst>
+            <a:ext uri="{FF2B5EF4-FFF2-40B4-BE49-F238E27FC236}">
+              <a16:creationId xmlns:a16="http://schemas.microsoft.com/office/drawing/2014/main" id="{5015C26E-BECD-AF11-99C4-CF1D83CB325F}"/>
+            </a:ext>
+          </a:extLst>
+        </p:cNvPr>
+        <p:cNvGrpSpPr/>
+        <p:nvPr/>
+      </p:nvGrpSpPr>
+      <p:grpSpPr>
+        <a:xfrm>
+          <a:off x="0" y="0"/>
+          <a:ext cx="0" cy="0"/>
+          <a:chOff x="0" y="0"/>
+          <a:chExt cx="0" cy="0"/>
+        </a:xfrm>
+      </p:grpSpPr>
+      <p:pic>
+        <p:nvPicPr>
+          <p:cNvPr id="10" name="Grafik 9">
+            <a:extLst>
+              <a:ext uri="{FF2B5EF4-FFF2-40B4-BE49-F238E27FC236}">
+                <a16:creationId xmlns:a16="http://schemas.microsoft.com/office/drawing/2014/main" id="{22EFF5FC-9377-E18F-1C98-7044D86E49A3}"/>
+              </a:ext>
+            </a:extLst>
+          </p:cNvPr>
+          <p:cNvPicPr>
+            <a:picLocks noChangeAspect="1"/>
+          </p:cNvPicPr>
+          <p:nvPr/>
+        </p:nvPicPr>
+        <p:blipFill>
+          <a:blip r:embed="rId3"/>
+          <a:stretch>
+            <a:fillRect/>
+          </a:stretch>
+        </p:blipFill>
+        <p:spPr>
+          <a:xfrm>
+            <a:off x="5316848" y="1837349"/>
+            <a:ext cx="5852172" cy="4389129"/>
+          </a:xfrm>
+          <a:prstGeom prst="rect">
+            <a:avLst/>
+          </a:prstGeom>
+        </p:spPr>
+      </p:pic>
+      <mc:AlternateContent xmlns:mc="http://schemas.openxmlformats.org/markup-compatibility/2006" xmlns:a14="http://schemas.microsoft.com/office/drawing/2010/main">
+        <mc:Choice Requires="a14">
+          <p:sp>
+            <p:nvSpPr>
+              <p:cNvPr id="3" name="Titel 2">
+                <a:extLst>
+                  <a:ext uri="{FF2B5EF4-FFF2-40B4-BE49-F238E27FC236}">
+                    <a16:creationId xmlns:a16="http://schemas.microsoft.com/office/drawing/2014/main" id="{095F0254-6D58-7A92-0E6B-29ABCD742A6F}"/>
+                  </a:ext>
+                </a:extLst>
+              </p:cNvPr>
+              <p:cNvSpPr>
+                <a:spLocks noGrp="1"/>
+              </p:cNvSpPr>
+              <p:nvPr>
+                <p:ph type="title"/>
+              </p:nvPr>
+            </p:nvSpPr>
+            <p:spPr>
+              <a:xfrm>
+                <a:off x="166094" y="284792"/>
+                <a:ext cx="11567824" cy="502595"/>
+              </a:xfrm>
+            </p:spPr>
+            <p:txBody>
+              <a:bodyPr/>
+              <a:lstStyle/>
+              <a:p>
+                <a:pPr algn="ctr"/>
+                <a:r>
+                  <a:rPr lang="en-US" sz="3000" noProof="0" dirty="0">
+                    <a:latin typeface="+mj-lt"/>
+                  </a:rPr>
+                  <a:t>Binning analysis to obtain the standard errors and </a:t>
+                </a:r>
+                <a14:m>
+                  <m:oMath xmlns:m="http://schemas.openxmlformats.org/officeDocument/2006/math">
+                    <m:sSub>
+                      <m:sSubPr>
+                        <m:ctrlPr>
+                          <a:rPr kumimoji="0" lang="de-DE" sz="3000" i="1" u="none" strike="noStrike" kern="1200" cap="none" spc="0" normalizeH="0" baseline="0" noProof="0" smtClean="0">
+                            <a:ln>
+                              <a:noFill/>
+                            </a:ln>
+                            <a:solidFill>
+                              <a:schemeClr val="bg2"/>
+                            </a:solidFill>
+                            <a:effectLst/>
+                            <a:uLnTx/>
+                            <a:uFillTx/>
+                            <a:latin typeface="Cambria Math" panose="02040503050406030204" pitchFamily="18" charset="0"/>
+                            <a:ea typeface="+mn-ea"/>
+                            <a:cs typeface="+mn-cs"/>
+                          </a:rPr>
+                        </m:ctrlPr>
+                      </m:sSubPr>
+                      <m:e>
+                        <m:r>
+                          <a:rPr kumimoji="0" lang="de-DE" sz="3000" b="1" i="0" u="none" strike="noStrike" kern="1200" cap="none" spc="0" normalizeH="0" baseline="0" noProof="0" smtClean="0">
+                            <a:ln>
+                              <a:noFill/>
+                            </a:ln>
+                            <a:solidFill>
+                              <a:schemeClr val="bg2"/>
+                            </a:solidFill>
+                            <a:effectLst/>
+                            <a:uLnTx/>
+                            <a:uFillTx/>
+                            <a:latin typeface="Cambria Math" panose="02040503050406030204" pitchFamily="18" charset="0"/>
+                            <a:ea typeface="+mn-ea"/>
+                            <a:cs typeface="+mn-cs"/>
+                          </a:rPr>
+                          <m:t>𝛕</m:t>
+                        </m:r>
+                      </m:e>
+                      <m:sub>
+                        <m:r>
+                          <a:rPr kumimoji="0" lang="de-DE" sz="3000" b="1" i="0" u="none" strike="noStrike" kern="1200" cap="none" spc="0" normalizeH="0" baseline="0" noProof="0" smtClean="0">
+                            <a:ln>
+                              <a:noFill/>
+                            </a:ln>
+                            <a:solidFill>
+                              <a:schemeClr val="bg2"/>
+                            </a:solidFill>
+                            <a:effectLst/>
+                            <a:uLnTx/>
+                            <a:uFillTx/>
+                            <a:latin typeface="Cambria Math" panose="02040503050406030204" pitchFamily="18" charset="0"/>
+                            <a:ea typeface="+mn-ea"/>
+                            <a:cs typeface="+mn-cs"/>
+                          </a:rPr>
+                          <m:t>𝐢𝐧𝐭</m:t>
+                        </m:r>
+                      </m:sub>
+                    </m:sSub>
+                  </m:oMath>
+                </a14:m>
+                <a:r>
+                  <a:rPr lang="en-US" sz="3000" noProof="0" dirty="0">
+                    <a:solidFill>
+                      <a:schemeClr val="bg2"/>
+                    </a:solidFill>
+                    <a:latin typeface="+mj-lt"/>
+                  </a:rPr>
+                  <a:t> </a:t>
+                </a:r>
+                <a:endParaRPr lang="en-US" sz="3000" noProof="0" dirty="0">
+                  <a:latin typeface="+mj-lt"/>
+                </a:endParaRPr>
+              </a:p>
+            </p:txBody>
+          </p:sp>
+        </mc:Choice>
+        <mc:Fallback xmlns="">
+          <p:sp>
+            <p:nvSpPr>
+              <p:cNvPr id="3" name="Titel 2">
+                <a:extLst>
+                  <a:ext uri="{FF2B5EF4-FFF2-40B4-BE49-F238E27FC236}">
+                    <a16:creationId xmlns:a16="http://schemas.microsoft.com/office/drawing/2014/main" id="{095F0254-6D58-7A92-0E6B-29ABCD742A6F}"/>
+                  </a:ext>
+                </a:extLst>
+              </p:cNvPr>
+              <p:cNvSpPr>
+                <a:spLocks noGrp="1" noRot="1" noChangeAspect="1" noMove="1" noResize="1" noEditPoints="1" noAdjustHandles="1" noChangeArrowheads="1" noChangeShapeType="1" noTextEdit="1"/>
+              </p:cNvSpPr>
+              <p:nvPr>
+                <p:ph type="title"/>
+              </p:nvPr>
+            </p:nvSpPr>
+            <p:spPr>
+              <a:xfrm>
+                <a:off x="166094" y="284792"/>
+                <a:ext cx="11567824" cy="502595"/>
+              </a:xfrm>
+              <a:blipFill>
+                <a:blip r:embed="rId4"/>
+                <a:stretch>
+                  <a:fillRect t="-34146" b="-29268"/>
+                </a:stretch>
+              </a:blipFill>
+            </p:spPr>
+            <p:txBody>
+              <a:bodyPr/>
+              <a:lstStyle/>
+              <a:p>
+                <a:r>
+                  <a:rPr lang="en-US">
+                    <a:noFill/>
+                  </a:rPr>
+                  <a:t> </a:t>
+                </a:r>
+              </a:p>
+            </p:txBody>
+          </p:sp>
+        </mc:Fallback>
+      </mc:AlternateContent>
+      <p:sp>
+        <p:nvSpPr>
+          <p:cNvPr id="4" name="Datumsplatzhalter 3">
+            <a:extLst>
+              <a:ext uri="{FF2B5EF4-FFF2-40B4-BE49-F238E27FC236}">
+                <a16:creationId xmlns:a16="http://schemas.microsoft.com/office/drawing/2014/main" id="{00C5FB88-C634-6AC3-E063-A5CA764E7101}"/>
+              </a:ext>
+            </a:extLst>
+          </p:cNvPr>
+          <p:cNvSpPr>
+            <a:spLocks noGrp="1"/>
+          </p:cNvSpPr>
+          <p:nvPr>
+            <p:ph type="dt" sz="half" idx="10"/>
+          </p:nvPr>
+        </p:nvSpPr>
+        <p:spPr>
+          <a:xfrm>
+            <a:off x="8785499" y="6323366"/>
+            <a:ext cx="1221711" cy="244830"/>
+          </a:xfrm>
+        </p:spPr>
+        <p:txBody>
+          <a:bodyPr/>
+          <a:lstStyle/>
+          <a:p>
+            <a:r>
+              <a:rPr lang="en-US" dirty="0"/>
+              <a:t>06.03.2025</a:t>
+            </a:r>
+          </a:p>
+        </p:txBody>
+      </p:sp>
+      <p:sp>
+        <p:nvSpPr>
+          <p:cNvPr id="5" name="Fußzeilenplatzhalter 4">
+            <a:extLst>
+              <a:ext uri="{FF2B5EF4-FFF2-40B4-BE49-F238E27FC236}">
+                <a16:creationId xmlns:a16="http://schemas.microsoft.com/office/drawing/2014/main" id="{15942F14-9F7B-1149-CC88-F1D874370B36}"/>
+              </a:ext>
+            </a:extLst>
+          </p:cNvPr>
+          <p:cNvSpPr>
+            <a:spLocks noGrp="1"/>
+          </p:cNvSpPr>
+          <p:nvPr>
+            <p:ph type="ftr" sz="quarter" idx="11"/>
+          </p:nvPr>
+        </p:nvSpPr>
+        <p:spPr/>
+        <p:txBody>
+          <a:bodyPr/>
+          <a:lstStyle/>
+          <a:p>
+            <a:r>
+              <a:rPr lang="en-US" dirty="0"/>
+              <a:t>Simulating Self-Avoiding Polymers </a:t>
+            </a:r>
+          </a:p>
+        </p:txBody>
+      </p:sp>
+      <p:sp>
+        <p:nvSpPr>
+          <p:cNvPr id="7" name="Foliennummernplatzhalter 6">
+            <a:extLst>
+              <a:ext uri="{FF2B5EF4-FFF2-40B4-BE49-F238E27FC236}">
+                <a16:creationId xmlns:a16="http://schemas.microsoft.com/office/drawing/2014/main" id="{2B7D5881-2535-71CC-3B22-FDB59E4751B1}"/>
+              </a:ext>
+            </a:extLst>
+          </p:cNvPr>
+          <p:cNvSpPr>
+            <a:spLocks noGrp="1"/>
+          </p:cNvSpPr>
+          <p:nvPr>
+            <p:ph type="sldNum" sz="quarter" idx="12"/>
+          </p:nvPr>
+        </p:nvSpPr>
+        <p:spPr>
+          <a:xfrm>
+            <a:off x="8764911" y="6328378"/>
+            <a:ext cx="2743200" cy="244830"/>
+          </a:xfrm>
+        </p:spPr>
+        <p:txBody>
+          <a:bodyPr/>
+          <a:lstStyle/>
+          <a:p>
+            <a:r>
+              <a:rPr lang="de-DE" sz="1400" dirty="0"/>
+              <a:t>1</a:t>
+            </a:r>
+            <a:endParaRPr lang="en-US" sz="1400" dirty="0"/>
+          </a:p>
+        </p:txBody>
+      </p:sp>
+      <mc:AlternateContent xmlns:mc="http://schemas.openxmlformats.org/markup-compatibility/2006" xmlns:a14="http://schemas.microsoft.com/office/drawing/2010/main">
+        <mc:Choice Requires="a14">
+          <p:sp>
+            <p:nvSpPr>
+              <p:cNvPr id="6" name="Textfeld 5">
+                <a:extLst>
+                  <a:ext uri="{FF2B5EF4-FFF2-40B4-BE49-F238E27FC236}">
+                    <a16:creationId xmlns:a16="http://schemas.microsoft.com/office/drawing/2014/main" id="{BB8D4AFB-BF66-2ACF-AAFF-13B9E2D1FDD8}"/>
+                  </a:ext>
+                </a:extLst>
+              </p:cNvPr>
+              <p:cNvSpPr txBox="1"/>
+              <p:nvPr/>
+            </p:nvSpPr>
+            <p:spPr>
+              <a:xfrm>
+                <a:off x="763805" y="787387"/>
+                <a:ext cx="9372706" cy="830997"/>
+              </a:xfrm>
+              <a:prstGeom prst="rect">
+                <a:avLst/>
+              </a:prstGeom>
+              <a:noFill/>
+            </p:spPr>
+            <p:txBody>
+              <a:bodyPr wrap="square">
+                <a:spAutoFit/>
+              </a:bodyPr>
+              <a:lstStyle/>
+              <a:p>
+                <a:pPr marL="342900" indent="-342900">
+                  <a:buClr>
+                    <a:schemeClr val="tx2"/>
+                  </a:buClr>
+                  <a:buSzPct val="120000"/>
+                  <a:buFont typeface="Arial" panose="020B0604020202020204" pitchFamily="34" charset="0"/>
+                  <a:buChar char="•"/>
+                </a:pPr>
+                <a:r>
+                  <a:rPr lang="de-DE" sz="2400" dirty="0"/>
+                  <a:t>s</a:t>
+                </a:r>
+                <a:r>
+                  <a:rPr lang="de-DE" sz="2400" dirty="0" err="1"/>
+                  <a:t>equence</a:t>
+                </a:r>
+                <a:r>
+                  <a:rPr lang="de-DE" sz="2400" dirty="0"/>
+                  <a:t> </a:t>
+                </a:r>
+                <a14:m>
+                  <m:oMath xmlns:m="http://schemas.openxmlformats.org/officeDocument/2006/math">
+                    <m:sSub>
+                      <m:sSubPr>
+                        <m:ctrlPr>
+                          <a:rPr lang="de-DE" sz="2400" i="1" dirty="0" smtClean="0">
+                            <a:latin typeface="Cambria Math" panose="02040503050406030204" pitchFamily="18" charset="0"/>
+                          </a:rPr>
+                        </m:ctrlPr>
+                      </m:sSubPr>
+                      <m:e>
+                        <m:r>
+                          <a:rPr lang="de-DE" sz="2400" i="1" dirty="0" smtClean="0">
+                            <a:latin typeface="Cambria Math" panose="02040503050406030204" pitchFamily="18" charset="0"/>
+                          </a:rPr>
+                          <m:t>𝑋</m:t>
+                        </m:r>
+                      </m:e>
+                      <m:sub>
+                        <m:r>
+                          <a:rPr lang="de-DE" sz="2400" i="1" dirty="0" smtClean="0">
+                            <a:latin typeface="Cambria Math" panose="02040503050406030204" pitchFamily="18" charset="0"/>
+                          </a:rPr>
+                          <m:t>𝑘</m:t>
+                        </m:r>
+                      </m:sub>
+                    </m:sSub>
+                  </m:oMath>
+                </a14:m>
+                <a:r>
+                  <a:rPr lang="de-DE" sz="2400" dirty="0"/>
+                  <a:t> </a:t>
+                </a:r>
+                <a:r>
+                  <a:rPr lang="de-DE" sz="2400" dirty="0" err="1"/>
+                  <a:t>of</a:t>
+                </a:r>
+                <a:r>
+                  <a:rPr lang="de-DE" sz="2400" dirty="0"/>
+                  <a:t> </a:t>
+                </a:r>
+                <a:r>
+                  <a:rPr lang="de-DE" sz="2400" dirty="0" err="1"/>
+                  <a:t>the</a:t>
+                </a:r>
+                <a:r>
+                  <a:rPr lang="de-DE" sz="2400" dirty="0"/>
+                  <a:t> </a:t>
+                </a:r>
+                <a:r>
+                  <a:rPr lang="de-DE" sz="2400" dirty="0" err="1"/>
+                  <a:t>means</a:t>
+                </a:r>
+                <a:r>
+                  <a:rPr lang="de-DE" sz="2400" dirty="0"/>
+                  <a:t> </a:t>
+                </a:r>
+                <a:r>
+                  <a:rPr lang="de-DE" sz="2400" dirty="0" err="1"/>
+                  <a:t>of</a:t>
+                </a:r>
+                <a:r>
+                  <a:rPr lang="de-DE" sz="2400" dirty="0"/>
+                  <a:t> </a:t>
+                </a:r>
+                <a:r>
+                  <a:rPr lang="de-DE" sz="2400" dirty="0" err="1"/>
+                  <a:t>coarse-grained</a:t>
+                </a:r>
+                <a:r>
+                  <a:rPr lang="de-DE" sz="2400" dirty="0"/>
+                  <a:t> </a:t>
+                </a:r>
+                <a:r>
+                  <a:rPr lang="de-DE" sz="2400" dirty="0" err="1"/>
+                  <a:t>sequences</a:t>
+                </a:r>
+                <a:r>
+                  <a:rPr lang="de-DE" sz="2400" dirty="0"/>
+                  <a:t> </a:t>
+                </a:r>
+                <a:r>
+                  <a:rPr lang="de-DE" sz="2400" dirty="0" err="1"/>
+                  <a:t>with</a:t>
+                </a:r>
+                <a:r>
+                  <a:rPr lang="de-DE" sz="2400" dirty="0"/>
+                  <a:t> </a:t>
+                </a:r>
+                <a:r>
+                  <a:rPr lang="de-DE" sz="2400" dirty="0" err="1"/>
+                  <a:t>length</a:t>
+                </a:r>
+                <a:r>
+                  <a:rPr lang="de-DE" sz="2400" dirty="0"/>
+                  <a:t> k</a:t>
+                </a:r>
+              </a:p>
+            </p:txBody>
+          </p:sp>
+        </mc:Choice>
+        <mc:Fallback xmlns="">
+          <p:sp>
+            <p:nvSpPr>
+              <p:cNvPr id="6" name="Textfeld 5">
+                <a:extLst>
+                  <a:ext uri="{FF2B5EF4-FFF2-40B4-BE49-F238E27FC236}">
+                    <a16:creationId xmlns:a16="http://schemas.microsoft.com/office/drawing/2014/main" id="{BB8D4AFB-BF66-2ACF-AAFF-13B9E2D1FDD8}"/>
+                  </a:ext>
+                </a:extLst>
+              </p:cNvPr>
+              <p:cNvSpPr txBox="1">
+                <a:spLocks noRot="1" noChangeAspect="1" noMove="1" noResize="1" noEditPoints="1" noAdjustHandles="1" noChangeArrowheads="1" noChangeShapeType="1" noTextEdit="1"/>
+              </p:cNvSpPr>
+              <p:nvPr/>
+            </p:nvSpPr>
+            <p:spPr>
+              <a:xfrm>
+                <a:off x="763805" y="787387"/>
+                <a:ext cx="9372706" cy="830997"/>
+              </a:xfrm>
+              <a:prstGeom prst="rect">
+                <a:avLst/>
+              </a:prstGeom>
+              <a:blipFill>
+                <a:blip r:embed="rId5"/>
+                <a:stretch>
+                  <a:fillRect l="-1235" t="-11765" b="-16912"/>
+                </a:stretch>
+              </a:blipFill>
+            </p:spPr>
+            <p:txBody>
+              <a:bodyPr/>
+              <a:lstStyle/>
+              <a:p>
+                <a:r>
+                  <a:rPr lang="en-US">
+                    <a:noFill/>
+                  </a:rPr>
+                  <a:t> </a:t>
+                </a:r>
+              </a:p>
+            </p:txBody>
+          </p:sp>
+        </mc:Fallback>
+      </mc:AlternateContent>
+      <mc:AlternateContent xmlns:mc="http://schemas.openxmlformats.org/markup-compatibility/2006" xmlns:a14="http://schemas.microsoft.com/office/drawing/2010/main">
+        <mc:Choice Requires="a14">
+          <p:sp>
+            <p:nvSpPr>
+              <p:cNvPr id="8" name="Textfeld 7">
+                <a:extLst>
+                  <a:ext uri="{FF2B5EF4-FFF2-40B4-BE49-F238E27FC236}">
+                    <a16:creationId xmlns:a16="http://schemas.microsoft.com/office/drawing/2014/main" id="{EDDE0F12-4E76-192B-ECC1-0BD773DDC5F5}"/>
+                  </a:ext>
+                </a:extLst>
+              </p:cNvPr>
+              <p:cNvSpPr txBox="1"/>
+              <p:nvPr/>
+            </p:nvSpPr>
+            <p:spPr>
+              <a:xfrm>
+                <a:off x="763805" y="1555450"/>
+                <a:ext cx="9372706" cy="721608"/>
+              </a:xfrm>
+              <a:prstGeom prst="rect">
+                <a:avLst/>
+              </a:prstGeom>
+              <a:noFill/>
+            </p:spPr>
+            <p:txBody>
+              <a:bodyPr wrap="square">
+                <a:spAutoFit/>
+              </a:bodyPr>
+              <a:lstStyle/>
+              <a:p>
+                <a:pPr marL="342900" indent="-342900">
+                  <a:buClr>
+                    <a:schemeClr val="tx2"/>
+                  </a:buClr>
+                  <a:buSzPct val="120000"/>
+                  <a:buFont typeface="Arial" panose="020B0604020202020204" pitchFamily="34" charset="0"/>
+                  <a:buChar char="•"/>
+                </a:pPr>
+                <a:r>
+                  <a:rPr lang="de-DE" sz="2400" dirty="0"/>
+                  <a:t>error </a:t>
+                </a:r>
+                <a14:m>
+                  <m:oMath xmlns:m="http://schemas.openxmlformats.org/officeDocument/2006/math">
+                    <m:sSub>
+                      <m:sSubPr>
+                        <m:ctrlPr>
+                          <a:rPr lang="de-DE" sz="2400" b="0" i="1" smtClean="0">
+                            <a:latin typeface="Cambria Math" panose="02040503050406030204" pitchFamily="18" charset="0"/>
+                          </a:rPr>
+                        </m:ctrlPr>
+                      </m:sSubPr>
+                      <m:e>
+                        <m:r>
+                          <m:rPr>
+                            <m:sty m:val="p"/>
+                          </m:rPr>
+                          <a:rPr lang="de-DE" sz="2400" b="0" i="0" smtClean="0">
+                            <a:latin typeface="Cambria Math" panose="02040503050406030204" pitchFamily="18" charset="0"/>
+                          </a:rPr>
+                          <m:t>Δ</m:t>
+                        </m:r>
+                      </m:e>
+                      <m:sub>
+                        <m:r>
+                          <a:rPr lang="de-DE" sz="2400" b="0" i="1" smtClean="0">
+                            <a:latin typeface="Cambria Math" panose="02040503050406030204" pitchFamily="18" charset="0"/>
+                          </a:rPr>
+                          <m:t>𝑘</m:t>
+                        </m:r>
+                      </m:sub>
+                    </m:sSub>
+                    <m:r>
+                      <a:rPr lang="de-DE" sz="2400" b="0" i="1" smtClean="0">
+                        <a:latin typeface="Cambria Math" panose="02040503050406030204" pitchFamily="18" charset="0"/>
+                      </a:rPr>
+                      <m:t>=</m:t>
+                    </m:r>
+                    <m:f>
+                      <m:fPr>
+                        <m:ctrlPr>
+                          <a:rPr lang="de-DE" sz="2400" b="0" i="1" smtClean="0">
+                            <a:latin typeface="Cambria Math" panose="02040503050406030204" pitchFamily="18" charset="0"/>
+                          </a:rPr>
+                        </m:ctrlPr>
+                      </m:fPr>
+                      <m:num>
+                        <m:r>
+                          <a:rPr lang="de-DE" sz="2400" b="0" i="1" smtClean="0">
+                            <a:latin typeface="Cambria Math" panose="02040503050406030204" pitchFamily="18" charset="0"/>
+                          </a:rPr>
+                          <m:t>𝑠𝑡𝑑</m:t>
+                        </m:r>
+                        <m:d>
+                          <m:dPr>
+                            <m:ctrlPr>
+                              <a:rPr lang="de-DE" sz="2400" b="0" i="1" smtClean="0">
+                                <a:latin typeface="Cambria Math" panose="02040503050406030204" pitchFamily="18" charset="0"/>
+                              </a:rPr>
+                            </m:ctrlPr>
+                          </m:dPr>
+                          <m:e>
+                            <m:sSub>
+                              <m:sSubPr>
+                                <m:ctrlPr>
+                                  <a:rPr lang="de-DE" sz="2400" b="0" i="1" smtClean="0">
+                                    <a:latin typeface="Cambria Math" panose="02040503050406030204" pitchFamily="18" charset="0"/>
+                                  </a:rPr>
+                                </m:ctrlPr>
+                              </m:sSubPr>
+                              <m:e>
+                                <m:r>
+                                  <a:rPr lang="de-DE" sz="2400" b="0" i="1" smtClean="0">
+                                    <a:latin typeface="Cambria Math" panose="02040503050406030204" pitchFamily="18" charset="0"/>
+                                  </a:rPr>
+                                  <m:t>𝑋</m:t>
+                                </m:r>
+                              </m:e>
+                              <m:sub>
+                                <m:r>
+                                  <a:rPr lang="de-DE" sz="2400" b="0" i="1" smtClean="0">
+                                    <a:latin typeface="Cambria Math" panose="02040503050406030204" pitchFamily="18" charset="0"/>
+                                  </a:rPr>
+                                  <m:t>𝑘</m:t>
+                                </m:r>
+                              </m:sub>
+                            </m:sSub>
+                          </m:e>
+                        </m:d>
+                      </m:num>
+                      <m:den>
+                        <m:rad>
+                          <m:radPr>
+                            <m:degHide m:val="on"/>
+                            <m:ctrlPr>
+                              <a:rPr lang="de-DE" sz="2400" b="0" i="1" smtClean="0">
+                                <a:latin typeface="Cambria Math" panose="02040503050406030204" pitchFamily="18" charset="0"/>
+                              </a:rPr>
+                            </m:ctrlPr>
+                          </m:radPr>
+                          <m:deg/>
+                          <m:e>
+                            <m:sSub>
+                              <m:sSubPr>
+                                <m:ctrlPr>
+                                  <a:rPr lang="de-DE" sz="2400" b="0" i="1" smtClean="0">
+                                    <a:latin typeface="Cambria Math" panose="02040503050406030204" pitchFamily="18" charset="0"/>
+                                  </a:rPr>
+                                </m:ctrlPr>
+                              </m:sSubPr>
+                              <m:e>
+                                <m:r>
+                                  <a:rPr lang="de-DE" sz="2400" b="0" i="1" smtClean="0">
+                                    <a:latin typeface="Cambria Math" panose="02040503050406030204" pitchFamily="18" charset="0"/>
+                                  </a:rPr>
+                                  <m:t>𝑀</m:t>
+                                </m:r>
+                              </m:e>
+                              <m:sub>
+                                <m:r>
+                                  <a:rPr lang="de-DE" sz="2400" b="0" i="1" smtClean="0">
+                                    <a:latin typeface="Cambria Math" panose="02040503050406030204" pitchFamily="18" charset="0"/>
+                                  </a:rPr>
+                                  <m:t>𝑘</m:t>
+                                </m:r>
+                              </m:sub>
+                            </m:sSub>
+                          </m:e>
+                        </m:rad>
+                      </m:den>
+                    </m:f>
+                  </m:oMath>
+                </a14:m>
+                <a:r>
+                  <a:rPr lang="de-DE" sz="2400" dirty="0"/>
+                  <a:t> </a:t>
+                </a:r>
+                <a:r>
+                  <a:rPr lang="de-DE" sz="2400" dirty="0" err="1"/>
+                  <a:t>converges</a:t>
+                </a:r>
+                <a:r>
+                  <a:rPr lang="de-DE" sz="2400" dirty="0"/>
+                  <a:t> </a:t>
+                </a:r>
+                <a:r>
+                  <a:rPr lang="de-DE" sz="2400" dirty="0" err="1"/>
+                  <a:t>with</a:t>
+                </a:r>
+                <a:r>
+                  <a:rPr lang="de-DE" sz="2400" dirty="0"/>
+                  <a:t> </a:t>
+                </a:r>
+                <a:r>
+                  <a:rPr lang="de-DE" sz="2400" dirty="0" err="1"/>
+                  <a:t>higher</a:t>
+                </a:r>
+                <a:r>
+                  <a:rPr lang="de-DE" sz="2400" dirty="0"/>
+                  <a:t> </a:t>
+                </a:r>
+                <a:r>
+                  <a:rPr lang="de-DE" sz="2400" dirty="0" err="1"/>
+                  <a:t>binning</a:t>
+                </a:r>
+                <a:r>
+                  <a:rPr lang="de-DE" sz="2400" dirty="0"/>
+                  <a:t> </a:t>
+                </a:r>
+                <a:r>
+                  <a:rPr lang="de-DE" sz="2400" dirty="0" err="1"/>
+                  <a:t>levels</a:t>
+                </a:r>
+                <a:endParaRPr lang="de-DE" sz="2400" dirty="0"/>
+              </a:p>
+            </p:txBody>
+          </p:sp>
+        </mc:Choice>
+        <mc:Fallback xmlns="">
+          <p:sp>
+            <p:nvSpPr>
+              <p:cNvPr id="8" name="Textfeld 7">
+                <a:extLst>
+                  <a:ext uri="{FF2B5EF4-FFF2-40B4-BE49-F238E27FC236}">
+                    <a16:creationId xmlns:a16="http://schemas.microsoft.com/office/drawing/2014/main" id="{EDDE0F12-4E76-192B-ECC1-0BD773DDC5F5}"/>
+                  </a:ext>
+                </a:extLst>
+              </p:cNvPr>
+              <p:cNvSpPr txBox="1">
+                <a:spLocks noRot="1" noChangeAspect="1" noMove="1" noResize="1" noEditPoints="1" noAdjustHandles="1" noChangeArrowheads="1" noChangeShapeType="1" noTextEdit="1"/>
+              </p:cNvSpPr>
+              <p:nvPr/>
+            </p:nvSpPr>
+            <p:spPr>
+              <a:xfrm>
+                <a:off x="763805" y="1555450"/>
+                <a:ext cx="9372706" cy="721608"/>
+              </a:xfrm>
+              <a:prstGeom prst="rect">
+                <a:avLst/>
+              </a:prstGeom>
+              <a:blipFill>
+                <a:blip r:embed="rId6"/>
+                <a:stretch>
+                  <a:fillRect l="-1235"/>
+                </a:stretch>
+              </a:blipFill>
+            </p:spPr>
+            <p:txBody>
+              <a:bodyPr/>
+              <a:lstStyle/>
+              <a:p>
+                <a:r>
+                  <a:rPr lang="en-US">
+                    <a:noFill/>
+                  </a:rPr>
+                  <a:t> </a:t>
+                </a:r>
+              </a:p>
+            </p:txBody>
+          </p:sp>
+        </mc:Fallback>
+      </mc:AlternateContent>
+      <mc:AlternateContent xmlns:mc="http://schemas.openxmlformats.org/markup-compatibility/2006" xmlns:a14="http://schemas.microsoft.com/office/drawing/2010/main">
+        <mc:Choice Requires="a14">
+          <p:sp>
+            <p:nvSpPr>
+              <p:cNvPr id="11" name="Textfeld 10">
+                <a:extLst>
+                  <a:ext uri="{FF2B5EF4-FFF2-40B4-BE49-F238E27FC236}">
+                    <a16:creationId xmlns:a16="http://schemas.microsoft.com/office/drawing/2014/main" id="{B056AEDA-5251-5C0A-B2C2-DF45C1405884}"/>
+                  </a:ext>
+                </a:extLst>
+              </p:cNvPr>
+              <p:cNvSpPr txBox="1"/>
+              <p:nvPr/>
+            </p:nvSpPr>
+            <p:spPr>
+              <a:xfrm>
+                <a:off x="763805" y="2567125"/>
+                <a:ext cx="4743377" cy="914225"/>
+              </a:xfrm>
+              <a:prstGeom prst="rect">
+                <a:avLst/>
+              </a:prstGeom>
+              <a:noFill/>
+            </p:spPr>
+            <p:txBody>
+              <a:bodyPr wrap="square">
+                <a:spAutoFit/>
+              </a:bodyPr>
+              <a:lstStyle/>
+              <a:p>
+                <a:pPr marL="342900" indent="-342900">
+                  <a:buClr>
+                    <a:schemeClr val="tx2"/>
+                  </a:buClr>
+                  <a:buSzPct val="120000"/>
+                  <a:buFont typeface="Arial" panose="020B0604020202020204" pitchFamily="34" charset="0"/>
+                  <a:buChar char="•"/>
+                </a:pPr>
+                <a14:m>
+                  <m:oMath xmlns:m="http://schemas.openxmlformats.org/officeDocument/2006/math">
+                    <m:sSub>
+                      <m:sSubPr>
+                        <m:ctrlPr>
+                          <a:rPr lang="de-DE" sz="2400" b="0" i="1" smtClean="0">
+                            <a:latin typeface="Cambria Math" panose="02040503050406030204" pitchFamily="18" charset="0"/>
+                          </a:rPr>
+                        </m:ctrlPr>
+                      </m:sSubPr>
+                      <m:e>
+                        <m:r>
+                          <a:rPr lang="de-DE" sz="2400" b="0" i="1" smtClean="0">
+                            <a:latin typeface="Cambria Math" panose="02040503050406030204" pitchFamily="18" charset="0"/>
+                          </a:rPr>
+                          <m:t>𝜏</m:t>
+                        </m:r>
+                      </m:e>
+                      <m:sub>
+                        <m:r>
+                          <a:rPr lang="de-DE" sz="2400" b="0" i="1" smtClean="0">
+                            <a:latin typeface="Cambria Math" panose="02040503050406030204" pitchFamily="18" charset="0"/>
+                          </a:rPr>
+                          <m:t>𝑖𝑛𝑡</m:t>
+                        </m:r>
+                      </m:sub>
+                    </m:sSub>
+                    <m:r>
+                      <a:rPr lang="de-DE" sz="2400" b="0" i="1" smtClean="0">
+                        <a:latin typeface="Cambria Math" panose="02040503050406030204" pitchFamily="18" charset="0"/>
+                      </a:rPr>
+                      <m:t>=</m:t>
+                    </m:r>
+                    <m:f>
+                      <m:fPr>
+                        <m:ctrlPr>
+                          <a:rPr lang="de-DE" sz="2400" b="0" i="1" smtClean="0">
+                            <a:latin typeface="Cambria Math" panose="02040503050406030204" pitchFamily="18" charset="0"/>
+                          </a:rPr>
+                        </m:ctrlPr>
+                      </m:fPr>
+                      <m:num>
+                        <m:r>
+                          <a:rPr lang="de-DE" sz="2400" b="0" i="1" smtClean="0">
+                            <a:latin typeface="Cambria Math" panose="02040503050406030204" pitchFamily="18" charset="0"/>
+                          </a:rPr>
+                          <m:t>1</m:t>
+                        </m:r>
+                      </m:num>
+                      <m:den>
+                        <m:r>
+                          <a:rPr lang="de-DE" sz="2400" b="0" i="1" smtClean="0">
+                            <a:latin typeface="Cambria Math" panose="02040503050406030204" pitchFamily="18" charset="0"/>
+                          </a:rPr>
+                          <m:t>2</m:t>
+                        </m:r>
+                      </m:den>
+                    </m:f>
+                    <m:d>
+                      <m:dPr>
+                        <m:begChr m:val="["/>
+                        <m:endChr m:val="]"/>
+                        <m:ctrlPr>
+                          <a:rPr lang="de-DE" sz="2400" b="0" i="1" smtClean="0">
+                            <a:latin typeface="Cambria Math" panose="02040503050406030204" pitchFamily="18" charset="0"/>
+                          </a:rPr>
+                        </m:ctrlPr>
+                      </m:dPr>
+                      <m:e>
+                        <m:sSup>
+                          <m:sSupPr>
+                            <m:ctrlPr>
+                              <a:rPr lang="de-DE" sz="2400" i="1">
+                                <a:latin typeface="Cambria Math" panose="02040503050406030204" pitchFamily="18" charset="0"/>
+                              </a:rPr>
+                            </m:ctrlPr>
+                          </m:sSupPr>
+                          <m:e>
+                            <m:d>
+                              <m:dPr>
+                                <m:ctrlPr>
+                                  <a:rPr lang="de-DE" sz="2400" i="1">
+                                    <a:latin typeface="Cambria Math" panose="02040503050406030204" pitchFamily="18" charset="0"/>
+                                  </a:rPr>
+                                </m:ctrlPr>
+                              </m:dPr>
+                              <m:e>
+                                <m:f>
+                                  <m:fPr>
+                                    <m:ctrlPr>
+                                      <a:rPr lang="de-DE" sz="2400" i="1">
+                                        <a:latin typeface="Cambria Math" panose="02040503050406030204" pitchFamily="18" charset="0"/>
+                                      </a:rPr>
+                                    </m:ctrlPr>
+                                  </m:fPr>
+                                  <m:num>
+                                    <m:sSub>
+                                      <m:sSubPr>
+                                        <m:ctrlPr>
+                                          <a:rPr lang="de-DE" sz="2400" b="0" i="1" smtClean="0">
+                                            <a:latin typeface="Cambria Math" panose="02040503050406030204" pitchFamily="18" charset="0"/>
+                                          </a:rPr>
+                                        </m:ctrlPr>
+                                      </m:sSubPr>
+                                      <m:e>
+                                        <m:r>
+                                          <m:rPr>
+                                            <m:sty m:val="p"/>
+                                          </m:rPr>
+                                          <a:rPr lang="de-DE" sz="2400">
+                                            <a:latin typeface="Cambria Math" panose="02040503050406030204" pitchFamily="18" charset="0"/>
+                                          </a:rPr>
+                                          <m:t>Δ</m:t>
+                                        </m:r>
+                                      </m:e>
+                                      <m:sub>
+                                        <m:r>
+                                          <m:rPr>
+                                            <m:sty m:val="p"/>
+                                          </m:rPr>
+                                          <a:rPr lang="de-DE" sz="2400" b="0" i="0" smtClean="0">
+                                            <a:latin typeface="Cambria Math" panose="02040503050406030204" pitchFamily="18" charset="0"/>
+                                          </a:rPr>
+                                          <m:t>conv</m:t>
+                                        </m:r>
+                                      </m:sub>
+                                    </m:sSub>
+                                  </m:num>
+                                  <m:den>
+                                    <m:sSub>
+                                      <m:sSubPr>
+                                        <m:ctrlPr>
+                                          <a:rPr lang="de-DE" sz="2400" i="1">
+                                            <a:latin typeface="Cambria Math" panose="02040503050406030204" pitchFamily="18" charset="0"/>
+                                          </a:rPr>
+                                        </m:ctrlPr>
+                                      </m:sSubPr>
+                                      <m:e>
+                                        <m:r>
+                                          <m:rPr>
+                                            <m:sty m:val="p"/>
+                                          </m:rPr>
+                                          <a:rPr lang="de-DE" sz="2400">
+                                            <a:latin typeface="Cambria Math" panose="02040503050406030204" pitchFamily="18" charset="0"/>
+                                          </a:rPr>
+                                          <m:t>Δ</m:t>
+                                        </m:r>
+                                      </m:e>
+                                      <m:sub>
+                                        <m:r>
+                                          <a:rPr lang="de-DE" sz="2400" i="1">
+                                            <a:latin typeface="Cambria Math" panose="02040503050406030204" pitchFamily="18" charset="0"/>
+                                          </a:rPr>
+                                          <m:t>1</m:t>
+                                        </m:r>
+                                      </m:sub>
+                                    </m:sSub>
+                                  </m:den>
+                                </m:f>
+                              </m:e>
+                            </m:d>
+                          </m:e>
+                          <m:sup>
+                            <m:r>
+                              <a:rPr lang="de-DE" sz="2400" i="1">
+                                <a:latin typeface="Cambria Math" panose="02040503050406030204" pitchFamily="18" charset="0"/>
+                              </a:rPr>
+                              <m:t>2</m:t>
+                            </m:r>
+                          </m:sup>
+                        </m:sSup>
+                        <m:r>
+                          <a:rPr lang="de-DE" sz="2400" i="1">
+                            <a:latin typeface="Cambria Math" panose="02040503050406030204" pitchFamily="18" charset="0"/>
+                          </a:rPr>
+                          <m:t>−1</m:t>
+                        </m:r>
+                      </m:e>
+                    </m:d>
+                  </m:oMath>
+                </a14:m>
+                <a:endParaRPr lang="de-DE" sz="2400" dirty="0"/>
+              </a:p>
+            </p:txBody>
+          </p:sp>
+        </mc:Choice>
+        <mc:Fallback xmlns="">
+          <p:sp>
+            <p:nvSpPr>
+              <p:cNvPr id="11" name="Textfeld 10">
+                <a:extLst>
+                  <a:ext uri="{FF2B5EF4-FFF2-40B4-BE49-F238E27FC236}">
+                    <a16:creationId xmlns:a16="http://schemas.microsoft.com/office/drawing/2014/main" id="{B056AEDA-5251-5C0A-B2C2-DF45C1405884}"/>
+                  </a:ext>
+                </a:extLst>
+              </p:cNvPr>
+              <p:cNvSpPr txBox="1">
+                <a:spLocks noRot="1" noChangeAspect="1" noMove="1" noResize="1" noEditPoints="1" noAdjustHandles="1" noChangeArrowheads="1" noChangeShapeType="1" noTextEdit="1"/>
+              </p:cNvSpPr>
+              <p:nvPr/>
+            </p:nvSpPr>
+            <p:spPr>
+              <a:xfrm>
+                <a:off x="763805" y="2567125"/>
+                <a:ext cx="4743377" cy="914225"/>
+              </a:xfrm>
+              <a:prstGeom prst="rect">
+                <a:avLst/>
+              </a:prstGeom>
+              <a:blipFill>
+                <a:blip r:embed="rId7"/>
+                <a:stretch>
+                  <a:fillRect/>
+                </a:stretch>
+              </a:blipFill>
+            </p:spPr>
+            <p:txBody>
+              <a:bodyPr/>
+              <a:lstStyle/>
+              <a:p>
+                <a:r>
+                  <a:rPr lang="en-US">
+                    <a:noFill/>
+                  </a:rPr>
+                  <a:t> </a:t>
+                </a:r>
+              </a:p>
+            </p:txBody>
+          </p:sp>
+        </mc:Fallback>
+      </mc:AlternateContent>
+      <mc:AlternateContent xmlns:mc="http://schemas.openxmlformats.org/markup-compatibility/2006" xmlns:a14="http://schemas.microsoft.com/office/drawing/2010/main">
+        <mc:Choice Requires="a14">
+          <p:sp>
+            <p:nvSpPr>
+              <p:cNvPr id="14" name="Textfeld 13">
+                <a:extLst>
+                  <a:ext uri="{FF2B5EF4-FFF2-40B4-BE49-F238E27FC236}">
+                    <a16:creationId xmlns:a16="http://schemas.microsoft.com/office/drawing/2014/main" id="{E420820E-E3B9-2EE5-A3A8-7155F1B6FE0A}"/>
+                  </a:ext>
+                </a:extLst>
+              </p:cNvPr>
+              <p:cNvSpPr txBox="1"/>
+              <p:nvPr/>
+            </p:nvSpPr>
+            <p:spPr>
+              <a:xfrm>
+                <a:off x="763805" y="3778257"/>
+                <a:ext cx="4819576" cy="1283428"/>
+              </a:xfrm>
+              <a:prstGeom prst="rect">
+                <a:avLst/>
+              </a:prstGeom>
+              <a:noFill/>
+            </p:spPr>
+            <p:txBody>
+              <a:bodyPr wrap="square">
+                <a:spAutoFit/>
+              </a:bodyPr>
+              <a:lstStyle/>
+              <a:p>
+                <a:pPr marL="342900" indent="-342900">
+                  <a:buClr>
+                    <a:schemeClr val="tx2"/>
+                  </a:buClr>
+                  <a:buSzPct val="120000"/>
+                  <a:buFont typeface="Arial" panose="020B0604020202020204" pitchFamily="34" charset="0"/>
+                  <a:buChar char="•"/>
+                </a:pPr>
+                <a:r>
+                  <a:rPr lang="de-DE" sz="2400" b="0" i="0" dirty="0">
+                    <a:latin typeface="Cambria Math" panose="02040503050406030204" pitchFamily="18" charset="0"/>
+                  </a:rPr>
+                  <a:t>Error:</a:t>
+                </a:r>
+              </a:p>
+              <a:p>
+                <a:pPr>
+                  <a:buClr>
+                    <a:schemeClr val="tx2"/>
+                  </a:buClr>
+                  <a:buSzPct val="120000"/>
+                </a:pPr>
+                <a14:m>
+                  <m:oMathPara xmlns:m="http://schemas.openxmlformats.org/officeDocument/2006/math">
+                    <m:oMathParaPr>
+                      <m:jc m:val="centerGroup"/>
+                    </m:oMathParaPr>
+                    <m:oMath xmlns:m="http://schemas.openxmlformats.org/officeDocument/2006/math">
+                      <m:r>
+                        <m:rPr>
+                          <m:sty m:val="p"/>
+                        </m:rPr>
+                        <a:rPr lang="de-DE" sz="2400" b="0" i="0" smtClean="0">
+                          <a:latin typeface="Cambria Math" panose="02040503050406030204" pitchFamily="18" charset="0"/>
+                        </a:rPr>
+                        <m:t>Δ</m:t>
+                      </m:r>
+                      <m:sSub>
+                        <m:sSubPr>
+                          <m:ctrlPr>
+                            <a:rPr lang="de-DE" sz="2400" b="0" i="1" smtClean="0">
+                              <a:latin typeface="Cambria Math" panose="02040503050406030204" pitchFamily="18" charset="0"/>
+                            </a:rPr>
+                          </m:ctrlPr>
+                        </m:sSubPr>
+                        <m:e>
+                          <m:r>
+                            <a:rPr lang="de-DE" sz="2400" b="0" i="1" smtClean="0">
+                              <a:latin typeface="Cambria Math" panose="02040503050406030204" pitchFamily="18" charset="0"/>
+                            </a:rPr>
+                            <m:t>𝜏</m:t>
+                          </m:r>
+                        </m:e>
+                        <m:sub>
+                          <m:r>
+                            <a:rPr lang="de-DE" sz="2400" b="0" i="1" smtClean="0">
+                              <a:latin typeface="Cambria Math" panose="02040503050406030204" pitchFamily="18" charset="0"/>
+                            </a:rPr>
+                            <m:t>𝑖𝑛𝑡</m:t>
+                          </m:r>
+                        </m:sub>
+                      </m:sSub>
+                      <m:r>
+                        <a:rPr lang="de-DE" sz="2400" b="0" i="1" smtClean="0">
+                          <a:latin typeface="Cambria Math" panose="02040503050406030204" pitchFamily="18" charset="0"/>
+                        </a:rPr>
+                        <m:t>=</m:t>
+                      </m:r>
+                      <m:d>
+                        <m:dPr>
+                          <m:begChr m:val="|"/>
+                          <m:endChr m:val="|"/>
+                          <m:ctrlPr>
+                            <a:rPr lang="de-DE" sz="2400" b="0" i="1" smtClean="0">
+                              <a:latin typeface="Cambria Math" panose="02040503050406030204" pitchFamily="18" charset="0"/>
+                            </a:rPr>
+                          </m:ctrlPr>
+                        </m:dPr>
+                        <m:e>
+                          <m:f>
+                            <m:fPr>
+                              <m:ctrlPr>
+                                <a:rPr lang="de-DE" sz="2400" b="0" i="1" smtClean="0">
+                                  <a:latin typeface="Cambria Math" panose="02040503050406030204" pitchFamily="18" charset="0"/>
+                                </a:rPr>
+                              </m:ctrlPr>
+                            </m:fPr>
+                            <m:num>
+                              <m:r>
+                                <a:rPr lang="de-DE" sz="2400" b="0" i="1" smtClean="0">
+                                  <a:latin typeface="Cambria Math" panose="02040503050406030204" pitchFamily="18" charset="0"/>
+                                </a:rPr>
+                                <m:t>𝜕</m:t>
+                              </m:r>
+                              <m:sSub>
+                                <m:sSubPr>
+                                  <m:ctrlPr>
+                                    <a:rPr lang="de-DE" sz="2400" i="1">
+                                      <a:latin typeface="Cambria Math" panose="02040503050406030204" pitchFamily="18" charset="0"/>
+                                    </a:rPr>
+                                  </m:ctrlPr>
+                                </m:sSubPr>
+                                <m:e>
+                                  <m:r>
+                                    <a:rPr lang="de-DE" sz="2400" i="1">
+                                      <a:latin typeface="Cambria Math" panose="02040503050406030204" pitchFamily="18" charset="0"/>
+                                    </a:rPr>
+                                    <m:t>𝜏</m:t>
+                                  </m:r>
+                                </m:e>
+                                <m:sub>
+                                  <m:r>
+                                    <a:rPr lang="de-DE" sz="2400" i="1">
+                                      <a:latin typeface="Cambria Math" panose="02040503050406030204" pitchFamily="18" charset="0"/>
+                                    </a:rPr>
+                                    <m:t>𝑖𝑛𝑡</m:t>
+                                  </m:r>
+                                </m:sub>
+                              </m:sSub>
+                            </m:num>
+                            <m:den>
+                              <m:r>
+                                <a:rPr lang="de-DE" sz="2400" b="0" i="1" smtClean="0">
+                                  <a:latin typeface="Cambria Math" panose="02040503050406030204" pitchFamily="18" charset="0"/>
+                                </a:rPr>
+                                <m:t>𝜕</m:t>
+                              </m:r>
+                              <m:sSub>
+                                <m:sSubPr>
+                                  <m:ctrlPr>
+                                    <a:rPr lang="de-DE" sz="2400" b="0" i="1" smtClean="0">
+                                      <a:latin typeface="Cambria Math" panose="02040503050406030204" pitchFamily="18" charset="0"/>
+                                    </a:rPr>
+                                  </m:ctrlPr>
+                                </m:sSubPr>
+                                <m:e>
+                                  <m:r>
+                                    <m:rPr>
+                                      <m:sty m:val="p"/>
+                                    </m:rPr>
+                                    <a:rPr lang="de-DE" sz="2400" b="0" i="0" smtClean="0">
+                                      <a:latin typeface="Cambria Math" panose="02040503050406030204" pitchFamily="18" charset="0"/>
+                                    </a:rPr>
+                                    <m:t>Δ</m:t>
+                                  </m:r>
+                                </m:e>
+                                <m:sub>
+                                  <m:r>
+                                    <m:rPr>
+                                      <m:sty m:val="p"/>
+                                    </m:rPr>
+                                    <a:rPr lang="de-DE" sz="2400" b="0" i="0" smtClean="0">
+                                      <a:latin typeface="Cambria Math" panose="02040503050406030204" pitchFamily="18" charset="0"/>
+                                    </a:rPr>
+                                    <m:t>con</m:t>
+                                  </m:r>
+                                  <m:r>
+                                    <a:rPr lang="de-DE" sz="2400" b="0" i="1" smtClean="0">
+                                      <a:latin typeface="Cambria Math" panose="02040503050406030204" pitchFamily="18" charset="0"/>
+                                    </a:rPr>
+                                    <m:t>𝑣</m:t>
+                                  </m:r>
+                                </m:sub>
+                              </m:sSub>
+                            </m:den>
+                          </m:f>
+                        </m:e>
+                      </m:d>
+                      <m:r>
+                        <a:rPr lang="de-DE" sz="2400" b="0" i="1" smtClean="0">
+                          <a:latin typeface="Cambria Math" panose="02040503050406030204" pitchFamily="18" charset="0"/>
+                        </a:rPr>
+                        <m:t>⋅</m:t>
+                      </m:r>
+                      <m:r>
+                        <m:rPr>
+                          <m:sty m:val="p"/>
+                        </m:rPr>
+                        <a:rPr lang="de-DE" sz="2400" b="0" i="0" smtClean="0">
+                          <a:latin typeface="Cambria Math" panose="02040503050406030204" pitchFamily="18" charset="0"/>
+                        </a:rPr>
+                        <m:t>std</m:t>
+                      </m:r>
+                      <m:r>
+                        <a:rPr lang="de-DE" sz="2400" b="0" i="0" smtClean="0">
+                          <a:latin typeface="Cambria Math" panose="02040503050406030204" pitchFamily="18" charset="0"/>
+                        </a:rPr>
+                        <m:t>(</m:t>
+                      </m:r>
+                      <m:sSub>
+                        <m:sSubPr>
+                          <m:ctrlPr>
+                            <a:rPr lang="de-DE" sz="2400" b="0" i="1" smtClean="0">
+                              <a:latin typeface="Cambria Math" panose="02040503050406030204" pitchFamily="18" charset="0"/>
+                            </a:rPr>
+                          </m:ctrlPr>
+                        </m:sSubPr>
+                        <m:e>
+                          <m:r>
+                            <m:rPr>
+                              <m:sty m:val="p"/>
+                            </m:rPr>
+                            <a:rPr lang="de-DE" sz="2400" b="0" i="0" smtClean="0">
+                              <a:latin typeface="Cambria Math" panose="02040503050406030204" pitchFamily="18" charset="0"/>
+                            </a:rPr>
+                            <m:t>Δ</m:t>
+                          </m:r>
+                        </m:e>
+                        <m:sub>
+                          <m:r>
+                            <m:rPr>
+                              <m:sty m:val="p"/>
+                            </m:rPr>
+                            <a:rPr lang="de-DE" sz="2400" b="0" i="0" smtClean="0">
+                              <a:latin typeface="Cambria Math" panose="02040503050406030204" pitchFamily="18" charset="0"/>
+                            </a:rPr>
+                            <m:t>conv</m:t>
+                          </m:r>
+                        </m:sub>
+                      </m:sSub>
+                      <m:r>
+                        <a:rPr lang="de-DE" sz="2400" b="0" i="0" smtClean="0">
+                          <a:latin typeface="Cambria Math" panose="02040503050406030204" pitchFamily="18" charset="0"/>
+                        </a:rPr>
+                        <m:t>)</m:t>
+                      </m:r>
+                    </m:oMath>
+                  </m:oMathPara>
+                </a14:m>
+                <a:endParaRPr lang="de-DE" sz="2400" dirty="0"/>
+              </a:p>
+            </p:txBody>
+          </p:sp>
+        </mc:Choice>
+        <mc:Fallback xmlns="">
+          <p:sp>
+            <p:nvSpPr>
+              <p:cNvPr id="14" name="Textfeld 13">
+                <a:extLst>
+                  <a:ext uri="{FF2B5EF4-FFF2-40B4-BE49-F238E27FC236}">
+                    <a16:creationId xmlns:a16="http://schemas.microsoft.com/office/drawing/2014/main" id="{E420820E-E3B9-2EE5-A3A8-7155F1B6FE0A}"/>
+                  </a:ext>
+                </a:extLst>
+              </p:cNvPr>
+              <p:cNvSpPr txBox="1">
+                <a:spLocks noRot="1" noChangeAspect="1" noMove="1" noResize="1" noEditPoints="1" noAdjustHandles="1" noChangeArrowheads="1" noChangeShapeType="1" noTextEdit="1"/>
+              </p:cNvSpPr>
+              <p:nvPr/>
+            </p:nvSpPr>
+            <p:spPr>
+              <a:xfrm>
+                <a:off x="763805" y="3778257"/>
+                <a:ext cx="4819576" cy="1283428"/>
+              </a:xfrm>
+              <a:prstGeom prst="rect">
+                <a:avLst/>
+              </a:prstGeom>
+              <a:blipFill>
+                <a:blip r:embed="rId8"/>
+                <a:stretch>
+                  <a:fillRect l="-2402" t="-7143"/>
+                </a:stretch>
+              </a:blipFill>
+            </p:spPr>
+            <p:txBody>
+              <a:bodyPr/>
+              <a:lstStyle/>
+              <a:p>
+                <a:r>
+                  <a:rPr lang="en-US">
+                    <a:noFill/>
+                  </a:rPr>
+                  <a:t> </a:t>
+                </a:r>
+              </a:p>
+            </p:txBody>
+          </p:sp>
+        </mc:Fallback>
+      </mc:AlternateContent>
+    </p:spTree>
+    <p:extLst>
+      <p:ext uri="{BB962C8B-B14F-4D97-AF65-F5344CB8AC3E}">
+        <p14:creationId xmlns:p14="http://schemas.microsoft.com/office/powerpoint/2010/main" val="1685272642"/>
+      </p:ext>
+    </p:extLst>
+  </p:cSld>
+  <p:clrMapOvr>
+    <a:masterClrMapping/>
+  </p:clrMapOvr>
+</p:sld>
+</file>
+
+<file path=ppt/slides/slide7.xml><?xml version="1.0" encoding="utf-8"?>
 <p:sld xmlns:a="http://schemas.openxmlformats.org/drawingml/2006/main" xmlns:r="http://schemas.openxmlformats.org/officeDocument/2006/relationships" xmlns:p="http://schemas.openxmlformats.org/presentationml/2006/main">
   <p:cSld>
     <p:spTree>
@@ -4873,7 +9149,7 @@
         </p:nvSpPr>
         <p:spPr>
           <a:xfrm>
-            <a:off x="353151" y="432550"/>
+            <a:off x="353151" y="202548"/>
             <a:ext cx="11567824" cy="502595"/>
           </a:xfrm>
         </p:spPr>
@@ -4984,8 +9260,8 @@
           </a:p>
         </p:txBody>
       </p:sp>
-      <mc:AlternateContent xmlns:mc="http://schemas.openxmlformats.org/markup-compatibility/2006">
-        <mc:Choice xmlns:a14="http://schemas.microsoft.com/office/drawing/2010/main" Requires="a14">
+      <mc:AlternateContent xmlns:mc="http://schemas.openxmlformats.org/markup-compatibility/2006" xmlns:a14="http://schemas.microsoft.com/office/drawing/2010/main">
+        <mc:Choice Requires="a14">
           <p:graphicFrame>
             <p:nvGraphicFramePr>
               <p:cNvPr id="9" name="Tabelle 8">
@@ -5001,14 +9277,14 @@
               <p:nvPr>
                 <p:extLst>
                   <p:ext uri="{D42A27DB-BD31-4B8C-83A1-F6EECF244321}">
-                    <p14:modId xmlns:p14="http://schemas.microsoft.com/office/powerpoint/2010/main" val="753281166"/>
+                    <p14:modId xmlns:p14="http://schemas.microsoft.com/office/powerpoint/2010/main" val="3379477759"/>
                   </p:ext>
                 </p:extLst>
               </p:nvPr>
             </p:nvGraphicFramePr>
             <p:xfrm>
-              <a:off x="526408" y="1584912"/>
-              <a:ext cx="10981703" cy="4276789"/>
+              <a:off x="526408" y="1192221"/>
+              <a:ext cx="10981703" cy="4269278"/>
             </p:xfrm>
             <a:graphic>
               <a:graphicData uri="http://schemas.openxmlformats.org/drawingml/2006/table">
@@ -5080,6 +9356,7 @@
                         <a:bodyPr/>
                         <a:lstStyle/>
                         <a:p>
+                          <a:pPr/>
                           <a14:m>
                             <m:oMathPara xmlns:m="http://schemas.openxmlformats.org/officeDocument/2006/math">
                               <m:oMathParaPr>
@@ -5224,6 +9501,7 @@
                         <a:bodyPr/>
                         <a:lstStyle/>
                         <a:p>
+                          <a:pPr/>
                           <a14:m>
                             <m:oMathPara xmlns:m="http://schemas.openxmlformats.org/officeDocument/2006/math">
                               <m:oMathParaPr>
@@ -6041,7 +10319,7 @@
             </a:graphic>
           </p:graphicFrame>
         </mc:Choice>
-        <mc:Fallback>
+        <mc:Fallback xmlns="">
           <p:graphicFrame>
             <p:nvGraphicFramePr>
               <p:cNvPr id="9" name="Tabelle 8">
@@ -6057,13 +10335,13 @@
               <p:nvPr>
                 <p:extLst>
                   <p:ext uri="{D42A27DB-BD31-4B8C-83A1-F6EECF244321}">
-                    <p14:modId xmlns:p14="http://schemas.microsoft.com/office/powerpoint/2010/main" val="753281166"/>
+                    <p14:modId xmlns:p14="http://schemas.microsoft.com/office/powerpoint/2010/main" val="3379477759"/>
                   </p:ext>
                 </p:extLst>
               </p:nvPr>
             </p:nvGraphicFramePr>
             <p:xfrm>
-              <a:off x="526408" y="1584912"/>
+              <a:off x="526408" y="1192221"/>
               <a:ext cx="10981703" cy="4276789"/>
             </p:xfrm>
             <a:graphic>
@@ -6876,8 +11154,8 @@
           </p:graphicFrame>
         </mc:Fallback>
       </mc:AlternateContent>
-      <mc:AlternateContent xmlns:mc="http://schemas.openxmlformats.org/markup-compatibility/2006">
-        <mc:Choice xmlns:a14="http://schemas.microsoft.com/office/drawing/2010/main" Requires="a14">
+      <mc:AlternateContent xmlns:mc="http://schemas.openxmlformats.org/markup-compatibility/2006" xmlns:a14="http://schemas.microsoft.com/office/drawing/2010/main">
+        <mc:Choice Requires="a14">
           <p:sp>
             <p:nvSpPr>
               <p:cNvPr id="10" name="Textfeld 9">
@@ -6892,7 +11170,7 @@
             </p:nvSpPr>
             <p:spPr>
               <a:xfrm>
-                <a:off x="785968" y="935145"/>
+                <a:off x="785968" y="643433"/>
                 <a:ext cx="9945609" cy="461665"/>
               </a:xfrm>
               <a:prstGeom prst="rect">
@@ -6987,7 +11265,7 @@
             </p:txBody>
           </p:sp>
         </mc:Choice>
-        <mc:Fallback>
+        <mc:Fallback xmlns="">
           <p:sp>
             <p:nvSpPr>
               <p:cNvPr id="10" name="Textfeld 9">
@@ -7004,7 +11282,7 @@
             </p:nvSpPr>
             <p:spPr>
               <a:xfrm>
-                <a:off x="785968" y="935145"/>
+                <a:off x="785968" y="643433"/>
                 <a:ext cx="9945609" cy="461665"/>
               </a:xfrm>
               <a:prstGeom prst="rect">
@@ -7013,7 +11291,7 @@
               <a:blipFill>
                 <a:blip r:embed="rId4"/>
                 <a:stretch>
-                  <a:fillRect l="-1165" t="-19737" r="-1165" b="-35526"/>
+                  <a:fillRect l="-1165" t="-21333" r="-1165" b="-36000"/>
                 </a:stretch>
               </a:blipFill>
             </p:spPr>
@@ -7032,6 +11310,88 @@
           </p:sp>
         </mc:Fallback>
       </mc:AlternateContent>
+      <p:sp>
+        <p:nvSpPr>
+          <p:cNvPr id="6" name="Textfeld 5">
+            <a:extLst>
+              <a:ext uri="{FF2B5EF4-FFF2-40B4-BE49-F238E27FC236}">
+                <a16:creationId xmlns:a16="http://schemas.microsoft.com/office/drawing/2014/main" id="{062EA269-2800-51CE-CAA4-E2CA45C411B5}"/>
+              </a:ext>
+            </a:extLst>
+          </p:cNvPr>
+          <p:cNvSpPr txBox="1"/>
+          <p:nvPr/>
+        </p:nvSpPr>
+        <p:spPr>
+          <a:xfrm>
+            <a:off x="1067266" y="5556133"/>
+            <a:ext cx="10331880" cy="646331"/>
+          </a:xfrm>
+          <a:prstGeom prst="rect">
+            <a:avLst/>
+          </a:prstGeom>
+          <a:noFill/>
+        </p:spPr>
+        <p:txBody>
+          <a:bodyPr wrap="square">
+            <a:spAutoFit/>
+          </a:bodyPr>
+          <a:lstStyle/>
+          <a:p>
+            <a:r>
+              <a:rPr lang="en-US" b="0" i="0" dirty="0">
+                <a:solidFill>
+                  <a:srgbClr val="222222"/>
+                </a:solidFill>
+                <a:effectLst/>
+                <a:latin typeface="Merriweather Sans" panose="020F0502020204030204" pitchFamily="2" charset="0"/>
+              </a:rPr>
+              <a:t>Madras, N., Sokal, A.D. The pivot algorithm: A highly efficient Monte Carlo method for the self-avoiding walk. </a:t>
+            </a:r>
+            <a:r>
+              <a:rPr lang="en-US" b="0" i="1" dirty="0">
+                <a:solidFill>
+                  <a:srgbClr val="222222"/>
+                </a:solidFill>
+                <a:effectLst/>
+                <a:latin typeface="Merriweather Sans" panose="020F0502020204030204" pitchFamily="2" charset="0"/>
+              </a:rPr>
+              <a:t>J Stat Phys</a:t>
+            </a:r>
+            <a:r>
+              <a:rPr lang="en-US" b="0" i="0" dirty="0">
+                <a:solidFill>
+                  <a:srgbClr val="222222"/>
+                </a:solidFill>
+                <a:effectLst/>
+                <a:latin typeface="Merriweather Sans" panose="020F0502020204030204" pitchFamily="2" charset="0"/>
+              </a:rPr>
+              <a:t> </a:t>
+            </a:r>
+            <a:r>
+              <a:rPr lang="en-US" b="1" i="0" dirty="0">
+                <a:solidFill>
+                  <a:srgbClr val="222222"/>
+                </a:solidFill>
+                <a:effectLst/>
+                <a:latin typeface="Merriweather Sans" panose="020F0502020204030204" pitchFamily="2" charset="0"/>
+              </a:rPr>
+              <a:t>50</a:t>
+            </a:r>
+            <a:r>
+              <a:rPr lang="en-US" b="0" i="0" dirty="0">
+                <a:solidFill>
+                  <a:srgbClr val="222222"/>
+                </a:solidFill>
+                <a:effectLst/>
+                <a:latin typeface="Merriweather Sans" panose="020F0502020204030204" pitchFamily="2" charset="0"/>
+              </a:rPr>
+              <a:t>, 109–186 (1988)</a:t>
+            </a:r>
+            <a:endParaRPr lang="en-US" dirty="0"/>
+          </a:p>
+        </p:txBody>
+      </p:sp>
     </p:spTree>
     <p:extLst>
       <p:ext uri="{BB962C8B-B14F-4D97-AF65-F5344CB8AC3E}">
@@ -7045,7 +11405,7 @@
 </p:sld>
 </file>
 
-<file path=ppt/slides/slide5.xml><?xml version="1.0" encoding="utf-8"?>
+<file path=ppt/slides/slide8.xml><?xml version="1.0" encoding="utf-8"?>
 <p:sld xmlns:a="http://schemas.openxmlformats.org/drawingml/2006/main" xmlns:r="http://schemas.openxmlformats.org/officeDocument/2006/relationships" xmlns:p="http://schemas.openxmlformats.org/presentationml/2006/main">
   <p:cSld>
     <p:spTree>
@@ -7053,7 +11413,7 @@
         <p:cNvPr id="1" name="">
           <a:extLst>
             <a:ext uri="{FF2B5EF4-FFF2-40B4-BE49-F238E27FC236}">
-              <a16:creationId xmlns:a16="http://schemas.microsoft.com/office/drawing/2014/main" id="{998FB251-F729-33CD-467F-7145D5154447}"/>
+              <a16:creationId xmlns:a16="http://schemas.microsoft.com/office/drawing/2014/main" id="{9CB452B0-00BF-E59E-20AC-020CD9EAA7EE}"/>
             </a:ext>
           </a:extLst>
         </p:cNvPr>
@@ -7068,46 +11428,236 @@
           <a:chExt cx="0" cy="0"/>
         </a:xfrm>
       </p:grpSpPr>
-      <p:sp>
-        <p:nvSpPr>
-          <p:cNvPr id="3" name="Titel 2">
+      <p:pic>
+        <p:nvPicPr>
+          <p:cNvPr id="25" name="Grafik 24">
             <a:extLst>
               <a:ext uri="{FF2B5EF4-FFF2-40B4-BE49-F238E27FC236}">
-                <a16:creationId xmlns:a16="http://schemas.microsoft.com/office/drawing/2014/main" id="{7B45CB4E-7CCE-5597-E283-774CC7C291F0}"/>
+                <a16:creationId xmlns:a16="http://schemas.microsoft.com/office/drawing/2014/main" id="{CAEBC342-B582-1108-BA9E-2322CAF34EA1}"/>
               </a:ext>
             </a:extLst>
           </p:cNvPr>
-          <p:cNvSpPr>
-            <a:spLocks noGrp="1"/>
-          </p:cNvSpPr>
-          <p:nvPr>
-            <p:ph type="title"/>
-          </p:nvPr>
-        </p:nvSpPr>
+          <p:cNvPicPr>
+            <a:picLocks noChangeAspect="1"/>
+          </p:cNvPicPr>
+          <p:nvPr/>
+        </p:nvPicPr>
+        <p:blipFill>
+          <a:blip r:embed="rId3"/>
+          <a:stretch>
+            <a:fillRect/>
+          </a:stretch>
+        </p:blipFill>
         <p:spPr>
           <a:xfrm>
-            <a:off x="312088" y="432550"/>
-            <a:ext cx="11567824" cy="502595"/>
+            <a:off x="6480000" y="1036800"/>
+            <a:ext cx="5852172" cy="4389129"/>
           </a:xfrm>
+          <a:prstGeom prst="rect">
+            <a:avLst/>
+          </a:prstGeom>
         </p:spPr>
-        <p:txBody>
-          <a:bodyPr/>
-          <a:lstStyle/>
-          <a:p>
-            <a:pPr algn="ctr"/>
-            <a:r>
-              <a:rPr lang="en-US" sz="2800" noProof="0" dirty="0"/>
-              <a:t>Binning analysis to obtain the standard errors</a:t>
-            </a:r>
-          </a:p>
-        </p:txBody>
-      </p:sp>
+      </p:pic>
+      <p:pic>
+        <p:nvPicPr>
+          <p:cNvPr id="9" name="Grafik 8">
+            <a:extLst>
+              <a:ext uri="{FF2B5EF4-FFF2-40B4-BE49-F238E27FC236}">
+                <a16:creationId xmlns:a16="http://schemas.microsoft.com/office/drawing/2014/main" id="{DDC1EC69-FB0B-D578-18A4-76B20F42563D}"/>
+              </a:ext>
+            </a:extLst>
+          </p:cNvPr>
+          <p:cNvPicPr>
+            <a:picLocks noChangeAspect="1"/>
+          </p:cNvPicPr>
+          <p:nvPr/>
+        </p:nvPicPr>
+        <p:blipFill>
+          <a:blip r:embed="rId4"/>
+          <a:stretch>
+            <a:fillRect/>
+          </a:stretch>
+        </p:blipFill>
+        <p:spPr>
+          <a:xfrm>
+            <a:off x="475798" y="1035374"/>
+            <a:ext cx="5899778" cy="4424834"/>
+          </a:xfrm>
+          <a:prstGeom prst="rect">
+            <a:avLst/>
+          </a:prstGeom>
+        </p:spPr>
+      </p:pic>
+      <mc:AlternateContent xmlns:mc="http://schemas.openxmlformats.org/markup-compatibility/2006" xmlns:a14="http://schemas.microsoft.com/office/drawing/2010/main">
+        <mc:Choice Requires="a14">
+          <p:sp>
+            <p:nvSpPr>
+              <p:cNvPr id="3" name="Titel 2">
+                <a:extLst>
+                  <a:ext uri="{FF2B5EF4-FFF2-40B4-BE49-F238E27FC236}">
+                    <a16:creationId xmlns:a16="http://schemas.microsoft.com/office/drawing/2014/main" id="{D696E70F-9DFE-52FB-705F-B48F2CB02884}"/>
+                  </a:ext>
+                </a:extLst>
+              </p:cNvPr>
+              <p:cNvSpPr>
+                <a:spLocks noGrp="1"/>
+              </p:cNvSpPr>
+              <p:nvPr>
+                <p:ph type="title"/>
+              </p:nvPr>
+            </p:nvSpPr>
+            <p:spPr>
+              <a:xfrm>
+                <a:off x="3559785" y="391331"/>
+                <a:ext cx="4940982" cy="502595"/>
+              </a:xfrm>
+            </p:spPr>
+            <p:txBody>
+              <a:bodyPr/>
+              <a:lstStyle/>
+              <a:p>
+                <a:pPr algn="ctr"/>
+                <a:r>
+                  <a:rPr lang="en-US" sz="2800" noProof="0" dirty="0"/>
+                  <a:t>Critical </a:t>
+                </a:r>
+                <a:r>
+                  <a:rPr lang="en-US" sz="2800" noProof="0" dirty="0" err="1"/>
+                  <a:t>behaviour</a:t>
+                </a:r>
+                <a:r>
+                  <a:rPr lang="en-US" sz="2800" dirty="0"/>
+                  <a:t>: </a:t>
+                </a:r>
+                <a14:m>
+                  <m:oMath xmlns:m="http://schemas.openxmlformats.org/officeDocument/2006/math">
+                    <m:sSup>
+                      <m:sSupPr>
+                        <m:ctrlPr>
+                          <a:rPr lang="el-GR" sz="2800" i="1" smtClean="0">
+                            <a:solidFill>
+                              <a:schemeClr val="bg2"/>
+                            </a:solidFill>
+                            <a:latin typeface="Cambria Math" panose="02040503050406030204" pitchFamily="18" charset="0"/>
+                          </a:rPr>
+                        </m:ctrlPr>
+                      </m:sSupPr>
+                      <m:e>
+                        <m:r>
+                          <m:rPr>
+                            <m:nor/>
+                          </m:rPr>
+                          <a:rPr lang="el-GR" sz="2800" dirty="0">
+                            <a:solidFill>
+                              <a:schemeClr val="bg2"/>
+                            </a:solidFill>
+                            <a:latin typeface="-apple-system"/>
+                          </a:rPr>
+                          <m:t>ω</m:t>
+                        </m:r>
+                      </m:e>
+                      <m:sup>
+                        <m:r>
+                          <a:rPr lang="de-DE" sz="2800" b="0" i="1" smtClean="0">
+                            <a:solidFill>
+                              <a:schemeClr val="bg2"/>
+                            </a:solidFill>
+                            <a:latin typeface="Cambria Math" panose="02040503050406030204" pitchFamily="18" charset="0"/>
+                          </a:rPr>
+                          <m:t>2</m:t>
+                        </m:r>
+                      </m:sup>
+                    </m:sSup>
+                  </m:oMath>
+                </a14:m>
+                <a:r>
+                  <a:rPr lang="en-US" sz="2800" noProof="0" dirty="0"/>
+                  <a:t>and </a:t>
+                </a:r>
+                <a14:m>
+                  <m:oMath xmlns:m="http://schemas.openxmlformats.org/officeDocument/2006/math">
+                    <m:sSup>
+                      <m:sSupPr>
+                        <m:ctrlPr>
+                          <a:rPr lang="de-DE" sz="2800" b="1" i="1" noProof="0" smtClean="0">
+                            <a:latin typeface="Cambria Math" panose="02040503050406030204" pitchFamily="18" charset="0"/>
+                          </a:rPr>
+                        </m:ctrlPr>
+                      </m:sSupPr>
+                      <m:e>
+                        <m:r>
+                          <a:rPr lang="de-DE" sz="2800" b="1" i="1" noProof="0" smtClean="0">
+                            <a:latin typeface="Cambria Math" panose="02040503050406030204" pitchFamily="18" charset="0"/>
+                          </a:rPr>
+                          <m:t>𝑺</m:t>
+                        </m:r>
+                      </m:e>
+                      <m:sup>
+                        <m:r>
+                          <a:rPr lang="de-DE" sz="2800" b="1" i="1" noProof="0" smtClean="0">
+                            <a:latin typeface="Cambria Math" panose="02040503050406030204" pitchFamily="18" charset="0"/>
+                          </a:rPr>
+                          <m:t>𝟐</m:t>
+                        </m:r>
+                      </m:sup>
+                    </m:sSup>
+                  </m:oMath>
+                </a14:m>
+                <a:endParaRPr lang="en-US" sz="2800" noProof="0" dirty="0"/>
+              </a:p>
+            </p:txBody>
+          </p:sp>
+        </mc:Choice>
+        <mc:Fallback xmlns="">
+          <p:sp>
+            <p:nvSpPr>
+              <p:cNvPr id="3" name="Titel 2">
+                <a:extLst>
+                  <a:ext uri="{FF2B5EF4-FFF2-40B4-BE49-F238E27FC236}">
+                    <a16:creationId xmlns:a16="http://schemas.microsoft.com/office/drawing/2014/main" id="{D696E70F-9DFE-52FB-705F-B48F2CB02884}"/>
+                  </a:ext>
+                </a:extLst>
+              </p:cNvPr>
+              <p:cNvSpPr>
+                <a:spLocks noGrp="1" noRot="1" noChangeAspect="1" noMove="1" noResize="1" noEditPoints="1" noAdjustHandles="1" noChangeArrowheads="1" noChangeShapeType="1" noTextEdit="1"/>
+              </p:cNvSpPr>
+              <p:nvPr>
+                <p:ph type="title"/>
+              </p:nvPr>
+            </p:nvSpPr>
+            <p:spPr>
+              <a:xfrm>
+                <a:off x="3559785" y="391331"/>
+                <a:ext cx="4940982" cy="502595"/>
+              </a:xfrm>
+              <a:blipFill>
+                <a:blip r:embed="rId5"/>
+                <a:stretch>
+                  <a:fillRect l="-1235" t="-27711" r="-3333" b="-21687"/>
+                </a:stretch>
+              </a:blipFill>
+            </p:spPr>
+            <p:txBody>
+              <a:bodyPr/>
+              <a:lstStyle/>
+              <a:p>
+                <a:r>
+                  <a:rPr lang="en-US">
+                    <a:noFill/>
+                  </a:rPr>
+                  <a:t> </a:t>
+                </a:r>
+              </a:p>
+            </p:txBody>
+          </p:sp>
+        </mc:Fallback>
+      </mc:AlternateContent>
       <p:sp>
         <p:nvSpPr>
           <p:cNvPr id="4" name="Datumsplatzhalter 3">
             <a:extLst>
               <a:ext uri="{FF2B5EF4-FFF2-40B4-BE49-F238E27FC236}">
-                <a16:creationId xmlns:a16="http://schemas.microsoft.com/office/drawing/2014/main" id="{BC9F3A11-7C39-3E94-A345-6EA62AF43BB4}"/>
+                <a16:creationId xmlns:a16="http://schemas.microsoft.com/office/drawing/2014/main" id="{AE2D51C4-0A35-6DB5-496C-58638E474473}"/>
               </a:ext>
             </a:extLst>
           </p:cNvPr>
@@ -7140,7 +11690,7 @@
           <p:cNvPr id="5" name="Fußzeilenplatzhalter 4">
             <a:extLst>
               <a:ext uri="{FF2B5EF4-FFF2-40B4-BE49-F238E27FC236}">
-                <a16:creationId xmlns:a16="http://schemas.microsoft.com/office/drawing/2014/main" id="{86AF8126-5FEB-2E9F-88EE-7F15DFF1AC1F}"/>
+                <a16:creationId xmlns:a16="http://schemas.microsoft.com/office/drawing/2014/main" id="{AEFD03F6-2FF5-4366-91C2-723CA05C85CD}"/>
               </a:ext>
             </a:extLst>
           </p:cNvPr>
@@ -7168,7 +11718,7 @@
           <p:cNvPr id="7" name="Foliennummernplatzhalter 6">
             <a:extLst>
               <a:ext uri="{FF2B5EF4-FFF2-40B4-BE49-F238E27FC236}">
-                <a16:creationId xmlns:a16="http://schemas.microsoft.com/office/drawing/2014/main" id="{D1503CAD-1AEB-A52F-B2AA-BD132223AA78}"/>
+                <a16:creationId xmlns:a16="http://schemas.microsoft.com/office/drawing/2014/main" id="{8EF6C260-6FFA-83F0-75AF-6EAAD11A5F8A}"/>
               </a:ext>
             </a:extLst>
           </p:cNvPr>
@@ -7197,659 +11747,132 @@
           </a:p>
         </p:txBody>
       </p:sp>
-      <mc:AlternateContent xmlns:mc="http://schemas.openxmlformats.org/markup-compatibility/2006">
-        <mc:Choice xmlns:a14="http://schemas.microsoft.com/office/drawing/2010/main" Requires="a14">
-          <p:sp>
-            <p:nvSpPr>
-              <p:cNvPr id="6" name="Textfeld 5">
-                <a:extLst>
-                  <a:ext uri="{FF2B5EF4-FFF2-40B4-BE49-F238E27FC236}">
-                    <a16:creationId xmlns:a16="http://schemas.microsoft.com/office/drawing/2014/main" id="{D46553D9-9022-5DF0-ECA8-9687D66EC281}"/>
-                  </a:ext>
-                </a:extLst>
-              </p:cNvPr>
-              <p:cNvSpPr txBox="1"/>
-              <p:nvPr/>
-            </p:nvSpPr>
-            <p:spPr>
-              <a:xfrm>
-                <a:off x="875726" y="1295689"/>
-                <a:ext cx="5220274" cy="461665"/>
-              </a:xfrm>
-              <a:prstGeom prst="rect">
-                <a:avLst/>
-              </a:prstGeom>
-              <a:noFill/>
-            </p:spPr>
-            <p:txBody>
-              <a:bodyPr wrap="square">
-                <a:spAutoFit/>
-              </a:bodyPr>
-              <a:lstStyle/>
-              <a:p>
-                <a:pPr marL="342900" indent="-342900">
-                  <a:buClr>
-                    <a:schemeClr val="tx2"/>
-                  </a:buClr>
-                  <a:buSzPct val="120000"/>
-                  <a:buFont typeface="Arial" panose="020B0604020202020204" pitchFamily="34" charset="0"/>
-                  <a:buChar char="•"/>
-                </a:pPr>
-                <a:r>
-                  <a:rPr lang="de-DE" sz="2400" dirty="0"/>
-                  <a:t>Squared end-</a:t>
-                </a:r>
-                <a:r>
-                  <a:rPr lang="de-DE" sz="2400" dirty="0" err="1"/>
-                  <a:t>to</a:t>
-                </a:r>
-                <a:r>
-                  <a:rPr lang="de-DE" sz="2400" dirty="0"/>
-                  <a:t>-end </a:t>
-                </a:r>
-                <a:r>
-                  <a:rPr lang="de-DE" sz="2400" dirty="0" err="1"/>
-                  <a:t>distance</a:t>
-                </a:r>
-                <a:r>
-                  <a:rPr lang="de-DE" sz="2400" dirty="0"/>
-                  <a:t> </a:t>
-                </a:r>
-                <a14:m>
-                  <m:oMath xmlns:m="http://schemas.openxmlformats.org/officeDocument/2006/math">
-                    <m:sSup>
-                      <m:sSupPr>
-                        <m:ctrlPr>
-                          <a:rPr lang="el-GR" sz="2400" i="1" smtClean="0">
-                            <a:solidFill>
-                              <a:srgbClr val="282829"/>
-                            </a:solidFill>
-                            <a:latin typeface="Cambria Math" panose="02040503050406030204" pitchFamily="18" charset="0"/>
-                          </a:rPr>
-                        </m:ctrlPr>
-                      </m:sSupPr>
-                      <m:e>
-                        <m:r>
-                          <m:rPr>
-                            <m:nor/>
-                          </m:rPr>
-                          <a:rPr lang="el-GR" sz="2400" dirty="0">
-                            <a:solidFill>
-                              <a:srgbClr val="282829"/>
-                            </a:solidFill>
-                            <a:latin typeface="-apple-system"/>
-                          </a:rPr>
-                          <m:t>ω</m:t>
-                        </m:r>
-                      </m:e>
-                      <m:sup>
-                        <m:r>
-                          <a:rPr lang="de-DE" sz="2400" b="0" i="1" smtClean="0">
-                            <a:solidFill>
-                              <a:srgbClr val="282829"/>
-                            </a:solidFill>
-                            <a:latin typeface="Cambria Math" panose="02040503050406030204" pitchFamily="18" charset="0"/>
-                          </a:rPr>
-                          <m:t>2</m:t>
-                        </m:r>
-                      </m:sup>
-                    </m:sSup>
-                  </m:oMath>
-                </a14:m>
-                <a:r>
-                  <a:rPr lang="de-DE" sz="2400" dirty="0"/>
-                  <a:t> </a:t>
-                </a:r>
-              </a:p>
-            </p:txBody>
-          </p:sp>
-        </mc:Choice>
-        <mc:Fallback>
-          <p:sp>
-            <p:nvSpPr>
-              <p:cNvPr id="6" name="Textfeld 5">
-                <a:extLst>
-                  <a:ext uri="{FF2B5EF4-FFF2-40B4-BE49-F238E27FC236}">
-                    <a16:creationId xmlns:a16="http://schemas.microsoft.com/office/drawing/2014/main" id="{D46553D9-9022-5DF0-ECA8-9687D66EC281}"/>
-                  </a:ext>
-                </a:extLst>
-              </p:cNvPr>
-              <p:cNvSpPr txBox="1">
-                <a:spLocks noRot="1" noChangeAspect="1" noMove="1" noResize="1" noEditPoints="1" noAdjustHandles="1" noChangeArrowheads="1" noChangeShapeType="1" noTextEdit="1"/>
-              </p:cNvSpPr>
-              <p:nvPr/>
-            </p:nvSpPr>
-            <p:spPr>
-              <a:xfrm>
-                <a:off x="875726" y="1295689"/>
-                <a:ext cx="5220274" cy="461665"/>
-              </a:xfrm>
-              <a:prstGeom prst="rect">
-                <a:avLst/>
-              </a:prstGeom>
-              <a:blipFill>
-                <a:blip r:embed="rId3"/>
-                <a:stretch>
-                  <a:fillRect l="-2220" t="-21333" r="-3388" b="-36000"/>
-                </a:stretch>
-              </a:blipFill>
-            </p:spPr>
-            <p:txBody>
-              <a:bodyPr/>
-              <a:lstStyle/>
-              <a:p>
-                <a:r>
-                  <a:rPr lang="en-US">
-                    <a:noFill/>
-                  </a:rPr>
-                  <a:t> </a:t>
-                </a:r>
-              </a:p>
-            </p:txBody>
-          </p:sp>
-        </mc:Fallback>
-      </mc:AlternateContent>
-      <mc:AlternateContent xmlns:mc="http://schemas.openxmlformats.org/markup-compatibility/2006">
-        <mc:Choice xmlns:a14="http://schemas.microsoft.com/office/drawing/2010/main" Requires="a14">
-          <p:sp>
-            <p:nvSpPr>
-              <p:cNvPr id="2" name="Textfeld 1">
-                <a:extLst>
-                  <a:ext uri="{FF2B5EF4-FFF2-40B4-BE49-F238E27FC236}">
-                    <a16:creationId xmlns:a16="http://schemas.microsoft.com/office/drawing/2014/main" id="{7D177408-F48D-C13F-B145-47CA593EFB15}"/>
-                  </a:ext>
-                </a:extLst>
-              </p:cNvPr>
-              <p:cNvSpPr txBox="1"/>
-              <p:nvPr/>
-            </p:nvSpPr>
-            <p:spPr>
-              <a:xfrm>
-                <a:off x="875726" y="1803584"/>
-                <a:ext cx="9372706" cy="627159"/>
-              </a:xfrm>
-              <a:prstGeom prst="rect">
-                <a:avLst/>
-              </a:prstGeom>
-              <a:noFill/>
-            </p:spPr>
-            <p:txBody>
-              <a:bodyPr wrap="square">
-                <a:spAutoFit/>
-              </a:bodyPr>
-              <a:lstStyle/>
-              <a:p>
-                <a:pPr marL="342900" indent="-342900">
-                  <a:buClr>
-                    <a:schemeClr val="tx2"/>
-                  </a:buClr>
-                  <a:buSzPct val="120000"/>
-                  <a:buFont typeface="Arial" panose="020B0604020202020204" pitchFamily="34" charset="0"/>
-                  <a:buChar char="•"/>
-                </a:pPr>
-                <a:r>
-                  <a:rPr lang="de-DE" sz="2400" dirty="0"/>
-                  <a:t>Squared </a:t>
-                </a:r>
-                <a:r>
-                  <a:rPr lang="de-DE" sz="2400" dirty="0" err="1"/>
-                  <a:t>radius</a:t>
-                </a:r>
-                <a:r>
-                  <a:rPr lang="de-DE" sz="2400" dirty="0"/>
-                  <a:t> </a:t>
-                </a:r>
-                <a:r>
-                  <a:rPr lang="de-DE" sz="2400" dirty="0" err="1"/>
-                  <a:t>of</a:t>
-                </a:r>
-                <a:r>
-                  <a:rPr lang="de-DE" sz="2400" dirty="0"/>
-                  <a:t> </a:t>
-                </a:r>
-                <a:r>
-                  <a:rPr lang="de-DE" sz="2400" dirty="0" err="1"/>
-                  <a:t>gyration</a:t>
-                </a:r>
-                <a:r>
-                  <a:rPr lang="de-DE" sz="2400" dirty="0"/>
-                  <a:t>: </a:t>
-                </a:r>
-                <a14:m>
-                  <m:oMath xmlns:m="http://schemas.openxmlformats.org/officeDocument/2006/math">
-                    <m:sSup>
-                      <m:sSupPr>
-                        <m:ctrlPr>
-                          <a:rPr lang="de-DE" sz="2400" b="0" i="1" smtClean="0">
-                            <a:latin typeface="Cambria Math" panose="02040503050406030204" pitchFamily="18" charset="0"/>
-                          </a:rPr>
-                        </m:ctrlPr>
-                      </m:sSupPr>
-                      <m:e>
-                        <m:r>
-                          <a:rPr lang="de-DE" sz="2400" b="0" i="1" smtClean="0">
-                            <a:latin typeface="Cambria Math" panose="02040503050406030204" pitchFamily="18" charset="0"/>
-                          </a:rPr>
-                          <m:t>𝑆</m:t>
-                        </m:r>
-                      </m:e>
-                      <m:sup>
-                        <m:r>
-                          <a:rPr lang="de-DE" sz="2400" b="0" i="1" smtClean="0">
-                            <a:latin typeface="Cambria Math" panose="02040503050406030204" pitchFamily="18" charset="0"/>
-                          </a:rPr>
-                          <m:t>2</m:t>
-                        </m:r>
-                      </m:sup>
-                    </m:sSup>
-                    <m:r>
-                      <a:rPr lang="de-DE" sz="2400" b="0" i="1" smtClean="0">
-                        <a:latin typeface="Cambria Math" panose="02040503050406030204" pitchFamily="18" charset="0"/>
-                      </a:rPr>
-                      <m:t>=</m:t>
-                    </m:r>
-                    <m:f>
-                      <m:fPr>
-                        <m:ctrlPr>
-                          <a:rPr lang="de-DE" sz="2400" b="0" i="1" smtClean="0">
-                            <a:latin typeface="Cambria Math" panose="02040503050406030204" pitchFamily="18" charset="0"/>
-                          </a:rPr>
-                        </m:ctrlPr>
-                      </m:fPr>
-                      <m:num>
-                        <m:r>
-                          <a:rPr lang="de-DE" sz="2400" b="0" i="1" smtClean="0">
-                            <a:latin typeface="Cambria Math" panose="02040503050406030204" pitchFamily="18" charset="0"/>
-                          </a:rPr>
-                          <m:t>1</m:t>
-                        </m:r>
-                      </m:num>
-                      <m:den>
-                        <m:r>
-                          <a:rPr lang="de-DE" sz="2400" b="0" i="1" smtClean="0">
-                            <a:latin typeface="Cambria Math" panose="02040503050406030204" pitchFamily="18" charset="0"/>
-                          </a:rPr>
-                          <m:t>𝑁</m:t>
-                        </m:r>
-                      </m:den>
-                    </m:f>
-                    <m:nary>
-                      <m:naryPr>
-                        <m:chr m:val="∑"/>
-                        <m:ctrlPr>
-                          <a:rPr lang="de-DE" sz="2400" b="0" i="1" smtClean="0">
-                            <a:latin typeface="Cambria Math" panose="02040503050406030204" pitchFamily="18" charset="0"/>
-                          </a:rPr>
-                        </m:ctrlPr>
-                      </m:naryPr>
-                      <m:sub>
-                        <m:r>
-                          <m:rPr>
-                            <m:brk m:alnAt="23"/>
-                          </m:rPr>
-                          <a:rPr lang="de-DE" sz="2400" b="0" i="1" smtClean="0">
-                            <a:latin typeface="Cambria Math" panose="02040503050406030204" pitchFamily="18" charset="0"/>
-                          </a:rPr>
-                          <m:t>𝑘</m:t>
-                        </m:r>
-                        <m:r>
-                          <a:rPr lang="de-DE" sz="2400" b="0" i="1" smtClean="0">
-                            <a:latin typeface="Cambria Math" panose="02040503050406030204" pitchFamily="18" charset="0"/>
-                          </a:rPr>
-                          <m:t>=1</m:t>
-                        </m:r>
-                      </m:sub>
-                      <m:sup>
-                        <m:r>
-                          <a:rPr lang="de-DE" sz="2400" b="0" i="1" smtClean="0">
-                            <a:latin typeface="Cambria Math" panose="02040503050406030204" pitchFamily="18" charset="0"/>
-                          </a:rPr>
-                          <m:t>𝑁</m:t>
-                        </m:r>
-                      </m:sup>
-                      <m:e>
-                        <m:sSup>
-                          <m:sSupPr>
-                            <m:ctrlPr>
-                              <a:rPr lang="de-DE" sz="2400" b="0" i="1" smtClean="0">
-                                <a:latin typeface="Cambria Math" panose="02040503050406030204" pitchFamily="18" charset="0"/>
-                              </a:rPr>
-                            </m:ctrlPr>
-                          </m:sSupPr>
-                          <m:e>
-                            <m:d>
-                              <m:dPr>
-                                <m:begChr m:val="|"/>
-                                <m:endChr m:val="|"/>
-                                <m:ctrlPr>
-                                  <a:rPr lang="de-DE" sz="2400" b="0" i="1" smtClean="0">
-                                    <a:latin typeface="Cambria Math" panose="02040503050406030204" pitchFamily="18" charset="0"/>
-                                  </a:rPr>
-                                </m:ctrlPr>
-                              </m:dPr>
-                              <m:e>
-                                <m:acc>
-                                  <m:accPr>
-                                    <m:chr m:val="⃗"/>
-                                    <m:ctrlPr>
-                                      <a:rPr lang="de-DE" sz="2400" b="0" i="1" smtClean="0">
-                                        <a:latin typeface="Cambria Math" panose="02040503050406030204" pitchFamily="18" charset="0"/>
-                                      </a:rPr>
-                                    </m:ctrlPr>
-                                  </m:accPr>
-                                  <m:e>
-                                    <m:sSub>
-                                      <m:sSubPr>
-                                        <m:ctrlPr>
-                                          <a:rPr lang="de-DE" sz="2400" b="0" i="1" smtClean="0">
-                                            <a:latin typeface="Cambria Math" panose="02040503050406030204" pitchFamily="18" charset="0"/>
-                                          </a:rPr>
-                                        </m:ctrlPr>
-                                      </m:sSubPr>
-                                      <m:e>
-                                        <m:r>
-                                          <a:rPr lang="de-DE" sz="2400" b="0" i="1" smtClean="0">
-                                            <a:latin typeface="Cambria Math" panose="02040503050406030204" pitchFamily="18" charset="0"/>
-                                          </a:rPr>
-                                          <m:t>𝑟</m:t>
-                                        </m:r>
-                                      </m:e>
-                                      <m:sub>
-                                        <m:r>
-                                          <a:rPr lang="de-DE" sz="2400" b="0" i="1" smtClean="0">
-                                            <a:latin typeface="Cambria Math" panose="02040503050406030204" pitchFamily="18" charset="0"/>
-                                          </a:rPr>
-                                          <m:t>𝑘</m:t>
-                                        </m:r>
-                                      </m:sub>
-                                    </m:sSub>
-                                  </m:e>
-                                </m:acc>
-                                <m:r>
-                                  <a:rPr lang="de-DE" sz="2400" b="0" i="1" smtClean="0">
-                                    <a:latin typeface="Cambria Math" panose="02040503050406030204" pitchFamily="18" charset="0"/>
-                                  </a:rPr>
-                                  <m:t>−</m:t>
-                                </m:r>
-                                <m:sSub>
-                                  <m:sSubPr>
-                                    <m:ctrlPr>
-                                      <a:rPr lang="de-DE" sz="2400" b="0" i="1" smtClean="0">
-                                        <a:latin typeface="Cambria Math" panose="02040503050406030204" pitchFamily="18" charset="0"/>
-                                      </a:rPr>
-                                    </m:ctrlPr>
-                                  </m:sSubPr>
-                                  <m:e>
-                                    <m:acc>
-                                      <m:accPr>
-                                        <m:chr m:val="⃗"/>
-                                        <m:ctrlPr>
-                                          <a:rPr lang="de-DE" sz="2400" b="0" i="1" smtClean="0">
-                                            <a:latin typeface="Cambria Math" panose="02040503050406030204" pitchFamily="18" charset="0"/>
-                                          </a:rPr>
-                                        </m:ctrlPr>
-                                      </m:accPr>
-                                      <m:e>
-                                        <m:r>
-                                          <a:rPr lang="de-DE" sz="2400" b="0" i="1" smtClean="0">
-                                            <a:latin typeface="Cambria Math" panose="02040503050406030204" pitchFamily="18" charset="0"/>
-                                          </a:rPr>
-                                          <m:t>𝑟</m:t>
-                                        </m:r>
-                                      </m:e>
-                                    </m:acc>
-                                  </m:e>
-                                  <m:sub>
-                                    <m:r>
-                                      <a:rPr lang="de-DE" sz="2400" b="0" i="1" smtClean="0">
-                                        <a:latin typeface="Cambria Math" panose="02040503050406030204" pitchFamily="18" charset="0"/>
-                                      </a:rPr>
-                                      <m:t>𝑚𝑒𝑎𝑛</m:t>
-                                    </m:r>
-                                  </m:sub>
-                                </m:sSub>
-                              </m:e>
-                            </m:d>
-                          </m:e>
-                          <m:sup>
-                            <m:r>
-                              <a:rPr lang="de-DE" sz="2400" b="0" i="1" smtClean="0">
-                                <a:latin typeface="Cambria Math" panose="02040503050406030204" pitchFamily="18" charset="0"/>
-                              </a:rPr>
-                              <m:t>2</m:t>
-                            </m:r>
-                          </m:sup>
-                        </m:sSup>
-                      </m:e>
-                    </m:nary>
-                  </m:oMath>
-                </a14:m>
-                <a:r>
-                  <a:rPr lang="de-DE" sz="2400" dirty="0"/>
-                  <a:t> </a:t>
-                </a:r>
-              </a:p>
-            </p:txBody>
-          </p:sp>
-        </mc:Choice>
-        <mc:Fallback>
-          <p:sp>
-            <p:nvSpPr>
-              <p:cNvPr id="2" name="Textfeld 1">
-                <a:extLst>
-                  <a:ext uri="{FF2B5EF4-FFF2-40B4-BE49-F238E27FC236}">
-                    <a16:creationId xmlns:a16="http://schemas.microsoft.com/office/drawing/2014/main" id="{7D177408-F48D-C13F-B145-47CA593EFB15}"/>
-                  </a:ext>
-                </a:extLst>
-              </p:cNvPr>
-              <p:cNvSpPr txBox="1">
-                <a:spLocks noRot="1" noChangeAspect="1" noMove="1" noResize="1" noEditPoints="1" noAdjustHandles="1" noChangeArrowheads="1" noChangeShapeType="1" noTextEdit="1"/>
-              </p:cNvSpPr>
-              <p:nvPr/>
-            </p:nvSpPr>
-            <p:spPr>
-              <a:xfrm>
-                <a:off x="875726" y="1803584"/>
-                <a:ext cx="9372706" cy="627159"/>
-              </a:xfrm>
-              <a:prstGeom prst="rect">
-                <a:avLst/>
-              </a:prstGeom>
-              <a:blipFill>
-                <a:blip r:embed="rId4"/>
-                <a:stretch>
-                  <a:fillRect l="-1236" t="-3883" b="-10680"/>
-                </a:stretch>
-              </a:blipFill>
-            </p:spPr>
-            <p:txBody>
-              <a:bodyPr/>
-              <a:lstStyle/>
-              <a:p>
-                <a:r>
-                  <a:rPr lang="en-US">
-                    <a:noFill/>
-                  </a:rPr>
-                  <a:t> </a:t>
-                </a:r>
-              </a:p>
-            </p:txBody>
-          </p:sp>
-        </mc:Fallback>
-      </mc:AlternateContent>
-      <p:sp>
-        <p:nvSpPr>
-          <p:cNvPr id="11" name="Textfeld 10">
+      <p:pic>
+        <p:nvPicPr>
+          <p:cNvPr id="17" name="Grafik 16">
             <a:extLst>
               <a:ext uri="{FF2B5EF4-FFF2-40B4-BE49-F238E27FC236}">
-                <a16:creationId xmlns:a16="http://schemas.microsoft.com/office/drawing/2014/main" id="{26CD5536-AAC3-5ABB-3DF0-EEC614EE3722}"/>
+                <a16:creationId xmlns:a16="http://schemas.microsoft.com/office/drawing/2014/main" id="{E712E1BF-A23D-B7B7-6193-9422DE7B1016}"/>
               </a:ext>
             </a:extLst>
           </p:cNvPr>
-          <p:cNvSpPr txBox="1"/>
+          <p:cNvPicPr>
+            <a:picLocks noChangeAspect="1"/>
+          </p:cNvPicPr>
           <p:nvPr/>
-        </p:nvSpPr>
+        </p:nvPicPr>
+        <p:blipFill>
+          <a:blip r:embed="rId6"/>
+          <a:stretch>
+            <a:fillRect/>
+          </a:stretch>
+        </p:blipFill>
         <p:spPr>
           <a:xfrm>
-            <a:off x="875726" y="3950244"/>
-            <a:ext cx="9372706" cy="461665"/>
+            <a:off x="475200" y="1036800"/>
+            <a:ext cx="5900400" cy="4425300"/>
           </a:xfrm>
           <a:prstGeom prst="rect">
             <a:avLst/>
           </a:prstGeom>
-          <a:noFill/>
         </p:spPr>
-        <p:txBody>
-          <a:bodyPr wrap="square">
-            <a:spAutoFit/>
-          </a:bodyPr>
-          <a:lstStyle/>
-          <a:p>
-            <a:pPr marL="342900" indent="-342900">
-              <a:buClr>
-                <a:schemeClr val="tx2"/>
-              </a:buClr>
-              <a:buSzPct val="120000"/>
-              <a:buFont typeface="Arial" panose="020B0604020202020204" pitchFamily="34" charset="0"/>
-              <a:buChar char="•"/>
-            </a:pPr>
-            <a:r>
-              <a:rPr lang="de-DE" sz="2400" dirty="0"/>
-              <a:t>Acceptance rate f</a:t>
-            </a:r>
-          </a:p>
-        </p:txBody>
-      </p:sp>
-      <mc:AlternateContent xmlns:mc="http://schemas.openxmlformats.org/markup-compatibility/2006">
-        <mc:Choice xmlns:a14="http://schemas.microsoft.com/office/drawing/2010/main" Requires="a14">
-          <p:sp>
-            <p:nvSpPr>
-              <p:cNvPr id="12" name="Textfeld 11">
-                <a:extLst>
-                  <a:ext uri="{FF2B5EF4-FFF2-40B4-BE49-F238E27FC236}">
-                    <a16:creationId xmlns:a16="http://schemas.microsoft.com/office/drawing/2014/main" id="{8C951B16-6F47-D2E7-97E8-454FBF442D02}"/>
-                  </a:ext>
-                </a:extLst>
-              </p:cNvPr>
-              <p:cNvSpPr txBox="1"/>
-              <p:nvPr/>
-            </p:nvSpPr>
-            <p:spPr>
-              <a:xfrm>
-                <a:off x="875726" y="4727979"/>
-                <a:ext cx="9372706" cy="461665"/>
-              </a:xfrm>
-              <a:prstGeom prst="rect">
-                <a:avLst/>
-              </a:prstGeom>
-              <a:noFill/>
-            </p:spPr>
-            <p:txBody>
-              <a:bodyPr wrap="square">
-                <a:spAutoFit/>
-              </a:bodyPr>
-              <a:lstStyle/>
-              <a:p>
-                <a:pPr marL="342900" indent="-342900">
-                  <a:buClr>
-                    <a:schemeClr val="tx2"/>
-                  </a:buClr>
-                  <a:buSzPct val="120000"/>
-                  <a:buFont typeface="Arial" panose="020B0604020202020204" pitchFamily="34" charset="0"/>
-                  <a:buChar char="•"/>
-                </a:pPr>
-                <a:r>
-                  <a:rPr lang="de-DE" sz="2400" dirty="0"/>
-                  <a:t>Autocorrelation time </a:t>
-                </a:r>
-                <a14:m>
-                  <m:oMath xmlns:m="http://schemas.openxmlformats.org/officeDocument/2006/math">
-                    <m:sSub>
-                      <m:sSubPr>
-                        <m:ctrlPr>
-                          <a:rPr lang="de-DE" sz="2400" b="0" i="1" smtClean="0">
-                            <a:latin typeface="Cambria Math" panose="02040503050406030204" pitchFamily="18" charset="0"/>
-                          </a:rPr>
-                        </m:ctrlPr>
-                      </m:sSubPr>
-                      <m:e>
-                        <m:r>
-                          <a:rPr lang="de-DE" sz="2400" b="0" i="1" smtClean="0">
-                            <a:latin typeface="Cambria Math" panose="02040503050406030204" pitchFamily="18" charset="0"/>
-                          </a:rPr>
-                          <m:t>𝜏</m:t>
-                        </m:r>
-                      </m:e>
-                      <m:sub>
-                        <m:r>
-                          <a:rPr lang="de-DE" sz="2400" b="0" i="1" smtClean="0">
-                            <a:latin typeface="Cambria Math" panose="02040503050406030204" pitchFamily="18" charset="0"/>
-                          </a:rPr>
-                          <m:t>𝑖𝑛𝑡</m:t>
-                        </m:r>
-                      </m:sub>
-                    </m:sSub>
-                  </m:oMath>
-                </a14:m>
-                <a:r>
-                  <a:rPr lang="de-DE" sz="2400" dirty="0"/>
-                  <a:t> </a:t>
-                </a:r>
-              </a:p>
-            </p:txBody>
-          </p:sp>
-        </mc:Choice>
-        <mc:Fallback>
-          <p:sp>
-            <p:nvSpPr>
-              <p:cNvPr id="12" name="Textfeld 11">
-                <a:extLst>
-                  <a:ext uri="{FF2B5EF4-FFF2-40B4-BE49-F238E27FC236}">
-                    <a16:creationId xmlns:a16="http://schemas.microsoft.com/office/drawing/2014/main" id="{8C951B16-6F47-D2E7-97E8-454FBF442D02}"/>
-                  </a:ext>
-                </a:extLst>
-              </p:cNvPr>
-              <p:cNvSpPr txBox="1">
-                <a:spLocks noRot="1" noChangeAspect="1" noMove="1" noResize="1" noEditPoints="1" noAdjustHandles="1" noChangeArrowheads="1" noChangeShapeType="1" noTextEdit="1"/>
-              </p:cNvSpPr>
-              <p:nvPr/>
-            </p:nvSpPr>
-            <p:spPr>
-              <a:xfrm>
-                <a:off x="875726" y="4727979"/>
-                <a:ext cx="9372706" cy="461665"/>
-              </a:xfrm>
-              <a:prstGeom prst="rect">
-                <a:avLst/>
-              </a:prstGeom>
-              <a:blipFill>
-                <a:blip r:embed="rId5"/>
-                <a:stretch>
-                  <a:fillRect l="-1236" t="-21333" b="-36000"/>
-                </a:stretch>
-              </a:blipFill>
-            </p:spPr>
-            <p:txBody>
-              <a:bodyPr/>
-              <a:lstStyle/>
-              <a:p>
-                <a:r>
-                  <a:rPr lang="en-US">
-                    <a:noFill/>
-                  </a:rPr>
-                  <a:t> </a:t>
-                </a:r>
-              </a:p>
-            </p:txBody>
-          </p:sp>
-        </mc:Fallback>
-      </mc:AlternateContent>
+      </p:pic>
+      <p:pic>
+        <p:nvPicPr>
+          <p:cNvPr id="19" name="Grafik 18">
+            <a:extLst>
+              <a:ext uri="{FF2B5EF4-FFF2-40B4-BE49-F238E27FC236}">
+                <a16:creationId xmlns:a16="http://schemas.microsoft.com/office/drawing/2014/main" id="{94A323F7-ADB8-C0B8-FA93-524D70EDA042}"/>
+              </a:ext>
+            </a:extLst>
+          </p:cNvPr>
+          <p:cNvPicPr>
+            <a:picLocks noChangeAspect="1"/>
+          </p:cNvPicPr>
+          <p:nvPr/>
+        </p:nvPicPr>
+        <p:blipFill>
+          <a:blip r:embed="rId7"/>
+          <a:stretch>
+            <a:fillRect/>
+          </a:stretch>
+        </p:blipFill>
+        <p:spPr>
+          <a:xfrm>
+            <a:off x="475200" y="1036799"/>
+            <a:ext cx="5899200" cy="4424400"/>
+          </a:xfrm>
+          <a:prstGeom prst="rect">
+            <a:avLst/>
+          </a:prstGeom>
+        </p:spPr>
+      </p:pic>
+      <p:pic>
+        <p:nvPicPr>
+          <p:cNvPr id="21" name="Grafik 20">
+            <a:extLst>
+              <a:ext uri="{FF2B5EF4-FFF2-40B4-BE49-F238E27FC236}">
+                <a16:creationId xmlns:a16="http://schemas.microsoft.com/office/drawing/2014/main" id="{67DE2540-2EB3-0600-584E-EDA2EEEE204E}"/>
+              </a:ext>
+            </a:extLst>
+          </p:cNvPr>
+          <p:cNvPicPr>
+            <a:picLocks noChangeAspect="1"/>
+          </p:cNvPicPr>
+          <p:nvPr/>
+        </p:nvPicPr>
+        <p:blipFill>
+          <a:blip r:embed="rId8"/>
+          <a:stretch>
+            <a:fillRect/>
+          </a:stretch>
+        </p:blipFill>
+        <p:spPr>
+          <a:xfrm>
+            <a:off x="6480000" y="1036800"/>
+            <a:ext cx="5852172" cy="4389129"/>
+          </a:xfrm>
+          <a:prstGeom prst="rect">
+            <a:avLst/>
+          </a:prstGeom>
+        </p:spPr>
+      </p:pic>
+      <p:pic>
+        <p:nvPicPr>
+          <p:cNvPr id="23" name="Grafik 22">
+            <a:extLst>
+              <a:ext uri="{FF2B5EF4-FFF2-40B4-BE49-F238E27FC236}">
+                <a16:creationId xmlns:a16="http://schemas.microsoft.com/office/drawing/2014/main" id="{400006AC-0908-6B68-48A5-CB08D7D714CD}"/>
+              </a:ext>
+            </a:extLst>
+          </p:cNvPr>
+          <p:cNvPicPr>
+            <a:picLocks noChangeAspect="1"/>
+          </p:cNvPicPr>
+          <p:nvPr/>
+        </p:nvPicPr>
+        <p:blipFill>
+          <a:blip r:embed="rId9"/>
+          <a:stretch>
+            <a:fillRect/>
+          </a:stretch>
+        </p:blipFill>
+        <p:spPr>
+          <a:xfrm>
+            <a:off x="6480000" y="1036800"/>
+            <a:ext cx="5852172" cy="4389129"/>
+          </a:xfrm>
+          <a:prstGeom prst="rect">
+            <a:avLst/>
+          </a:prstGeom>
+        </p:spPr>
+      </p:pic>
       <p:sp>
         <p:nvSpPr>
-          <p:cNvPr id="13" name="Pfeil: nach rechts 12">
+          <p:cNvPr id="2" name="Pfeil: nach rechts 1">
             <a:extLst>
               <a:ext uri="{FF2B5EF4-FFF2-40B4-BE49-F238E27FC236}">
-                <a16:creationId xmlns:a16="http://schemas.microsoft.com/office/drawing/2014/main" id="{99F24F12-F358-5545-3E5F-C83E5E009032}"/>
+                <a16:creationId xmlns:a16="http://schemas.microsoft.com/office/drawing/2014/main" id="{60B99099-572E-323E-9325-2DA6DCD8C3C3}"/>
               </a:ext>
             </a:extLst>
           </p:cNvPr>
@@ -7858,8 +11881,8 @@
         </p:nvSpPr>
         <p:spPr>
           <a:xfrm>
-            <a:off x="1368795" y="2632665"/>
-            <a:ext cx="639519" cy="416974"/>
+            <a:off x="2288805" y="5699900"/>
+            <a:ext cx="594640" cy="359028"/>
           </a:xfrm>
           <a:prstGeom prst="rightArrow">
             <a:avLst/>
@@ -7890,14 +11913,14 @@
           </a:p>
         </p:txBody>
       </p:sp>
-      <mc:AlternateContent xmlns:mc="http://schemas.openxmlformats.org/markup-compatibility/2006">
-        <mc:Choice xmlns:a14="http://schemas.microsoft.com/office/drawing/2010/main" Requires="a14">
+      <mc:AlternateContent xmlns:mc="http://schemas.openxmlformats.org/markup-compatibility/2006" xmlns:a14="http://schemas.microsoft.com/office/drawing/2010/main">
+        <mc:Choice Requires="a14">
           <p:sp>
             <p:nvSpPr>
-              <p:cNvPr id="14" name="Textfeld 13">
+              <p:cNvPr id="8" name="Textfeld 7">
                 <a:extLst>
                   <a:ext uri="{FF2B5EF4-FFF2-40B4-BE49-F238E27FC236}">
-                    <a16:creationId xmlns:a16="http://schemas.microsoft.com/office/drawing/2014/main" id="{D0890F00-F68C-5E06-666A-F78530B246F1}"/>
+                    <a16:creationId xmlns:a16="http://schemas.microsoft.com/office/drawing/2014/main" id="{16B4A599-D5BC-49D9-CAD0-B6030FC892D4}"/>
                   </a:ext>
                 </a:extLst>
               </p:cNvPr>
@@ -7906,8 +11929,8 @@
             </p:nvSpPr>
             <p:spPr>
               <a:xfrm>
-                <a:off x="2137615" y="2584243"/>
-                <a:ext cx="7998896" cy="505779"/>
+                <a:off x="1123195" y="799072"/>
+                <a:ext cx="9945609" cy="475451"/>
               </a:xfrm>
               <a:prstGeom prst="rect">
                 <a:avLst/>
@@ -7928,11 +11951,11 @@
                 </a:pPr>
                 <a:r>
                   <a:rPr lang="de-DE" sz="2400" dirty="0"/>
-                  <a:t>Critical </a:t>
+                  <a:t>Fit </a:t>
                 </a:r>
                 <a:r>
                   <a:rPr lang="de-DE" sz="2400" dirty="0" err="1"/>
-                  <a:t>exponents</a:t>
+                  <a:t>function</a:t>
                 </a:r>
                 <a:r>
                   <a:rPr lang="de-DE" sz="2400" dirty="0"/>
@@ -7940,69 +11963,23 @@
                 </a:r>
                 <a14:m>
                   <m:oMath xmlns:m="http://schemas.openxmlformats.org/officeDocument/2006/math">
-                    <m:d>
-                      <m:dPr>
-                        <m:begChr m:val="⟨"/>
-                        <m:endChr m:val="⟩"/>
-                        <m:ctrlPr>
-                          <a:rPr lang="de-DE" sz="2400" i="1" smtClean="0">
-                            <a:latin typeface="Cambria Math" panose="02040503050406030204" pitchFamily="18" charset="0"/>
-                          </a:rPr>
-                        </m:ctrlPr>
-                      </m:dPr>
-                      <m:e>
-                        <m:sSup>
-                          <m:sSupPr>
-                            <m:ctrlPr>
-                              <a:rPr lang="el-GR" sz="2400" i="1">
-                                <a:solidFill>
-                                  <a:srgbClr val="282829"/>
-                                </a:solidFill>
-                                <a:latin typeface="Cambria Math" panose="02040503050406030204" pitchFamily="18" charset="0"/>
-                              </a:rPr>
-                            </m:ctrlPr>
-                          </m:sSupPr>
-                          <m:e>
-                            <m:r>
-                              <m:rPr>
-                                <m:nor/>
-                              </m:rPr>
-                              <a:rPr lang="el-GR" sz="2400" dirty="0">
-                                <a:solidFill>
-                                  <a:srgbClr val="282829"/>
-                                </a:solidFill>
-                                <a:latin typeface="-apple-system"/>
-                              </a:rPr>
-                              <m:t>ω</m:t>
-                            </m:r>
-                          </m:e>
-                          <m:sup>
-                            <m:r>
-                              <a:rPr lang="de-DE" sz="2400" i="1">
-                                <a:solidFill>
-                                  <a:srgbClr val="282829"/>
-                                </a:solidFill>
-                                <a:latin typeface="Cambria Math" panose="02040503050406030204" pitchFamily="18" charset="0"/>
-                              </a:rPr>
-                              <m:t>2</m:t>
-                            </m:r>
-                          </m:sup>
-                        </m:sSup>
-                      </m:e>
-                    </m:d>
                     <m:r>
-                      <a:rPr lang="de-DE" sz="2400" i="1" smtClean="0">
+                      <a:rPr lang="de-DE" sz="2400" b="0" i="1" smtClean="0">
                         <a:latin typeface="Cambria Math" panose="02040503050406030204" pitchFamily="18" charset="0"/>
-                        <a:ea typeface="Cambria Math" panose="02040503050406030204" pitchFamily="18" charset="0"/>
                       </a:rPr>
-                      <m:t>∝</m:t>
+                      <m:t>𝐴</m:t>
+                    </m:r>
+                    <m:r>
+                      <a:rPr lang="de-DE" sz="2400" b="0" i="1" smtClean="0">
+                        <a:latin typeface="Cambria Math" panose="02040503050406030204" pitchFamily="18" charset="0"/>
+                      </a:rPr>
+                      <m:t>⋅</m:t>
                     </m:r>
                     <m:sSup>
                       <m:sSupPr>
                         <m:ctrlPr>
                           <a:rPr lang="de-DE" sz="2400" b="0" i="1" smtClean="0">
                             <a:latin typeface="Cambria Math" panose="02040503050406030204" pitchFamily="18" charset="0"/>
-                            <a:ea typeface="Cambria Math" panose="02040503050406030204" pitchFamily="18" charset="0"/>
                           </a:rPr>
                         </m:ctrlPr>
                       </m:sSupPr>
@@ -8010,7 +11987,6 @@
                         <m:r>
                           <a:rPr lang="de-DE" sz="2400" b="0" i="1" smtClean="0">
                             <a:latin typeface="Cambria Math" panose="02040503050406030204" pitchFamily="18" charset="0"/>
-                            <a:ea typeface="Cambria Math" panose="02040503050406030204" pitchFamily="18" charset="0"/>
                           </a:rPr>
                           <m:t>𝑁</m:t>
                         </m:r>
@@ -8019,113 +11995,12 @@
                         <m:r>
                           <a:rPr lang="de-DE" sz="2400" b="0" i="1" smtClean="0">
                             <a:latin typeface="Cambria Math" panose="02040503050406030204" pitchFamily="18" charset="0"/>
-                            <a:ea typeface="Cambria Math" panose="02040503050406030204" pitchFamily="18" charset="0"/>
                           </a:rPr>
                           <m:t>2</m:t>
                         </m:r>
                         <m:r>
                           <a:rPr lang="de-DE" sz="2400" b="0" i="1" smtClean="0">
                             <a:latin typeface="Cambria Math" panose="02040503050406030204" pitchFamily="18" charset="0"/>
-                            <a:ea typeface="Cambria Math" panose="02040503050406030204" pitchFamily="18" charset="0"/>
-                          </a:rPr>
-                          <m:t>𝜈</m:t>
-                        </m:r>
-                      </m:sup>
-                    </m:sSup>
-                    <m:r>
-                      <a:rPr lang="de-DE" sz="2400" b="0" i="0" smtClean="0">
-                        <a:latin typeface="Cambria Math" panose="02040503050406030204" pitchFamily="18" charset="0"/>
-                        <a:ea typeface="Cambria Math" panose="02040503050406030204" pitchFamily="18" charset="0"/>
-                      </a:rPr>
-                      <m:t>, </m:t>
-                    </m:r>
-                    <m:d>
-                      <m:dPr>
-                        <m:begChr m:val="⟨"/>
-                        <m:endChr m:val="⟩"/>
-                        <m:ctrlPr>
-                          <a:rPr lang="de-DE" sz="2400" i="1">
-                            <a:latin typeface="Cambria Math" panose="02040503050406030204" pitchFamily="18" charset="0"/>
-                          </a:rPr>
-                        </m:ctrlPr>
-                      </m:dPr>
-                      <m:e>
-                        <m:sSup>
-                          <m:sSupPr>
-                            <m:ctrlPr>
-                              <a:rPr lang="el-GR" sz="2400" i="1">
-                                <a:solidFill>
-                                  <a:srgbClr val="282829"/>
-                                </a:solidFill>
-                                <a:latin typeface="Cambria Math" panose="02040503050406030204" pitchFamily="18" charset="0"/>
-                              </a:rPr>
-                            </m:ctrlPr>
-                          </m:sSupPr>
-                          <m:e>
-                            <m:r>
-                              <m:rPr>
-                                <m:nor/>
-                              </m:rPr>
-                              <a:rPr lang="de-DE" sz="2400" b="0" i="0" smtClean="0">
-                                <a:solidFill>
-                                  <a:srgbClr val="282829"/>
-                                </a:solidFill>
-                                <a:latin typeface="Cambria Math" panose="02040503050406030204" pitchFamily="18" charset="0"/>
-                              </a:rPr>
-                              <m:t>S</m:t>
-                            </m:r>
-                          </m:e>
-                          <m:sup>
-                            <m:r>
-                              <a:rPr lang="de-DE" sz="2400" i="1">
-                                <a:solidFill>
-                                  <a:srgbClr val="282829"/>
-                                </a:solidFill>
-                                <a:latin typeface="Cambria Math" panose="02040503050406030204" pitchFamily="18" charset="0"/>
-                              </a:rPr>
-                              <m:t>2</m:t>
-                            </m:r>
-                          </m:sup>
-                        </m:sSup>
-                      </m:e>
-                    </m:d>
-                    <m:r>
-                      <a:rPr lang="de-DE" sz="2400" i="1">
-                        <a:latin typeface="Cambria Math" panose="02040503050406030204" pitchFamily="18" charset="0"/>
-                        <a:ea typeface="Cambria Math" panose="02040503050406030204" pitchFamily="18" charset="0"/>
-                      </a:rPr>
-                      <m:t>∝</m:t>
-                    </m:r>
-                    <m:sSup>
-                      <m:sSupPr>
-                        <m:ctrlPr>
-                          <a:rPr lang="de-DE" sz="2400" i="1">
-                            <a:latin typeface="Cambria Math" panose="02040503050406030204" pitchFamily="18" charset="0"/>
-                            <a:ea typeface="Cambria Math" panose="02040503050406030204" pitchFamily="18" charset="0"/>
-                          </a:rPr>
-                        </m:ctrlPr>
-                      </m:sSupPr>
-                      <m:e>
-                        <m:r>
-                          <a:rPr lang="de-DE" sz="2400" i="1">
-                            <a:latin typeface="Cambria Math" panose="02040503050406030204" pitchFamily="18" charset="0"/>
-                            <a:ea typeface="Cambria Math" panose="02040503050406030204" pitchFamily="18" charset="0"/>
-                          </a:rPr>
-                          <m:t>𝑁</m:t>
-                        </m:r>
-                      </m:e>
-                      <m:sup>
-                        <m:r>
-                          <a:rPr lang="de-DE" sz="2400" i="1">
-                            <a:latin typeface="Cambria Math" panose="02040503050406030204" pitchFamily="18" charset="0"/>
-                            <a:ea typeface="Cambria Math" panose="02040503050406030204" pitchFamily="18" charset="0"/>
-                          </a:rPr>
-                          <m:t>2</m:t>
-                        </m:r>
-                        <m:r>
-                          <a:rPr lang="de-DE" sz="2400" i="1">
-                            <a:latin typeface="Cambria Math" panose="02040503050406030204" pitchFamily="18" charset="0"/>
-                            <a:ea typeface="Cambria Math" panose="02040503050406030204" pitchFamily="18" charset="0"/>
                           </a:rPr>
                           <m:t>𝜈</m:t>
                         </m:r>
@@ -8138,13 +12013,13 @@
             </p:txBody>
           </p:sp>
         </mc:Choice>
-        <mc:Fallback>
+        <mc:Fallback xmlns="">
           <p:sp>
             <p:nvSpPr>
-              <p:cNvPr id="14" name="Textfeld 13">
+              <p:cNvPr id="8" name="Textfeld 7">
                 <a:extLst>
                   <a:ext uri="{FF2B5EF4-FFF2-40B4-BE49-F238E27FC236}">
-                    <a16:creationId xmlns:a16="http://schemas.microsoft.com/office/drawing/2014/main" id="{D0890F00-F68C-5E06-666A-F78530B246F1}"/>
+                    <a16:creationId xmlns:a16="http://schemas.microsoft.com/office/drawing/2014/main" id="{16B4A599-D5BC-49D9-CAD0-B6030FC892D4}"/>
                   </a:ext>
                 </a:extLst>
               </p:cNvPr>
@@ -8155,16 +12030,16 @@
             </p:nvSpPr>
             <p:spPr>
               <a:xfrm>
-                <a:off x="2137615" y="2584243"/>
-                <a:ext cx="7998896" cy="505779"/>
+                <a:off x="1123195" y="799072"/>
+                <a:ext cx="9945609" cy="475451"/>
               </a:xfrm>
               <a:prstGeom prst="rect">
                 <a:avLst/>
               </a:prstGeom>
               <a:blipFill>
-                <a:blip r:embed="rId6"/>
+                <a:blip r:embed="rId10"/>
                 <a:stretch>
-                  <a:fillRect l="-1220" t="-3614" b="-24096"/>
+                  <a:fillRect l="-919" t="-8974" b="-26923"/>
                 </a:stretch>
               </a:blipFill>
             </p:spPr>
@@ -8183,14 +12058,14 @@
           </p:sp>
         </mc:Fallback>
       </mc:AlternateContent>
-      <mc:AlternateContent xmlns:mc="http://schemas.openxmlformats.org/markup-compatibility/2006">
-        <mc:Choice xmlns:a14="http://schemas.microsoft.com/office/drawing/2010/main" Requires="a14">
+      <mc:AlternateContent xmlns:mc="http://schemas.openxmlformats.org/markup-compatibility/2006" xmlns:a14="http://schemas.microsoft.com/office/drawing/2010/main">
+        <mc:Choice Requires="a14">
           <p:sp>
             <p:nvSpPr>
-              <p:cNvPr id="15" name="Textfeld 14">
+              <p:cNvPr id="10" name="Textfeld 9">
                 <a:extLst>
                   <a:ext uri="{FF2B5EF4-FFF2-40B4-BE49-F238E27FC236}">
-                    <a16:creationId xmlns:a16="http://schemas.microsoft.com/office/drawing/2014/main" id="{E0FE99FD-5319-ACDF-D989-353276C577E2}"/>
+                    <a16:creationId xmlns:a16="http://schemas.microsoft.com/office/drawing/2014/main" id="{120AA085-68F2-C283-AFE3-307E031EA66F}"/>
                   </a:ext>
                 </a:extLst>
               </p:cNvPr>
@@ -8199,8 +12074,976 @@
             </p:nvSpPr>
             <p:spPr>
               <a:xfrm>
-                <a:off x="2666193" y="3936011"/>
-                <a:ext cx="3235333" cy="461665"/>
+                <a:off x="2958540" y="5583477"/>
+                <a:ext cx="9945609" cy="614655"/>
+              </a:xfrm>
+              <a:prstGeom prst="rect">
+                <a:avLst/>
+              </a:prstGeom>
+              <a:noFill/>
+            </p:spPr>
+            <p:txBody>
+              <a:bodyPr wrap="square">
+                <a:spAutoFit/>
+              </a:bodyPr>
+              <a:lstStyle/>
+              <a:p>
+                <a:pPr>
+                  <a:buClr>
+                    <a:schemeClr val="tx2"/>
+                  </a:buClr>
+                  <a:buSzPct val="120000"/>
+                </a:pPr>
+                <a:r>
+                  <a:rPr lang="de-DE" sz="2400" dirty="0"/>
+                  <a:t>Close </a:t>
+                </a:r>
+                <a:r>
+                  <a:rPr lang="de-DE" sz="2400" dirty="0" err="1"/>
+                  <a:t>to</a:t>
+                </a:r>
+                <a:r>
+                  <a:rPr lang="de-DE" sz="2400" dirty="0"/>
+                  <a:t> </a:t>
+                </a:r>
+                <a:r>
+                  <a:rPr lang="de-DE" sz="2400" dirty="0" err="1"/>
+                  <a:t>believed</a:t>
+                </a:r>
+                <a:r>
+                  <a:rPr lang="de-DE" sz="2400" dirty="0"/>
+                  <a:t> </a:t>
+                </a:r>
+                <a:r>
+                  <a:rPr lang="de-DE" sz="2400" dirty="0" err="1"/>
+                  <a:t>value</a:t>
+                </a:r>
+                <a:r>
+                  <a:rPr lang="de-DE" sz="2400" dirty="0"/>
+                  <a:t>: </a:t>
+                </a:r>
+                <a14:m>
+                  <m:oMath xmlns:m="http://schemas.openxmlformats.org/officeDocument/2006/math">
+                    <m:r>
+                      <a:rPr lang="de-DE" sz="2400" b="0" i="1" smtClean="0">
+                        <a:latin typeface="Cambria Math" panose="02040503050406030204" pitchFamily="18" charset="0"/>
+                      </a:rPr>
+                      <m:t>𝜈</m:t>
+                    </m:r>
+                    <m:r>
+                      <a:rPr lang="de-DE" sz="2400" b="0" i="1" smtClean="0">
+                        <a:latin typeface="Cambria Math" panose="02040503050406030204" pitchFamily="18" charset="0"/>
+                      </a:rPr>
+                      <m:t>=</m:t>
+                    </m:r>
+                    <m:f>
+                      <m:fPr>
+                        <m:ctrlPr>
+                          <a:rPr lang="de-DE" sz="2400" b="0" i="1" smtClean="0">
+                            <a:latin typeface="Cambria Math" panose="02040503050406030204" pitchFamily="18" charset="0"/>
+                          </a:rPr>
+                        </m:ctrlPr>
+                      </m:fPr>
+                      <m:num>
+                        <m:r>
+                          <a:rPr lang="de-DE" sz="2400" b="0" i="1" smtClean="0">
+                            <a:latin typeface="Cambria Math" panose="02040503050406030204" pitchFamily="18" charset="0"/>
+                          </a:rPr>
+                          <m:t>3</m:t>
+                        </m:r>
+                      </m:num>
+                      <m:den>
+                        <m:r>
+                          <a:rPr lang="de-DE" sz="2400" b="0" i="1" smtClean="0">
+                            <a:latin typeface="Cambria Math" panose="02040503050406030204" pitchFamily="18" charset="0"/>
+                          </a:rPr>
+                          <m:t>4</m:t>
+                        </m:r>
+                      </m:den>
+                    </m:f>
+                  </m:oMath>
+                </a14:m>
+                <a:endParaRPr lang="de-DE" sz="2400" dirty="0"/>
+              </a:p>
+            </p:txBody>
+          </p:sp>
+        </mc:Choice>
+        <mc:Fallback xmlns="">
+          <p:sp>
+            <p:nvSpPr>
+              <p:cNvPr id="10" name="Textfeld 9">
+                <a:extLst>
+                  <a:ext uri="{FF2B5EF4-FFF2-40B4-BE49-F238E27FC236}">
+                    <a16:creationId xmlns:a16="http://schemas.microsoft.com/office/drawing/2014/main" id="{120AA085-68F2-C283-AFE3-307E031EA66F}"/>
+                  </a:ext>
+                </a:extLst>
+              </p:cNvPr>
+              <p:cNvSpPr txBox="1">
+                <a:spLocks noRot="1" noChangeAspect="1" noMove="1" noResize="1" noEditPoints="1" noAdjustHandles="1" noChangeArrowheads="1" noChangeShapeType="1" noTextEdit="1"/>
+              </p:cNvSpPr>
+              <p:nvPr/>
+            </p:nvSpPr>
+            <p:spPr>
+              <a:xfrm>
+                <a:off x="2958540" y="5583477"/>
+                <a:ext cx="9945609" cy="614655"/>
+              </a:xfrm>
+              <a:prstGeom prst="rect">
+                <a:avLst/>
+              </a:prstGeom>
+              <a:blipFill>
+                <a:blip r:embed="rId11"/>
+                <a:stretch>
+                  <a:fillRect l="-919" b="-9901"/>
+                </a:stretch>
+              </a:blipFill>
+            </p:spPr>
+            <p:txBody>
+              <a:bodyPr/>
+              <a:lstStyle/>
+              <a:p>
+                <a:r>
+                  <a:rPr lang="en-US">
+                    <a:noFill/>
+                  </a:rPr>
+                  <a:t> </a:t>
+                </a:r>
+              </a:p>
+            </p:txBody>
+          </p:sp>
+        </mc:Fallback>
+      </mc:AlternateContent>
+    </p:spTree>
+    <p:extLst>
+      <p:ext uri="{BB962C8B-B14F-4D97-AF65-F5344CB8AC3E}">
+        <p14:creationId xmlns:p14="http://schemas.microsoft.com/office/powerpoint/2010/main" val="3601146432"/>
+      </p:ext>
+    </p:extLst>
+  </p:cSld>
+  <p:clrMapOvr>
+    <a:masterClrMapping/>
+  </p:clrMapOvr>
+  <p:timing>
+    <p:tnLst>
+      <p:par>
+        <p:cTn id="1" dur="indefinite" restart="never" nodeType="tmRoot">
+          <p:childTnLst>
+            <p:seq concurrent="1" nextAc="seek">
+              <p:cTn id="2" dur="indefinite" nodeType="mainSeq">
+                <p:childTnLst>
+                  <p:par>
+                    <p:cTn id="3" fill="hold">
+                      <p:stCondLst>
+                        <p:cond delay="indefinite"/>
+                      </p:stCondLst>
+                      <p:childTnLst>
+                        <p:par>
+                          <p:cTn id="4" fill="hold">
+                            <p:stCondLst>
+                              <p:cond delay="0"/>
+                            </p:stCondLst>
+                            <p:childTnLst>
+                              <p:par>
+                                <p:cTn id="5" presetID="1" presetClass="entr" presetSubtype="0" fill="hold" nodeType="clickEffect">
+                                  <p:stCondLst>
+                                    <p:cond delay="0"/>
+                                  </p:stCondLst>
+                                  <p:childTnLst>
+                                    <p:set>
+                                      <p:cBhvr>
+                                        <p:cTn id="6" dur="1" fill="hold">
+                                          <p:stCondLst>
+                                            <p:cond delay="0"/>
+                                          </p:stCondLst>
+                                        </p:cTn>
+                                        <p:tgtEl>
+                                          <p:spTgt spid="9"/>
+                                        </p:tgtEl>
+                                        <p:attrNameLst>
+                                          <p:attrName>style.visibility</p:attrName>
+                                        </p:attrNameLst>
+                                      </p:cBhvr>
+                                      <p:to>
+                                        <p:strVal val="visible"/>
+                                      </p:to>
+                                    </p:set>
+                                  </p:childTnLst>
+                                </p:cTn>
+                              </p:par>
+                            </p:childTnLst>
+                          </p:cTn>
+                        </p:par>
+                      </p:childTnLst>
+                    </p:cTn>
+                  </p:par>
+                  <p:par>
+                    <p:cTn id="7" fill="hold">
+                      <p:stCondLst>
+                        <p:cond delay="indefinite"/>
+                      </p:stCondLst>
+                      <p:childTnLst>
+                        <p:par>
+                          <p:cTn id="8" fill="hold">
+                            <p:stCondLst>
+                              <p:cond delay="0"/>
+                            </p:stCondLst>
+                            <p:childTnLst>
+                              <p:par>
+                                <p:cTn id="9" presetID="1" presetClass="entr" presetSubtype="0" fill="hold" nodeType="clickEffect">
+                                  <p:stCondLst>
+                                    <p:cond delay="0"/>
+                                  </p:stCondLst>
+                                  <p:childTnLst>
+                                    <p:set>
+                                      <p:cBhvr>
+                                        <p:cTn id="10" dur="1" fill="hold">
+                                          <p:stCondLst>
+                                            <p:cond delay="0"/>
+                                          </p:stCondLst>
+                                        </p:cTn>
+                                        <p:tgtEl>
+                                          <p:spTgt spid="17"/>
+                                        </p:tgtEl>
+                                        <p:attrNameLst>
+                                          <p:attrName>style.visibility</p:attrName>
+                                        </p:attrNameLst>
+                                      </p:cBhvr>
+                                      <p:to>
+                                        <p:strVal val="visible"/>
+                                      </p:to>
+                                    </p:set>
+                                  </p:childTnLst>
+                                </p:cTn>
+                              </p:par>
+                            </p:childTnLst>
+                          </p:cTn>
+                        </p:par>
+                      </p:childTnLst>
+                    </p:cTn>
+                  </p:par>
+                  <p:par>
+                    <p:cTn id="11" fill="hold">
+                      <p:stCondLst>
+                        <p:cond delay="indefinite"/>
+                      </p:stCondLst>
+                      <p:childTnLst>
+                        <p:par>
+                          <p:cTn id="12" fill="hold">
+                            <p:stCondLst>
+                              <p:cond delay="0"/>
+                            </p:stCondLst>
+                            <p:childTnLst>
+                              <p:par>
+                                <p:cTn id="13" presetID="1" presetClass="entr" presetSubtype="0" fill="hold" nodeType="clickEffect">
+                                  <p:stCondLst>
+                                    <p:cond delay="0"/>
+                                  </p:stCondLst>
+                                  <p:childTnLst>
+                                    <p:set>
+                                      <p:cBhvr>
+                                        <p:cTn id="14" dur="1" fill="hold">
+                                          <p:stCondLst>
+                                            <p:cond delay="0"/>
+                                          </p:stCondLst>
+                                        </p:cTn>
+                                        <p:tgtEl>
+                                          <p:spTgt spid="19"/>
+                                        </p:tgtEl>
+                                        <p:attrNameLst>
+                                          <p:attrName>style.visibility</p:attrName>
+                                        </p:attrNameLst>
+                                      </p:cBhvr>
+                                      <p:to>
+                                        <p:strVal val="visible"/>
+                                      </p:to>
+                                    </p:set>
+                                  </p:childTnLst>
+                                </p:cTn>
+                              </p:par>
+                            </p:childTnLst>
+                          </p:cTn>
+                        </p:par>
+                      </p:childTnLst>
+                    </p:cTn>
+                  </p:par>
+                  <p:par>
+                    <p:cTn id="15" fill="hold">
+                      <p:stCondLst>
+                        <p:cond delay="indefinite"/>
+                      </p:stCondLst>
+                      <p:childTnLst>
+                        <p:par>
+                          <p:cTn id="16" fill="hold">
+                            <p:stCondLst>
+                              <p:cond delay="0"/>
+                            </p:stCondLst>
+                            <p:childTnLst>
+                              <p:par>
+                                <p:cTn id="17" presetID="1" presetClass="entr" presetSubtype="0" fill="hold" nodeType="clickEffect">
+                                  <p:stCondLst>
+                                    <p:cond delay="0"/>
+                                  </p:stCondLst>
+                                  <p:childTnLst>
+                                    <p:set>
+                                      <p:cBhvr>
+                                        <p:cTn id="18" dur="1" fill="hold">
+                                          <p:stCondLst>
+                                            <p:cond delay="0"/>
+                                          </p:stCondLst>
+                                        </p:cTn>
+                                        <p:tgtEl>
+                                          <p:spTgt spid="25"/>
+                                        </p:tgtEl>
+                                        <p:attrNameLst>
+                                          <p:attrName>style.visibility</p:attrName>
+                                        </p:attrNameLst>
+                                      </p:cBhvr>
+                                      <p:to>
+                                        <p:strVal val="visible"/>
+                                      </p:to>
+                                    </p:set>
+                                  </p:childTnLst>
+                                </p:cTn>
+                              </p:par>
+                            </p:childTnLst>
+                          </p:cTn>
+                        </p:par>
+                      </p:childTnLst>
+                    </p:cTn>
+                  </p:par>
+                  <p:par>
+                    <p:cTn id="19" fill="hold">
+                      <p:stCondLst>
+                        <p:cond delay="indefinite"/>
+                      </p:stCondLst>
+                      <p:childTnLst>
+                        <p:par>
+                          <p:cTn id="20" fill="hold">
+                            <p:stCondLst>
+                              <p:cond delay="0"/>
+                            </p:stCondLst>
+                            <p:childTnLst>
+                              <p:par>
+                                <p:cTn id="21" presetID="1" presetClass="entr" presetSubtype="0" fill="hold" nodeType="clickEffect">
+                                  <p:stCondLst>
+                                    <p:cond delay="0"/>
+                                  </p:stCondLst>
+                                  <p:childTnLst>
+                                    <p:set>
+                                      <p:cBhvr>
+                                        <p:cTn id="22" dur="1" fill="hold">
+                                          <p:stCondLst>
+                                            <p:cond delay="0"/>
+                                          </p:stCondLst>
+                                        </p:cTn>
+                                        <p:tgtEl>
+                                          <p:spTgt spid="23"/>
+                                        </p:tgtEl>
+                                        <p:attrNameLst>
+                                          <p:attrName>style.visibility</p:attrName>
+                                        </p:attrNameLst>
+                                      </p:cBhvr>
+                                      <p:to>
+                                        <p:strVal val="visible"/>
+                                      </p:to>
+                                    </p:set>
+                                  </p:childTnLst>
+                                </p:cTn>
+                              </p:par>
+                            </p:childTnLst>
+                          </p:cTn>
+                        </p:par>
+                      </p:childTnLst>
+                    </p:cTn>
+                  </p:par>
+                  <p:par>
+                    <p:cTn id="23" fill="hold">
+                      <p:stCondLst>
+                        <p:cond delay="indefinite"/>
+                      </p:stCondLst>
+                      <p:childTnLst>
+                        <p:par>
+                          <p:cTn id="24" fill="hold">
+                            <p:stCondLst>
+                              <p:cond delay="0"/>
+                            </p:stCondLst>
+                            <p:childTnLst>
+                              <p:par>
+                                <p:cTn id="25" presetID="1" presetClass="entr" presetSubtype="0" fill="hold" nodeType="clickEffect">
+                                  <p:stCondLst>
+                                    <p:cond delay="0"/>
+                                  </p:stCondLst>
+                                  <p:childTnLst>
+                                    <p:set>
+                                      <p:cBhvr>
+                                        <p:cTn id="26" dur="1" fill="hold">
+                                          <p:stCondLst>
+                                            <p:cond delay="0"/>
+                                          </p:stCondLst>
+                                        </p:cTn>
+                                        <p:tgtEl>
+                                          <p:spTgt spid="21"/>
+                                        </p:tgtEl>
+                                        <p:attrNameLst>
+                                          <p:attrName>style.visibility</p:attrName>
+                                        </p:attrNameLst>
+                                      </p:cBhvr>
+                                      <p:to>
+                                        <p:strVal val="visible"/>
+                                      </p:to>
+                                    </p:set>
+                                  </p:childTnLst>
+                                </p:cTn>
+                              </p:par>
+                            </p:childTnLst>
+                          </p:cTn>
+                        </p:par>
+                      </p:childTnLst>
+                    </p:cTn>
+                  </p:par>
+                </p:childTnLst>
+              </p:cTn>
+              <p:prevCondLst>
+                <p:cond evt="onPrev" delay="0">
+                  <p:tgtEl>
+                    <p:sldTgt/>
+                  </p:tgtEl>
+                </p:cond>
+              </p:prevCondLst>
+              <p:nextCondLst>
+                <p:cond evt="onNext" delay="0">
+                  <p:tgtEl>
+                    <p:sldTgt/>
+                  </p:tgtEl>
+                </p:cond>
+              </p:nextCondLst>
+            </p:seq>
+          </p:childTnLst>
+        </p:cTn>
+      </p:par>
+    </p:tnLst>
+  </p:timing>
+</p:sld>
+</file>
+
+<file path=ppt/slides/slide9.xml><?xml version="1.0" encoding="utf-8"?>
+<p:sld xmlns:a="http://schemas.openxmlformats.org/drawingml/2006/main" xmlns:r="http://schemas.openxmlformats.org/officeDocument/2006/relationships" xmlns:p="http://schemas.openxmlformats.org/presentationml/2006/main">
+  <p:cSld>
+    <p:spTree>
+      <p:nvGrpSpPr>
+        <p:cNvPr id="1" name="">
+          <a:extLst>
+            <a:ext uri="{FF2B5EF4-FFF2-40B4-BE49-F238E27FC236}">
+              <a16:creationId xmlns:a16="http://schemas.microsoft.com/office/drawing/2014/main" id="{9DF75526-AF03-9F25-0B9C-B545083AF77C}"/>
+            </a:ext>
+          </a:extLst>
+        </p:cNvPr>
+        <p:cNvGrpSpPr/>
+        <p:nvPr/>
+      </p:nvGrpSpPr>
+      <p:grpSpPr>
+        <a:xfrm>
+          <a:off x="0" y="0"/>
+          <a:ext cx="0" cy="0"/>
+          <a:chOff x="0" y="0"/>
+          <a:chExt cx="0" cy="0"/>
+        </a:xfrm>
+      </p:grpSpPr>
+      <p:pic>
+        <p:nvPicPr>
+          <p:cNvPr id="25" name="Grafik 24">
+            <a:extLst>
+              <a:ext uri="{FF2B5EF4-FFF2-40B4-BE49-F238E27FC236}">
+                <a16:creationId xmlns:a16="http://schemas.microsoft.com/office/drawing/2014/main" id="{B736BEBC-3E58-BD30-DD8B-92336FB37E5E}"/>
+              </a:ext>
+            </a:extLst>
+          </p:cNvPr>
+          <p:cNvPicPr>
+            <a:picLocks noChangeAspect="1"/>
+          </p:cNvPicPr>
+          <p:nvPr/>
+        </p:nvPicPr>
+        <p:blipFill>
+          <a:blip r:embed="rId3"/>
+          <a:srcRect/>
+          <a:stretch/>
+        </p:blipFill>
+        <p:spPr>
+          <a:xfrm>
+            <a:off x="6480000" y="1036800"/>
+            <a:ext cx="5852172" cy="4389129"/>
+          </a:xfrm>
+          <a:prstGeom prst="rect">
+            <a:avLst/>
+          </a:prstGeom>
+        </p:spPr>
+      </p:pic>
+      <p:pic>
+        <p:nvPicPr>
+          <p:cNvPr id="15" name="Grafik 14">
+            <a:extLst>
+              <a:ext uri="{FF2B5EF4-FFF2-40B4-BE49-F238E27FC236}">
+                <a16:creationId xmlns:a16="http://schemas.microsoft.com/office/drawing/2014/main" id="{BF0935CA-7392-F2BD-1D04-8F25A68072CB}"/>
+              </a:ext>
+            </a:extLst>
+          </p:cNvPr>
+          <p:cNvPicPr>
+            <a:picLocks noChangeAspect="1"/>
+          </p:cNvPicPr>
+          <p:nvPr/>
+        </p:nvPicPr>
+        <p:blipFill>
+          <a:blip r:embed="rId4"/>
+          <a:stretch>
+            <a:fillRect/>
+          </a:stretch>
+        </p:blipFill>
+        <p:spPr>
+          <a:xfrm>
+            <a:off x="6480000" y="1036800"/>
+            <a:ext cx="5852172" cy="4389129"/>
+          </a:xfrm>
+          <a:prstGeom prst="rect">
+            <a:avLst/>
+          </a:prstGeom>
+        </p:spPr>
+      </p:pic>
+      <p:pic>
+        <p:nvPicPr>
+          <p:cNvPr id="9" name="Grafik 8">
+            <a:extLst>
+              <a:ext uri="{FF2B5EF4-FFF2-40B4-BE49-F238E27FC236}">
+                <a16:creationId xmlns:a16="http://schemas.microsoft.com/office/drawing/2014/main" id="{5841CE27-5ADA-3ED2-E423-21CBB0D54253}"/>
+              </a:ext>
+            </a:extLst>
+          </p:cNvPr>
+          <p:cNvPicPr>
+            <a:picLocks noChangeAspect="1"/>
+          </p:cNvPicPr>
+          <p:nvPr/>
+        </p:nvPicPr>
+        <p:blipFill>
+          <a:blip r:embed="rId5"/>
+          <a:srcRect/>
+          <a:stretch/>
+        </p:blipFill>
+        <p:spPr>
+          <a:xfrm>
+            <a:off x="475798" y="1035374"/>
+            <a:ext cx="5899778" cy="4424833"/>
+          </a:xfrm>
+          <a:prstGeom prst="rect">
+            <a:avLst/>
+          </a:prstGeom>
+        </p:spPr>
+      </p:pic>
+      <p:pic>
+        <p:nvPicPr>
+          <p:cNvPr id="11" name="Grafik 10">
+            <a:extLst>
+              <a:ext uri="{FF2B5EF4-FFF2-40B4-BE49-F238E27FC236}">
+                <a16:creationId xmlns:a16="http://schemas.microsoft.com/office/drawing/2014/main" id="{42DE0335-CD0A-BADA-3C31-EEDF7F6281AE}"/>
+              </a:ext>
+            </a:extLst>
+          </p:cNvPr>
+          <p:cNvPicPr>
+            <a:picLocks noChangeAspect="1"/>
+          </p:cNvPicPr>
+          <p:nvPr/>
+        </p:nvPicPr>
+        <p:blipFill>
+          <a:blip r:embed="rId6"/>
+          <a:stretch>
+            <a:fillRect/>
+          </a:stretch>
+        </p:blipFill>
+        <p:spPr>
+          <a:xfrm>
+            <a:off x="475200" y="1036800"/>
+            <a:ext cx="5852172" cy="4389129"/>
+          </a:xfrm>
+          <a:prstGeom prst="rect">
+            <a:avLst/>
+          </a:prstGeom>
+        </p:spPr>
+      </p:pic>
+      <mc:AlternateContent xmlns:mc="http://schemas.openxmlformats.org/markup-compatibility/2006" xmlns:a14="http://schemas.microsoft.com/office/drawing/2010/main">
+        <mc:Choice Requires="a14">
+          <p:sp>
+            <p:nvSpPr>
+              <p:cNvPr id="3" name="Titel 2">
+                <a:extLst>
+                  <a:ext uri="{FF2B5EF4-FFF2-40B4-BE49-F238E27FC236}">
+                    <a16:creationId xmlns:a16="http://schemas.microsoft.com/office/drawing/2014/main" id="{5D778EC5-7C53-63ED-A51F-5F25A615DB01}"/>
+                  </a:ext>
+                </a:extLst>
+              </p:cNvPr>
+              <p:cNvSpPr>
+                <a:spLocks noGrp="1"/>
+              </p:cNvSpPr>
+              <p:nvPr>
+                <p:ph type="title"/>
+              </p:nvPr>
+            </p:nvSpPr>
+            <p:spPr>
+              <a:xfrm>
+                <a:off x="1242931" y="304764"/>
+                <a:ext cx="8361074" cy="502595"/>
+              </a:xfrm>
+            </p:spPr>
+            <p:txBody>
+              <a:bodyPr/>
+              <a:lstStyle/>
+              <a:p>
+                <a:pPr algn="ctr"/>
+                <a:r>
+                  <a:rPr lang="en-US" sz="2800" noProof="0" dirty="0"/>
+                  <a:t>Critical </a:t>
+                </a:r>
+                <a:r>
+                  <a:rPr lang="en-US" sz="2800" noProof="0" dirty="0" err="1"/>
+                  <a:t>behaviour</a:t>
+                </a:r>
+                <a:r>
+                  <a:rPr lang="en-US" sz="2800" dirty="0"/>
+                  <a:t>: acceptance rate f and </a:t>
+                </a:r>
+                <a14:m>
+                  <m:oMath xmlns:m="http://schemas.openxmlformats.org/officeDocument/2006/math">
+                    <m:sSub>
+                      <m:sSubPr>
+                        <m:ctrlPr>
+                          <a:rPr lang="en-US" sz="2800" i="1" dirty="0" smtClean="0">
+                            <a:latin typeface="Cambria Math" panose="02040503050406030204" pitchFamily="18" charset="0"/>
+                          </a:rPr>
+                        </m:ctrlPr>
+                      </m:sSubPr>
+                      <m:e>
+                        <m:r>
+                          <a:rPr lang="en-US" sz="2800" i="1" dirty="0" smtClean="0">
+                            <a:latin typeface="Cambria Math" panose="02040503050406030204" pitchFamily="18" charset="0"/>
+                          </a:rPr>
+                          <m:t>𝜏</m:t>
+                        </m:r>
+                      </m:e>
+                      <m:sub>
+                        <m:r>
+                          <a:rPr lang="de-DE" sz="2800" b="1" i="1" dirty="0" smtClean="0">
+                            <a:latin typeface="Cambria Math" panose="02040503050406030204" pitchFamily="18" charset="0"/>
+                          </a:rPr>
+                          <m:t>𝒊𝒏𝒕</m:t>
+                        </m:r>
+                      </m:sub>
+                    </m:sSub>
+                  </m:oMath>
+                </a14:m>
+                <a:endParaRPr lang="en-US" sz="2800" noProof="0" dirty="0"/>
+              </a:p>
+            </p:txBody>
+          </p:sp>
+        </mc:Choice>
+        <mc:Fallback xmlns="">
+          <p:sp>
+            <p:nvSpPr>
+              <p:cNvPr id="3" name="Titel 2">
+                <a:extLst>
+                  <a:ext uri="{FF2B5EF4-FFF2-40B4-BE49-F238E27FC236}">
+                    <a16:creationId xmlns:a16="http://schemas.microsoft.com/office/drawing/2014/main" id="{5D778EC5-7C53-63ED-A51F-5F25A615DB01}"/>
+                  </a:ext>
+                </a:extLst>
+              </p:cNvPr>
+              <p:cNvSpPr>
+                <a:spLocks noGrp="1" noRot="1" noChangeAspect="1" noMove="1" noResize="1" noEditPoints="1" noAdjustHandles="1" noChangeArrowheads="1" noChangeShapeType="1" noTextEdit="1"/>
+              </p:cNvSpPr>
+              <p:nvPr>
+                <p:ph type="title"/>
+              </p:nvPr>
+            </p:nvSpPr>
+            <p:spPr>
+              <a:xfrm>
+                <a:off x="1242931" y="304764"/>
+                <a:ext cx="8361074" cy="502595"/>
+              </a:xfrm>
+              <a:blipFill>
+                <a:blip r:embed="rId7"/>
+                <a:stretch>
+                  <a:fillRect t="-30488" b="-19512"/>
+                </a:stretch>
+              </a:blipFill>
+            </p:spPr>
+            <p:txBody>
+              <a:bodyPr/>
+              <a:lstStyle/>
+              <a:p>
+                <a:r>
+                  <a:rPr lang="en-US">
+                    <a:noFill/>
+                  </a:rPr>
+                  <a:t> </a:t>
+                </a:r>
+              </a:p>
+            </p:txBody>
+          </p:sp>
+        </mc:Fallback>
+      </mc:AlternateContent>
+      <p:sp>
+        <p:nvSpPr>
+          <p:cNvPr id="4" name="Datumsplatzhalter 3">
+            <a:extLst>
+              <a:ext uri="{FF2B5EF4-FFF2-40B4-BE49-F238E27FC236}">
+                <a16:creationId xmlns:a16="http://schemas.microsoft.com/office/drawing/2014/main" id="{B5D2D727-7DBC-03EF-8666-5DB7F56A6227}"/>
+              </a:ext>
+            </a:extLst>
+          </p:cNvPr>
+          <p:cNvSpPr>
+            <a:spLocks noGrp="1"/>
+          </p:cNvSpPr>
+          <p:nvPr>
+            <p:ph type="dt" sz="half" idx="10"/>
+          </p:nvPr>
+        </p:nvSpPr>
+        <p:spPr>
+          <a:xfrm>
+            <a:off x="8785499" y="6323366"/>
+            <a:ext cx="1221711" cy="244830"/>
+          </a:xfrm>
+        </p:spPr>
+        <p:txBody>
+          <a:bodyPr/>
+          <a:lstStyle/>
+          <a:p>
+            <a:r>
+              <a:rPr lang="en-US" dirty="0"/>
+              <a:t>06.03.2025</a:t>
+            </a:r>
+          </a:p>
+        </p:txBody>
+      </p:sp>
+      <p:sp>
+        <p:nvSpPr>
+          <p:cNvPr id="5" name="Fußzeilenplatzhalter 4">
+            <a:extLst>
+              <a:ext uri="{FF2B5EF4-FFF2-40B4-BE49-F238E27FC236}">
+                <a16:creationId xmlns:a16="http://schemas.microsoft.com/office/drawing/2014/main" id="{F70A43F3-A3ED-2717-F228-7DAF452BEC5B}"/>
+              </a:ext>
+            </a:extLst>
+          </p:cNvPr>
+          <p:cNvSpPr>
+            <a:spLocks noGrp="1"/>
+          </p:cNvSpPr>
+          <p:nvPr>
+            <p:ph type="ftr" sz="quarter" idx="11"/>
+          </p:nvPr>
+        </p:nvSpPr>
+        <p:spPr/>
+        <p:txBody>
+          <a:bodyPr/>
+          <a:lstStyle/>
+          <a:p>
+            <a:r>
+              <a:rPr lang="en-US" dirty="0"/>
+              <a:t>Simulating Self-Avoiding Polymers </a:t>
+            </a:r>
+          </a:p>
+        </p:txBody>
+      </p:sp>
+      <p:sp>
+        <p:nvSpPr>
+          <p:cNvPr id="7" name="Foliennummernplatzhalter 6">
+            <a:extLst>
+              <a:ext uri="{FF2B5EF4-FFF2-40B4-BE49-F238E27FC236}">
+                <a16:creationId xmlns:a16="http://schemas.microsoft.com/office/drawing/2014/main" id="{6ADA9866-8E68-9C69-9AD1-FCAC47519D91}"/>
+              </a:ext>
+            </a:extLst>
+          </p:cNvPr>
+          <p:cNvSpPr>
+            <a:spLocks noGrp="1"/>
+          </p:cNvSpPr>
+          <p:nvPr>
+            <p:ph type="sldNum" sz="quarter" idx="12"/>
+          </p:nvPr>
+        </p:nvSpPr>
+        <p:spPr>
+          <a:xfrm>
+            <a:off x="8764911" y="6328378"/>
+            <a:ext cx="2743200" cy="244830"/>
+          </a:xfrm>
+        </p:spPr>
+        <p:txBody>
+          <a:bodyPr/>
+          <a:lstStyle/>
+          <a:p>
+            <a:r>
+              <a:rPr lang="de-DE" sz="1400" dirty="0"/>
+              <a:t>1</a:t>
+            </a:r>
+            <a:endParaRPr lang="en-US" sz="1400" dirty="0"/>
+          </a:p>
+        </p:txBody>
+      </p:sp>
+      <mc:AlternateContent xmlns:mc="http://schemas.openxmlformats.org/markup-compatibility/2006" xmlns:a14="http://schemas.microsoft.com/office/drawing/2010/main">
+        <mc:Choice Requires="a14">
+          <p:sp>
+            <p:nvSpPr>
+              <p:cNvPr id="8" name="Textfeld 7">
+                <a:extLst>
+                  <a:ext uri="{FF2B5EF4-FFF2-40B4-BE49-F238E27FC236}">
+                    <a16:creationId xmlns:a16="http://schemas.microsoft.com/office/drawing/2014/main" id="{85328E49-714D-F454-37D0-41A071CD10A3}"/>
+                  </a:ext>
+                </a:extLst>
+              </p:cNvPr>
+              <p:cNvSpPr txBox="1"/>
+              <p:nvPr/>
+            </p:nvSpPr>
+            <p:spPr>
+              <a:xfrm>
+                <a:off x="1123196" y="799072"/>
+                <a:ext cx="3314168" cy="461665"/>
+              </a:xfrm>
+              <a:prstGeom prst="rect">
+                <a:avLst/>
+              </a:prstGeom>
+              <a:noFill/>
+            </p:spPr>
+            <p:txBody>
+              <a:bodyPr wrap="square">
+                <a:spAutoFit/>
+              </a:bodyPr>
+              <a:lstStyle/>
+              <a:p>
+                <a:pPr>
+                  <a:buClr>
+                    <a:schemeClr val="tx2"/>
+                  </a:buClr>
+                  <a:buSzPct val="120000"/>
+                </a:pPr>
+                <a:r>
+                  <a:rPr lang="de-DE" sz="2400" dirty="0"/>
+                  <a:t>Fit </a:t>
+                </a:r>
+                <a:r>
+                  <a:rPr lang="de-DE" sz="2400" dirty="0" err="1"/>
+                  <a:t>function</a:t>
+                </a:r>
+                <a:r>
+                  <a:rPr lang="de-DE" sz="2400" dirty="0"/>
+                  <a:t>: </a:t>
+                </a:r>
+                <a14:m>
+                  <m:oMath xmlns:m="http://schemas.openxmlformats.org/officeDocument/2006/math">
+                    <m:r>
+                      <a:rPr lang="de-DE" sz="2400" b="0" i="1" smtClean="0">
+                        <a:latin typeface="Cambria Math" panose="02040503050406030204" pitchFamily="18" charset="0"/>
+                      </a:rPr>
+                      <m:t>𝐴</m:t>
+                    </m:r>
+                    <m:r>
+                      <a:rPr lang="de-DE" sz="2400" b="0" i="1" smtClean="0">
+                        <a:latin typeface="Cambria Math" panose="02040503050406030204" pitchFamily="18" charset="0"/>
+                      </a:rPr>
+                      <m:t>⋅</m:t>
+                    </m:r>
+                    <m:sSup>
+                      <m:sSupPr>
+                        <m:ctrlPr>
+                          <a:rPr lang="de-DE" sz="2400" b="0" i="1" smtClean="0">
+                            <a:latin typeface="Cambria Math" panose="02040503050406030204" pitchFamily="18" charset="0"/>
+                          </a:rPr>
+                        </m:ctrlPr>
+                      </m:sSupPr>
+                      <m:e>
+                        <m:r>
+                          <a:rPr lang="de-DE" sz="2400" b="0" i="1" smtClean="0">
+                            <a:latin typeface="Cambria Math" panose="02040503050406030204" pitchFamily="18" charset="0"/>
+                          </a:rPr>
+                          <m:t>𝑁</m:t>
+                        </m:r>
+                      </m:e>
+                      <m:sup>
+                        <m:r>
+                          <a:rPr lang="de-DE" sz="2400" b="0" i="1" smtClean="0">
+                            <a:latin typeface="Cambria Math" panose="02040503050406030204" pitchFamily="18" charset="0"/>
+                          </a:rPr>
+                          <m:t>−</m:t>
+                        </m:r>
+                        <m:r>
+                          <a:rPr lang="de-DE" sz="2400" b="0" i="1" smtClean="0">
+                            <a:latin typeface="Cambria Math" panose="02040503050406030204" pitchFamily="18" charset="0"/>
+                          </a:rPr>
+                          <m:t>𝑝</m:t>
+                        </m:r>
+                      </m:sup>
+                    </m:sSup>
+                  </m:oMath>
+                </a14:m>
+                <a:endParaRPr lang="de-DE" sz="2400" dirty="0"/>
+              </a:p>
+            </p:txBody>
+          </p:sp>
+        </mc:Choice>
+        <mc:Fallback xmlns="">
+          <p:sp>
+            <p:nvSpPr>
+              <p:cNvPr id="8" name="Textfeld 7">
+                <a:extLst>
+                  <a:ext uri="{FF2B5EF4-FFF2-40B4-BE49-F238E27FC236}">
+                    <a16:creationId xmlns:a16="http://schemas.microsoft.com/office/drawing/2014/main" id="{85328E49-714D-F454-37D0-41A071CD10A3}"/>
+                  </a:ext>
+                </a:extLst>
+              </p:cNvPr>
+              <p:cNvSpPr txBox="1">
+                <a:spLocks noRot="1" noChangeAspect="1" noMove="1" noResize="1" noEditPoints="1" noAdjustHandles="1" noChangeArrowheads="1" noChangeShapeType="1" noTextEdit="1"/>
+              </p:cNvSpPr>
+              <p:nvPr/>
+            </p:nvSpPr>
+            <p:spPr>
+              <a:xfrm>
+                <a:off x="1123196" y="799072"/>
+                <a:ext cx="3314168" cy="461665"/>
+              </a:xfrm>
+              <a:prstGeom prst="rect">
+                <a:avLst/>
+              </a:prstGeom>
+              <a:blipFill>
+                <a:blip r:embed="rId8"/>
+                <a:stretch>
+                  <a:fillRect l="-2757" t="-9211" b="-30263"/>
+                </a:stretch>
+              </a:blipFill>
+            </p:spPr>
+            <p:txBody>
+              <a:bodyPr/>
+              <a:lstStyle/>
+              <a:p>
+                <a:r>
+                  <a:rPr lang="en-US">
+                    <a:noFill/>
+                  </a:rPr>
+                  <a:t> </a:t>
+                </a:r>
+              </a:p>
+            </p:txBody>
+          </p:sp>
+        </mc:Fallback>
+      </mc:AlternateContent>
+      <mc:AlternateContent xmlns:mc="http://schemas.openxmlformats.org/markup-compatibility/2006" xmlns:a14="http://schemas.microsoft.com/office/drawing/2010/main">
+        <mc:Choice Requires="a14">
+          <p:sp>
+            <p:nvSpPr>
+              <p:cNvPr id="10" name="Textfeld 9">
+                <a:extLst>
+                  <a:ext uri="{FF2B5EF4-FFF2-40B4-BE49-F238E27FC236}">
+                    <a16:creationId xmlns:a16="http://schemas.microsoft.com/office/drawing/2014/main" id="{3C6A5C3A-DCCC-AB91-FDB3-55820C6753C0}"/>
+                  </a:ext>
+                </a:extLst>
+              </p:cNvPr>
+              <p:cNvSpPr txBox="1"/>
+              <p:nvPr/>
+            </p:nvSpPr>
+            <p:spPr>
+              <a:xfrm>
+                <a:off x="661486" y="5491330"/>
+                <a:ext cx="5098131" cy="461665"/>
               </a:xfrm>
               <a:prstGeom prst="rect">
                 <a:avLst/>
@@ -8225,48 +13068,43 @@
                       <m:jc m:val="centerGroup"/>
                     </m:oMathParaPr>
                     <m:oMath xmlns:m="http://schemas.openxmlformats.org/officeDocument/2006/math">
-                      <m:r>
-                        <a:rPr lang="de-DE" sz="2400" i="1" smtClean="0">
-                          <a:latin typeface="Cambria Math" panose="02040503050406030204" pitchFamily="18" charset="0"/>
-                          <a:ea typeface="Cambria Math" panose="02040503050406030204" pitchFamily="18" charset="0"/>
-                        </a:rPr>
-                        <m:t>∝</m:t>
-                      </m:r>
-                      <m:sSup>
-                        <m:sSupPr>
+                      <m:sSub>
+                        <m:sSubPr>
                           <m:ctrlPr>
-                            <a:rPr lang="de-DE" sz="2400" b="0" i="1" smtClean="0">
+                            <a:rPr lang="de-DE" sz="2400" i="1" dirty="0" smtClean="0">
                               <a:latin typeface="Cambria Math" panose="02040503050406030204" pitchFamily="18" charset="0"/>
-                              <a:ea typeface="Cambria Math" panose="02040503050406030204" pitchFamily="18" charset="0"/>
                             </a:rPr>
                           </m:ctrlPr>
-                        </m:sSupPr>
+                        </m:sSubPr>
                         <m:e>
                           <m:r>
-                            <a:rPr lang="de-DE" sz="2400" b="0" i="1" smtClean="0">
+                            <a:rPr lang="de-DE" sz="2400" i="1" dirty="0" smtClean="0">
                               <a:latin typeface="Cambria Math" panose="02040503050406030204" pitchFamily="18" charset="0"/>
-                              <a:ea typeface="Cambria Math" panose="02040503050406030204" pitchFamily="18" charset="0"/>
-                            </a:rPr>
-                            <m:t>𝑁</m:t>
-                          </m:r>
-                        </m:e>
-                        <m:sup>
-                          <m:r>
-                            <a:rPr lang="de-DE" sz="2400" b="0" i="1" smtClean="0">
-                              <a:latin typeface="Cambria Math" panose="02040503050406030204" pitchFamily="18" charset="0"/>
-                              <a:ea typeface="Cambria Math" panose="02040503050406030204" pitchFamily="18" charset="0"/>
-                            </a:rPr>
-                            <m:t>−</m:t>
-                          </m:r>
-                          <m:r>
-                            <a:rPr lang="de-DE" sz="2400" b="0" i="1" smtClean="0">
-                              <a:latin typeface="Cambria Math" panose="02040503050406030204" pitchFamily="18" charset="0"/>
-                              <a:ea typeface="Cambria Math" panose="02040503050406030204" pitchFamily="18" charset="0"/>
                             </a:rPr>
                             <m:t>𝑝</m:t>
                           </m:r>
-                        </m:sup>
-                      </m:sSup>
+                        </m:e>
+                        <m:sub>
+                          <m:r>
+                            <a:rPr lang="de-DE" sz="2400" i="1" dirty="0" err="1" smtClean="0">
+                              <a:latin typeface="Cambria Math" panose="02040503050406030204" pitchFamily="18" charset="0"/>
+                            </a:rPr>
+                            <m:t>𝑆𝑜𝑘𝑎𝑙</m:t>
+                          </m:r>
+                        </m:sub>
+                      </m:sSub>
+                      <m:r>
+                        <a:rPr lang="de-DE" sz="2400" b="0" i="1" dirty="0" smtClean="0">
+                          <a:latin typeface="Cambria Math" panose="02040503050406030204" pitchFamily="18" charset="0"/>
+                        </a:rPr>
+                        <m:t>=</m:t>
+                      </m:r>
+                      <m:r>
+                        <a:rPr lang="de-DE" sz="2400" i="1" dirty="0" smtClean="0">
+                          <a:latin typeface="Cambria Math" panose="02040503050406030204" pitchFamily="18" charset="0"/>
+                        </a:rPr>
+                        <m:t>0.1918±0.0013</m:t>
+                      </m:r>
                     </m:oMath>
                   </m:oMathPara>
                 </a14:m>
@@ -8275,13 +13113,13 @@
             </p:txBody>
           </p:sp>
         </mc:Choice>
-        <mc:Fallback>
+        <mc:Fallback xmlns="">
           <p:sp>
             <p:nvSpPr>
-              <p:cNvPr id="15" name="Textfeld 14">
+              <p:cNvPr id="10" name="Textfeld 9">
                 <a:extLst>
                   <a:ext uri="{FF2B5EF4-FFF2-40B4-BE49-F238E27FC236}">
-                    <a16:creationId xmlns:a16="http://schemas.microsoft.com/office/drawing/2014/main" id="{E0FE99FD-5319-ACDF-D989-353276C577E2}"/>
+                    <a16:creationId xmlns:a16="http://schemas.microsoft.com/office/drawing/2014/main" id="{3C6A5C3A-DCCC-AB91-FDB3-55820C6753C0}"/>
                   </a:ext>
                 </a:extLst>
               </p:cNvPr>
@@ -8292,16 +13130,16 @@
             </p:nvSpPr>
             <p:spPr>
               <a:xfrm>
-                <a:off x="2666193" y="3936011"/>
-                <a:ext cx="3235333" cy="461665"/>
+                <a:off x="661486" y="5491330"/>
+                <a:ext cx="5098131" cy="461665"/>
               </a:xfrm>
               <a:prstGeom prst="rect">
                 <a:avLst/>
               </a:prstGeom>
               <a:blipFill>
-                <a:blip r:embed="rId7"/>
+                <a:blip r:embed="rId9"/>
                 <a:stretch>
-                  <a:fillRect t="-9333" b="-32000"/>
+                  <a:fillRect t="-9211" b="-30263"/>
                 </a:stretch>
               </a:blipFill>
             </p:spPr>
@@ -8320,14 +13158,14 @@
           </p:sp>
         </mc:Fallback>
       </mc:AlternateContent>
-      <mc:AlternateContent xmlns:mc="http://schemas.openxmlformats.org/markup-compatibility/2006">
-        <mc:Choice xmlns:a14="http://schemas.microsoft.com/office/drawing/2010/main" Requires="a14">
+      <mc:AlternateContent xmlns:mc="http://schemas.openxmlformats.org/markup-compatibility/2006" xmlns:a14="http://schemas.microsoft.com/office/drawing/2010/main">
+        <mc:Choice Requires="a14">
           <p:sp>
             <p:nvSpPr>
-              <p:cNvPr id="16" name="Textfeld 15">
+              <p:cNvPr id="18" name="Textfeld 17">
                 <a:extLst>
                   <a:ext uri="{FF2B5EF4-FFF2-40B4-BE49-F238E27FC236}">
-                    <a16:creationId xmlns:a16="http://schemas.microsoft.com/office/drawing/2014/main" id="{E4001F31-6DDD-CFE9-FC81-BF49D67AA822}"/>
+                    <a16:creationId xmlns:a16="http://schemas.microsoft.com/office/drawing/2014/main" id="{C423A3E9-0E17-2D2B-4CCC-F5F1E8A7FB90}"/>
                   </a:ext>
                 </a:extLst>
               </p:cNvPr>
@@ -8336,8 +13174,8 @@
             </p:nvSpPr>
             <p:spPr>
               <a:xfrm>
-                <a:off x="3521107" y="4782000"/>
-                <a:ext cx="3235333" cy="461665"/>
+                <a:off x="5876303" y="5491330"/>
+                <a:ext cx="6165186" cy="530402"/>
               </a:xfrm>
               <a:prstGeom prst="rect">
                 <a:avLst/>
@@ -8350,68 +13188,110 @@
               </a:bodyPr>
               <a:lstStyle/>
               <a:p>
-                <a:pPr>
-                  <a:buClr>
-                    <a:schemeClr val="tx2"/>
-                  </a:buClr>
-                  <a:buSzPct val="120000"/>
-                </a:pPr>
+                <a:pPr/>
                 <a14:m>
                   <m:oMathPara xmlns:m="http://schemas.openxmlformats.org/officeDocument/2006/math">
                     <m:oMathParaPr>
                       <m:jc m:val="centerGroup"/>
                     </m:oMathParaPr>
                     <m:oMath xmlns:m="http://schemas.openxmlformats.org/officeDocument/2006/math">
-                      <m:r>
-                        <a:rPr lang="de-DE" sz="2400" i="1" smtClean="0">
-                          <a:latin typeface="Cambria Math" panose="02040503050406030204" pitchFamily="18" charset="0"/>
-                          <a:ea typeface="Cambria Math" panose="02040503050406030204" pitchFamily="18" charset="0"/>
-                        </a:rPr>
-                        <m:t>∝</m:t>
-                      </m:r>
-                      <m:sSup>
-                        <m:sSupPr>
+                      <m:sSubSup>
+                        <m:sSubSupPr>
                           <m:ctrlPr>
-                            <a:rPr lang="de-DE" sz="2400" b="0" i="1" smtClean="0">
+                            <a:rPr lang="de-DE" sz="2400" b="0" i="1" dirty="0" smtClean="0">
                               <a:latin typeface="Cambria Math" panose="02040503050406030204" pitchFamily="18" charset="0"/>
-                              <a:ea typeface="Cambria Math" panose="02040503050406030204" pitchFamily="18" charset="0"/>
                             </a:rPr>
                           </m:ctrlPr>
-                        </m:sSupPr>
+                        </m:sSubSupPr>
                         <m:e>
                           <m:r>
-                            <a:rPr lang="de-DE" sz="2400" b="0" i="1" smtClean="0">
+                            <a:rPr lang="de-DE" sz="2400" b="0" i="1" dirty="0" smtClean="0">
                               <a:latin typeface="Cambria Math" panose="02040503050406030204" pitchFamily="18" charset="0"/>
-                              <a:ea typeface="Cambria Math" panose="02040503050406030204" pitchFamily="18" charset="0"/>
-                            </a:rPr>
-                            <m:t>𝑁</m:t>
-                          </m:r>
-                        </m:e>
-                        <m:sup>
-                          <m:r>
-                            <a:rPr lang="de-DE" sz="2400" b="0" i="1" smtClean="0">
-                              <a:latin typeface="Cambria Math" panose="02040503050406030204" pitchFamily="18" charset="0"/>
-                              <a:ea typeface="Cambria Math" panose="02040503050406030204" pitchFamily="18" charset="0"/>
                             </a:rPr>
                             <m:t>𝑞</m:t>
                           </m:r>
+                        </m:e>
+                        <m:sub>
+                          <m:r>
+                            <a:rPr lang="de-DE" sz="2400" i="1" dirty="0" err="1" smtClean="0">
+                              <a:latin typeface="Cambria Math" panose="02040503050406030204" pitchFamily="18" charset="0"/>
+                            </a:rPr>
+                            <m:t>𝑆𝑜𝑘𝑎𝑙</m:t>
+                          </m:r>
+                        </m:sub>
+                        <m:sup>
+                          <m:sSup>
+                            <m:sSupPr>
+                              <m:ctrlPr>
+                                <a:rPr lang="de-DE" sz="2400" b="0" i="1" dirty="0" smtClean="0">
+                                  <a:latin typeface="Cambria Math" panose="02040503050406030204" pitchFamily="18" charset="0"/>
+                                </a:rPr>
+                              </m:ctrlPr>
+                            </m:sSupPr>
+                            <m:e>
+                              <m:r>
+                                <a:rPr lang="de-DE" sz="2400" b="0" i="1" dirty="0" smtClean="0">
+                                  <a:latin typeface="Cambria Math" panose="02040503050406030204" pitchFamily="18" charset="0"/>
+                                </a:rPr>
+                                <m:t>𝜔</m:t>
+                              </m:r>
+                            </m:e>
+                            <m:sup>
+                              <m:r>
+                                <a:rPr lang="de-DE" sz="2400" b="0" i="1" dirty="0" smtClean="0">
+                                  <a:latin typeface="Cambria Math" panose="02040503050406030204" pitchFamily="18" charset="0"/>
+                                </a:rPr>
+                                <m:t>2</m:t>
+                              </m:r>
+                            </m:sup>
+                          </m:sSup>
                         </m:sup>
-                      </m:sSup>
+                      </m:sSubSup>
+                      <m:r>
+                        <a:rPr lang="de-DE" sz="2400" b="0" i="1" dirty="0" smtClean="0">
+                          <a:latin typeface="Cambria Math" panose="02040503050406030204" pitchFamily="18" charset="0"/>
+                        </a:rPr>
+                        <m:t>=</m:t>
+                      </m:r>
+                      <m:r>
+                        <a:rPr lang="de-DE" sz="2400" i="1" dirty="0" smtClean="0">
+                          <a:latin typeface="Cambria Math" panose="02040503050406030204" pitchFamily="18" charset="0"/>
+                        </a:rPr>
+                        <m:t>0.</m:t>
+                      </m:r>
+                      <m:r>
+                        <a:rPr lang="de-DE" sz="2400" b="0" i="1" dirty="0" smtClean="0">
+                          <a:latin typeface="Cambria Math" panose="02040503050406030204" pitchFamily="18" charset="0"/>
+                        </a:rPr>
+                        <m:t>2</m:t>
+                      </m:r>
+                      <m:r>
+                        <a:rPr lang="de-DE" sz="2400" i="1" dirty="0" smtClean="0">
+                          <a:latin typeface="Cambria Math" panose="02040503050406030204" pitchFamily="18" charset="0"/>
+                        </a:rPr>
+                        <m:t>18±0.0</m:t>
+                      </m:r>
+                      <m:r>
+                        <a:rPr lang="de-DE" sz="2400" b="0" i="1" dirty="0" smtClean="0">
+                          <a:latin typeface="Cambria Math" panose="02040503050406030204" pitchFamily="18" charset="0"/>
+                        </a:rPr>
+                        <m:t>10</m:t>
+                      </m:r>
                     </m:oMath>
                   </m:oMathPara>
                 </a14:m>
-                <a:endParaRPr lang="de-DE" sz="2400" dirty="0"/>
+                <a:endParaRPr lang="en-US" sz="2400" dirty="0"/>
               </a:p>
             </p:txBody>
           </p:sp>
         </mc:Choice>
-        <mc:Fallback>
+        <mc:Fallback xmlns="">
           <p:sp>
             <p:nvSpPr>
-              <p:cNvPr id="16" name="Textfeld 15">
+              <p:cNvPr id="18" name="Textfeld 17">
                 <a:extLst>
                   <a:ext uri="{FF2B5EF4-FFF2-40B4-BE49-F238E27FC236}">
-                    <a16:creationId xmlns:a16="http://schemas.microsoft.com/office/drawing/2014/main" id="{E4001F31-6DDD-CFE9-FC81-BF49D67AA822}"/>
+                    <a16:creationId xmlns:a16="http://schemas.microsoft.com/office/drawing/2014/main" id="{C423A3E9-0E17-2D2B-4CCC-F5F1E8A7FB90}"/>
                   </a:ext>
                 </a:extLst>
               </p:cNvPr>
@@ -8422,16 +13302,179 @@
             </p:nvSpPr>
             <p:spPr>
               <a:xfrm>
-                <a:off x="3521107" y="4782000"/>
-                <a:ext cx="3235333" cy="461665"/>
+                <a:off x="5876303" y="5491330"/>
+                <a:ext cx="6165186" cy="530402"/>
               </a:xfrm>
               <a:prstGeom prst="rect">
                 <a:avLst/>
               </a:prstGeom>
               <a:blipFill>
-                <a:blip r:embed="rId8"/>
+                <a:blip r:embed="rId10"/>
                 <a:stretch>
-                  <a:fillRect t="-9211" b="-30263"/>
+                  <a:fillRect b="-26437"/>
+                </a:stretch>
+              </a:blipFill>
+            </p:spPr>
+            <p:txBody>
+              <a:bodyPr/>
+              <a:lstStyle/>
+              <a:p>
+                <a:r>
+                  <a:rPr lang="en-US">
+                    <a:noFill/>
+                  </a:rPr>
+                  <a:t> </a:t>
+                </a:r>
+              </a:p>
+            </p:txBody>
+          </p:sp>
+        </mc:Fallback>
+      </mc:AlternateContent>
+      <p:pic>
+        <p:nvPicPr>
+          <p:cNvPr id="22" name="Grafik 21">
+            <a:extLst>
+              <a:ext uri="{FF2B5EF4-FFF2-40B4-BE49-F238E27FC236}">
+                <a16:creationId xmlns:a16="http://schemas.microsoft.com/office/drawing/2014/main" id="{F1443F94-D01D-AD59-59E8-ECDAFCCFA263}"/>
+              </a:ext>
+            </a:extLst>
+          </p:cNvPr>
+          <p:cNvPicPr>
+            <a:picLocks noChangeAspect="1"/>
+          </p:cNvPicPr>
+          <p:nvPr/>
+        </p:nvPicPr>
+        <p:blipFill>
+          <a:blip r:embed="rId11"/>
+          <a:stretch>
+            <a:fillRect/>
+          </a:stretch>
+        </p:blipFill>
+        <p:spPr>
+          <a:xfrm>
+            <a:off x="6480000" y="1036800"/>
+            <a:ext cx="5852172" cy="4389129"/>
+          </a:xfrm>
+          <a:prstGeom prst="rect">
+            <a:avLst/>
+          </a:prstGeom>
+        </p:spPr>
+      </p:pic>
+      <mc:AlternateContent xmlns:mc="http://schemas.openxmlformats.org/markup-compatibility/2006" xmlns:a14="http://schemas.microsoft.com/office/drawing/2010/main">
+        <mc:Choice Requires="a14">
+          <p:sp>
+            <p:nvSpPr>
+              <p:cNvPr id="13" name="Textfeld 12">
+                <a:extLst>
+                  <a:ext uri="{FF2B5EF4-FFF2-40B4-BE49-F238E27FC236}">
+                    <a16:creationId xmlns:a16="http://schemas.microsoft.com/office/drawing/2014/main" id="{B8787F2F-88A0-C094-C31A-096BC0FD14AB}"/>
+                  </a:ext>
+                </a:extLst>
+              </p:cNvPr>
+              <p:cNvSpPr txBox="1"/>
+              <p:nvPr/>
+            </p:nvSpPr>
+            <p:spPr>
+              <a:xfrm>
+                <a:off x="7122081" y="860326"/>
+                <a:ext cx="3673630" cy="461665"/>
+              </a:xfrm>
+              <a:prstGeom prst="rect">
+                <a:avLst/>
+              </a:prstGeom>
+              <a:noFill/>
+            </p:spPr>
+            <p:txBody>
+              <a:bodyPr wrap="square">
+                <a:spAutoFit/>
+              </a:bodyPr>
+              <a:lstStyle/>
+              <a:p>
+                <a:r>
+                  <a:rPr lang="de-DE" sz="2400" dirty="0"/>
+                  <a:t>Fit </a:t>
+                </a:r>
+                <a:r>
+                  <a:rPr lang="de-DE" sz="2400" dirty="0" err="1"/>
+                  <a:t>function</a:t>
+                </a:r>
+                <a:r>
+                  <a:rPr lang="de-DE" sz="2400" dirty="0"/>
+                  <a:t>: </a:t>
+                </a:r>
+                <a14:m>
+                  <m:oMath xmlns:m="http://schemas.openxmlformats.org/officeDocument/2006/math">
+                    <m:r>
+                      <a:rPr lang="de-DE" sz="2400" b="0" i="1" smtClean="0">
+                        <a:latin typeface="Cambria Math" panose="02040503050406030204" pitchFamily="18" charset="0"/>
+                      </a:rPr>
+                      <m:t>𝐴</m:t>
+                    </m:r>
+                    <m:r>
+                      <a:rPr lang="de-DE" sz="2400" b="0" i="1" smtClean="0">
+                        <a:latin typeface="Cambria Math" panose="02040503050406030204" pitchFamily="18" charset="0"/>
+                      </a:rPr>
+                      <m:t>⋅</m:t>
+                    </m:r>
+                    <m:sSup>
+                      <m:sSupPr>
+                        <m:ctrlPr>
+                          <a:rPr lang="de-DE" sz="2400" b="0" i="1" smtClean="0">
+                            <a:latin typeface="Cambria Math" panose="02040503050406030204" pitchFamily="18" charset="0"/>
+                          </a:rPr>
+                        </m:ctrlPr>
+                      </m:sSupPr>
+                      <m:e>
+                        <m:r>
+                          <a:rPr lang="de-DE" sz="2400" b="0" i="1" smtClean="0">
+                            <a:latin typeface="Cambria Math" panose="02040503050406030204" pitchFamily="18" charset="0"/>
+                          </a:rPr>
+                          <m:t>𝑁</m:t>
+                        </m:r>
+                      </m:e>
+                      <m:sup>
+                        <m:r>
+                          <a:rPr lang="de-DE" sz="2400" b="0" i="1" smtClean="0">
+                            <a:latin typeface="Cambria Math" panose="02040503050406030204" pitchFamily="18" charset="0"/>
+                          </a:rPr>
+                          <m:t>𝑞</m:t>
+                        </m:r>
+                      </m:sup>
+                    </m:sSup>
+                  </m:oMath>
+                </a14:m>
+                <a:endParaRPr lang="en-US" sz="2400" dirty="0"/>
+              </a:p>
+            </p:txBody>
+          </p:sp>
+        </mc:Choice>
+        <mc:Fallback xmlns="">
+          <p:sp>
+            <p:nvSpPr>
+              <p:cNvPr id="13" name="Textfeld 12">
+                <a:extLst>
+                  <a:ext uri="{FF2B5EF4-FFF2-40B4-BE49-F238E27FC236}">
+                    <a16:creationId xmlns:a16="http://schemas.microsoft.com/office/drawing/2014/main" id="{B8787F2F-88A0-C094-C31A-096BC0FD14AB}"/>
+                  </a:ext>
+                </a:extLst>
+              </p:cNvPr>
+              <p:cNvSpPr txBox="1">
+                <a:spLocks noRot="1" noChangeAspect="1" noMove="1" noResize="1" noEditPoints="1" noAdjustHandles="1" noChangeArrowheads="1" noChangeShapeType="1" noTextEdit="1"/>
+              </p:cNvSpPr>
+              <p:nvPr/>
+            </p:nvSpPr>
+            <p:spPr>
+              <a:xfrm>
+                <a:off x="7122081" y="860326"/>
+                <a:ext cx="3673630" cy="461665"/>
+              </a:xfrm>
+              <a:prstGeom prst="rect">
+                <a:avLst/>
+              </a:prstGeom>
+              <a:blipFill>
+                <a:blip r:embed="rId12"/>
+                <a:stretch>
+                  <a:fillRect l="-2488" t="-9211" b="-30263"/>
                 </a:stretch>
               </a:blipFill>
             </p:spPr>
@@ -8453,13 +13496,268 @@
     </p:spTree>
     <p:extLst>
       <p:ext uri="{BB962C8B-B14F-4D97-AF65-F5344CB8AC3E}">
-        <p14:creationId xmlns:p14="http://schemas.microsoft.com/office/powerpoint/2010/main" val="3809869484"/>
+        <p14:creationId xmlns:p14="http://schemas.microsoft.com/office/powerpoint/2010/main" val="3207428582"/>
       </p:ext>
     </p:extLst>
   </p:cSld>
   <p:clrMapOvr>
     <a:masterClrMapping/>
   </p:clrMapOvr>
+  <p:timing>
+    <p:tnLst>
+      <p:par>
+        <p:cTn id="1" dur="indefinite" restart="never" nodeType="tmRoot">
+          <p:childTnLst>
+            <p:seq concurrent="1" nextAc="seek">
+              <p:cTn id="2" dur="indefinite" nodeType="mainSeq">
+                <p:childTnLst>
+                  <p:par>
+                    <p:cTn id="3" fill="hold">
+                      <p:stCondLst>
+                        <p:cond delay="indefinite"/>
+                      </p:stCondLst>
+                      <p:childTnLst>
+                        <p:par>
+                          <p:cTn id="4" fill="hold">
+                            <p:stCondLst>
+                              <p:cond delay="0"/>
+                            </p:stCondLst>
+                            <p:childTnLst>
+                              <p:par>
+                                <p:cTn id="5" presetID="1" presetClass="entr" presetSubtype="0" fill="hold" nodeType="clickEffect">
+                                  <p:stCondLst>
+                                    <p:cond delay="0"/>
+                                  </p:stCondLst>
+                                  <p:childTnLst>
+                                    <p:set>
+                                      <p:cBhvr>
+                                        <p:cTn id="6" dur="1" fill="hold">
+                                          <p:stCondLst>
+                                            <p:cond delay="0"/>
+                                          </p:stCondLst>
+                                        </p:cTn>
+                                        <p:tgtEl>
+                                          <p:spTgt spid="9"/>
+                                        </p:tgtEl>
+                                        <p:attrNameLst>
+                                          <p:attrName>style.visibility</p:attrName>
+                                        </p:attrNameLst>
+                                      </p:cBhvr>
+                                      <p:to>
+                                        <p:strVal val="visible"/>
+                                      </p:to>
+                                    </p:set>
+                                  </p:childTnLst>
+                                </p:cTn>
+                              </p:par>
+                            </p:childTnLst>
+                          </p:cTn>
+                        </p:par>
+                      </p:childTnLst>
+                    </p:cTn>
+                  </p:par>
+                  <p:par>
+                    <p:cTn id="7" fill="hold">
+                      <p:stCondLst>
+                        <p:cond delay="indefinite"/>
+                      </p:stCondLst>
+                      <p:childTnLst>
+                        <p:par>
+                          <p:cTn id="8" fill="hold">
+                            <p:stCondLst>
+                              <p:cond delay="0"/>
+                            </p:stCondLst>
+                            <p:childTnLst>
+                              <p:par>
+                                <p:cTn id="9" presetID="1" presetClass="entr" presetSubtype="0" fill="hold" nodeType="clickEffect">
+                                  <p:stCondLst>
+                                    <p:cond delay="0"/>
+                                  </p:stCondLst>
+                                  <p:childTnLst>
+                                    <p:set>
+                                      <p:cBhvr>
+                                        <p:cTn id="10" dur="1" fill="hold">
+                                          <p:stCondLst>
+                                            <p:cond delay="0"/>
+                                          </p:stCondLst>
+                                        </p:cTn>
+                                        <p:tgtEl>
+                                          <p:spTgt spid="11"/>
+                                        </p:tgtEl>
+                                        <p:attrNameLst>
+                                          <p:attrName>style.visibility</p:attrName>
+                                        </p:attrNameLst>
+                                      </p:cBhvr>
+                                      <p:to>
+                                        <p:strVal val="visible"/>
+                                      </p:to>
+                                    </p:set>
+                                  </p:childTnLst>
+                                </p:cTn>
+                              </p:par>
+                            </p:childTnLst>
+                          </p:cTn>
+                        </p:par>
+                      </p:childTnLst>
+                    </p:cTn>
+                  </p:par>
+                  <p:par>
+                    <p:cTn id="11" fill="hold">
+                      <p:stCondLst>
+                        <p:cond delay="indefinite"/>
+                      </p:stCondLst>
+                      <p:childTnLst>
+                        <p:par>
+                          <p:cTn id="12" fill="hold">
+                            <p:stCondLst>
+                              <p:cond delay="0"/>
+                            </p:stCondLst>
+                            <p:childTnLst>
+                              <p:par>
+                                <p:cTn id="13" presetID="1" presetClass="entr" presetSubtype="0" fill="hold" nodeType="clickEffect">
+                                  <p:stCondLst>
+                                    <p:cond delay="0"/>
+                                  </p:stCondLst>
+                                  <p:childTnLst>
+                                    <p:set>
+                                      <p:cBhvr>
+                                        <p:cTn id="14" dur="1" fill="hold">
+                                          <p:stCondLst>
+                                            <p:cond delay="0"/>
+                                          </p:stCondLst>
+                                        </p:cTn>
+                                        <p:tgtEl>
+                                          <p:spTgt spid="25"/>
+                                        </p:tgtEl>
+                                        <p:attrNameLst>
+                                          <p:attrName>style.visibility</p:attrName>
+                                        </p:attrNameLst>
+                                      </p:cBhvr>
+                                      <p:to>
+                                        <p:strVal val="visible"/>
+                                      </p:to>
+                                    </p:set>
+                                  </p:childTnLst>
+                                </p:cTn>
+                              </p:par>
+                            </p:childTnLst>
+                          </p:cTn>
+                        </p:par>
+                      </p:childTnLst>
+                    </p:cTn>
+                  </p:par>
+                  <p:par>
+                    <p:cTn id="15" fill="hold">
+                      <p:stCondLst>
+                        <p:cond delay="indefinite"/>
+                      </p:stCondLst>
+                      <p:childTnLst>
+                        <p:par>
+                          <p:cTn id="16" fill="hold">
+                            <p:stCondLst>
+                              <p:cond delay="0"/>
+                            </p:stCondLst>
+                            <p:childTnLst>
+                              <p:par>
+                                <p:cTn id="17" presetID="1" presetClass="entr" presetSubtype="0" fill="hold" nodeType="clickEffect">
+                                  <p:stCondLst>
+                                    <p:cond delay="0"/>
+                                  </p:stCondLst>
+                                  <p:childTnLst>
+                                    <p:set>
+                                      <p:cBhvr>
+                                        <p:cTn id="18" dur="1" fill="hold">
+                                          <p:stCondLst>
+                                            <p:cond delay="0"/>
+                                          </p:stCondLst>
+                                        </p:cTn>
+                                        <p:tgtEl>
+                                          <p:spTgt spid="15"/>
+                                        </p:tgtEl>
+                                        <p:attrNameLst>
+                                          <p:attrName>style.visibility</p:attrName>
+                                        </p:attrNameLst>
+                                      </p:cBhvr>
+                                      <p:to>
+                                        <p:strVal val="visible"/>
+                                      </p:to>
+                                    </p:set>
+                                  </p:childTnLst>
+                                </p:cTn>
+                              </p:par>
+                            </p:childTnLst>
+                          </p:cTn>
+                        </p:par>
+                      </p:childTnLst>
+                    </p:cTn>
+                  </p:par>
+                  <p:par>
+                    <p:cTn id="19" fill="hold">
+                      <p:stCondLst>
+                        <p:cond delay="indefinite"/>
+                      </p:stCondLst>
+                      <p:childTnLst>
+                        <p:par>
+                          <p:cTn id="20" fill="hold">
+                            <p:stCondLst>
+                              <p:cond delay="0"/>
+                            </p:stCondLst>
+                            <p:childTnLst>
+                              <p:par>
+                                <p:cTn id="21" presetID="1" presetClass="entr" presetSubtype="0" fill="hold" nodeType="clickEffect">
+                                  <p:stCondLst>
+                                    <p:cond delay="0"/>
+                                  </p:stCondLst>
+                                  <p:childTnLst>
+                                    <p:set>
+                                      <p:cBhvr>
+                                        <p:cTn id="22" dur="1" fill="hold">
+                                          <p:stCondLst>
+                                            <p:cond delay="0"/>
+                                          </p:stCondLst>
+                                        </p:cTn>
+                                        <p:tgtEl>
+                                          <p:spTgt spid="22"/>
+                                        </p:tgtEl>
+                                        <p:attrNameLst>
+                                          <p:attrName>style.visibility</p:attrName>
+                                        </p:attrNameLst>
+                                      </p:cBhvr>
+                                      <p:to>
+                                        <p:strVal val="visible"/>
+                                      </p:to>
+                                    </p:set>
+                                  </p:childTnLst>
+                                </p:cTn>
+                              </p:par>
+                            </p:childTnLst>
+                          </p:cTn>
+                        </p:par>
+                      </p:childTnLst>
+                    </p:cTn>
+                  </p:par>
+                </p:childTnLst>
+              </p:cTn>
+              <p:prevCondLst>
+                <p:cond evt="onPrev" delay="0">
+                  <p:tgtEl>
+                    <p:sldTgt/>
+                  </p:tgtEl>
+                </p:cond>
+              </p:prevCondLst>
+              <p:nextCondLst>
+                <p:cond evt="onNext" delay="0">
+                  <p:tgtEl>
+                    <p:sldTgt/>
+                  </p:tgtEl>
+                </p:cond>
+              </p:nextCondLst>
+            </p:seq>
+          </p:childTnLst>
+        </p:cTn>
+      </p:par>
+    </p:tnLst>
+  </p:timing>
 </p:sld>
 </file>
 
